--- a/andy-levy/BackupManagement/Backup Management with dbatools.pptx
+++ b/andy-levy/BackupManagement/Backup Management with dbatools.pptx
@@ -7,8 +7,11 @@
   <p:sldIdLst>
     <p:sldId id="263" r:id="rId2"/>
     <p:sldId id="257" r:id="rId3"/>
-    <p:sldId id="265" r:id="rId4"/>
-    <p:sldId id="262" r:id="rId5"/>
+    <p:sldId id="266" r:id="rId4"/>
+    <p:sldId id="265" r:id="rId5"/>
+    <p:sldId id="267" r:id="rId6"/>
+    <p:sldId id="268" r:id="rId7"/>
+    <p:sldId id="262" r:id="rId8"/>
   </p:sldIdLst>
   <p:sldSz cx="11520488" cy="6480175"/>
   <p:notesSz cx="6858000" cy="9144000"/>
@@ -1140,7 +1143,7 @@
           <a:graphicData uri="http://schemas.openxmlformats.org/presentationml/2006/ole">
             <mc:AlternateContent xmlns:mc="http://schemas.openxmlformats.org/markup-compatibility/2006">
               <mc:Choice xmlns:v="urn:schemas-microsoft-com:vml" Requires="v">
-                <p:oleObj spid="_x0000_s1030" name="Image" r:id="rId10" imgW="2279520" imgH="1310400" progId="Photoshop.Image.18">
+                <p:oleObj spid="_x0000_s1036" name="Image" r:id="rId10" imgW="2279520" imgH="1310400" progId="Photoshop.Image.18">
                   <p:embed/>
                 </p:oleObj>
               </mc:Choice>
@@ -1672,6 +1675,89 @@
           <p:cNvPr id="2" name="Title 1">
             <a:extLst>
               <a:ext uri="{FF2B5EF4-FFF2-40B4-BE49-F238E27FC236}">
+                <a16:creationId xmlns:a16="http://schemas.microsoft.com/office/drawing/2014/main" id="{7E0E860E-631B-41B7-9605-62B0AE617A05}"/>
+              </a:ext>
+            </a:extLst>
+          </p:cNvPr>
+          <p:cNvSpPr>
+            <a:spLocks noGrp="1"/>
+          </p:cNvSpPr>
+          <p:nvPr>
+            <p:ph type="title"/>
+          </p:nvPr>
+        </p:nvSpPr>
+        <p:spPr/>
+        <p:txBody>
+          <a:bodyPr/>
+          <a:lstStyle/>
+          <a:p>
+            <a:r>
+              <a:rPr lang="en-US" dirty="0"/>
+              <a:t>Why Backups?</a:t>
+            </a:r>
+          </a:p>
+        </p:txBody>
+      </p:sp>
+      <p:sp>
+        <p:nvSpPr>
+          <p:cNvPr id="3" name="Content Placeholder 2">
+            <a:extLst>
+              <a:ext uri="{FF2B5EF4-FFF2-40B4-BE49-F238E27FC236}">
+                <a16:creationId xmlns:a16="http://schemas.microsoft.com/office/drawing/2014/main" id="{1E6049CB-C6FF-44CE-9E54-005B7EB02767}"/>
+              </a:ext>
+            </a:extLst>
+          </p:cNvPr>
+          <p:cNvSpPr>
+            <a:spLocks noGrp="1"/>
+          </p:cNvSpPr>
+          <p:nvPr>
+            <p:ph idx="1"/>
+          </p:nvPr>
+        </p:nvSpPr>
+        <p:spPr/>
+        <p:txBody>
+          <a:bodyPr/>
+          <a:lstStyle/>
+          <a:p>
+            <a:endParaRPr lang="en-US"/>
+          </a:p>
+        </p:txBody>
+      </p:sp>
+    </p:spTree>
+    <p:extLst>
+      <p:ext uri="{BB962C8B-B14F-4D97-AF65-F5344CB8AC3E}">
+        <p14:creationId xmlns:p14="http://schemas.microsoft.com/office/powerpoint/2010/main" val="1869168573"/>
+      </p:ext>
+    </p:extLst>
+  </p:cSld>
+  <p:clrMapOvr>
+    <a:masterClrMapping/>
+  </p:clrMapOvr>
+</p:sld>
+</file>
+
+<file path=ppt/slides/slide4.xml><?xml version="1.0" encoding="utf-8"?>
+<p:sld xmlns:a="http://schemas.openxmlformats.org/drawingml/2006/main" xmlns:r="http://schemas.openxmlformats.org/officeDocument/2006/relationships" xmlns:p="http://schemas.openxmlformats.org/presentationml/2006/main">
+  <p:cSld>
+    <p:spTree>
+      <p:nvGrpSpPr>
+        <p:cNvPr id="1" name=""/>
+        <p:cNvGrpSpPr/>
+        <p:nvPr/>
+      </p:nvGrpSpPr>
+      <p:grpSpPr>
+        <a:xfrm>
+          <a:off x="0" y="0"/>
+          <a:ext cx="0" cy="0"/>
+          <a:chOff x="0" y="0"/>
+          <a:chExt cx="0" cy="0"/>
+        </a:xfrm>
+      </p:grpSpPr>
+      <p:sp>
+        <p:nvSpPr>
+          <p:cNvPr id="2" name="Title 1">
+            <a:extLst>
+              <a:ext uri="{FF2B5EF4-FFF2-40B4-BE49-F238E27FC236}">
                 <a16:creationId xmlns:a16="http://schemas.microsoft.com/office/drawing/2014/main" id="{2072C331-D411-AD42-91D4-E5C364519383}"/>
               </a:ext>
             </a:extLst>
@@ -1724,7 +1810,34 @@
           <a:bodyPr/>
           <a:lstStyle/>
           <a:p>
-            <a:endParaRPr lang="en-US"/>
+            <a:pPr marL="571500" indent="-571500">
+              <a:buFont typeface="Arial" panose="020B0604020202020204" pitchFamily="34" charset="0"/>
+              <a:buChar char="•"/>
+            </a:pPr>
+            <a:r>
+              <a:rPr lang="en-US" dirty="0"/>
+              <a:t>I don’t know PowerShell</a:t>
+            </a:r>
+          </a:p>
+          <a:p>
+            <a:pPr marL="571500" indent="-571500">
+              <a:buFont typeface="Arial" panose="020B0604020202020204" pitchFamily="34" charset="0"/>
+              <a:buChar char="•"/>
+            </a:pPr>
+            <a:r>
+              <a:rPr lang="en-US" dirty="0"/>
+              <a:t>I can’t write PowerShell</a:t>
+            </a:r>
+          </a:p>
+          <a:p>
+            <a:pPr marL="571500" indent="-571500">
+              <a:buFont typeface="Arial" panose="020B0604020202020204" pitchFamily="34" charset="0"/>
+              <a:buChar char="•"/>
+            </a:pPr>
+            <a:r>
+              <a:rPr lang="en-US" dirty="0"/>
+              <a:t>I’m not allowed to use PowerShell</a:t>
+            </a:r>
           </a:p>
         </p:txBody>
       </p:sp>
@@ -1741,7 +1854,303 @@
 </p:sld>
 </file>
 
-<file path=ppt/slides/slide4.xml><?xml version="1.0" encoding="utf-8"?>
+<file path=ppt/slides/slide5.xml><?xml version="1.0" encoding="utf-8"?>
+<p:sld xmlns:a="http://schemas.openxmlformats.org/drawingml/2006/main" xmlns:r="http://schemas.openxmlformats.org/officeDocument/2006/relationships" xmlns:p="http://schemas.openxmlformats.org/presentationml/2006/main">
+  <p:cSld>
+    <p:spTree>
+      <p:nvGrpSpPr>
+        <p:cNvPr id="1" name=""/>
+        <p:cNvGrpSpPr/>
+        <p:nvPr/>
+      </p:nvGrpSpPr>
+      <p:grpSpPr>
+        <a:xfrm>
+          <a:off x="0" y="0"/>
+          <a:ext cx="0" cy="0"/>
+          <a:chOff x="0" y="0"/>
+          <a:chExt cx="0" cy="0"/>
+        </a:xfrm>
+      </p:grpSpPr>
+      <p:sp>
+        <p:nvSpPr>
+          <p:cNvPr id="2" name="Title 1">
+            <a:extLst>
+              <a:ext uri="{FF2B5EF4-FFF2-40B4-BE49-F238E27FC236}">
+                <a16:creationId xmlns:a16="http://schemas.microsoft.com/office/drawing/2014/main" id="{7BF6AB3D-2941-481B-BDE7-D0EED610354C}"/>
+              </a:ext>
+            </a:extLst>
+          </p:cNvPr>
+          <p:cNvSpPr>
+            <a:spLocks noGrp="1"/>
+          </p:cNvSpPr>
+          <p:nvPr>
+            <p:ph type="title"/>
+          </p:nvPr>
+        </p:nvSpPr>
+        <p:spPr/>
+        <p:txBody>
+          <a:bodyPr/>
+          <a:lstStyle/>
+          <a:p>
+            <a:r>
+              <a:rPr lang="en-US" dirty="0"/>
+              <a:t>How Do You Back Up?</a:t>
+            </a:r>
+          </a:p>
+        </p:txBody>
+      </p:sp>
+      <p:sp>
+        <p:nvSpPr>
+          <p:cNvPr id="3" name="Content Placeholder 2">
+            <a:extLst>
+              <a:ext uri="{FF2B5EF4-FFF2-40B4-BE49-F238E27FC236}">
+                <a16:creationId xmlns:a16="http://schemas.microsoft.com/office/drawing/2014/main" id="{F6FAE1AA-41DC-4A60-A4CA-2580B7AADB0F}"/>
+              </a:ext>
+            </a:extLst>
+          </p:cNvPr>
+          <p:cNvSpPr>
+            <a:spLocks noGrp="1"/>
+          </p:cNvSpPr>
+          <p:nvPr>
+            <p:ph idx="1"/>
+          </p:nvPr>
+        </p:nvSpPr>
+        <p:spPr/>
+        <p:txBody>
+          <a:bodyPr/>
+          <a:lstStyle/>
+          <a:p>
+            <a:pPr marL="571500" indent="-571500">
+              <a:buFont typeface="Arial" panose="020B0604020202020204" pitchFamily="34" charset="0"/>
+              <a:buChar char="•"/>
+            </a:pPr>
+            <a:r>
+              <a:rPr lang="en-US" dirty="0"/>
+              <a:t>Native</a:t>
+            </a:r>
+          </a:p>
+          <a:p>
+            <a:pPr marL="1147527" lvl="1" indent="-571500">
+              <a:buFont typeface="Arial" panose="020B0604020202020204" pitchFamily="34" charset="0"/>
+              <a:buChar char="•"/>
+            </a:pPr>
+            <a:r>
+              <a:rPr lang="en-US" dirty="0"/>
+              <a:t>Ad-Hoc?</a:t>
+            </a:r>
+          </a:p>
+          <a:p>
+            <a:pPr marL="1147527" lvl="1" indent="-571500">
+              <a:buFont typeface="Arial" panose="020B0604020202020204" pitchFamily="34" charset="0"/>
+              <a:buChar char="•"/>
+            </a:pPr>
+            <a:r>
+              <a:rPr lang="en-US" dirty="0"/>
+              <a:t>Custom Jobs?</a:t>
+            </a:r>
+          </a:p>
+          <a:p>
+            <a:pPr marL="1147527" lvl="1" indent="-571500">
+              <a:buFont typeface="Arial" panose="020B0604020202020204" pitchFamily="34" charset="0"/>
+              <a:buChar char="•"/>
+            </a:pPr>
+            <a:r>
+              <a:rPr lang="en-US" dirty="0"/>
+              <a:t>Ola </a:t>
+            </a:r>
+            <a:r>
+              <a:rPr lang="en-US" dirty="0" err="1"/>
+              <a:t>Hallengren</a:t>
+            </a:r>
+            <a:r>
+              <a:rPr lang="en-US" dirty="0"/>
+              <a:t>?</a:t>
+            </a:r>
+          </a:p>
+          <a:p>
+            <a:pPr marL="571500" indent="-571500">
+              <a:buFont typeface="Arial" panose="020B0604020202020204" pitchFamily="34" charset="0"/>
+              <a:buChar char="•"/>
+            </a:pPr>
+            <a:r>
+              <a:rPr lang="en-US" dirty="0"/>
+              <a:t>3</a:t>
+            </a:r>
+            <a:r>
+              <a:rPr lang="en-US" baseline="30000" dirty="0"/>
+              <a:t>rd</a:t>
+            </a:r>
+            <a:r>
+              <a:rPr lang="en-US" dirty="0"/>
+              <a:t>-Party Tools?</a:t>
+            </a:r>
+          </a:p>
+        </p:txBody>
+      </p:sp>
+    </p:spTree>
+    <p:extLst>
+      <p:ext uri="{BB962C8B-B14F-4D97-AF65-F5344CB8AC3E}">
+        <p14:creationId xmlns:p14="http://schemas.microsoft.com/office/powerpoint/2010/main" val="1917445656"/>
+      </p:ext>
+    </p:extLst>
+  </p:cSld>
+  <p:clrMapOvr>
+    <a:masterClrMapping/>
+  </p:clrMapOvr>
+</p:sld>
+</file>
+
+<file path=ppt/slides/slide6.xml><?xml version="1.0" encoding="utf-8"?>
+<p:sld xmlns:a="http://schemas.openxmlformats.org/drawingml/2006/main" xmlns:r="http://schemas.openxmlformats.org/officeDocument/2006/relationships" xmlns:p="http://schemas.openxmlformats.org/presentationml/2006/main">
+  <p:cSld>
+    <p:spTree>
+      <p:nvGrpSpPr>
+        <p:cNvPr id="1" name=""/>
+        <p:cNvGrpSpPr/>
+        <p:nvPr/>
+      </p:nvGrpSpPr>
+      <p:grpSpPr>
+        <a:xfrm>
+          <a:off x="0" y="0"/>
+          <a:ext cx="0" cy="0"/>
+          <a:chOff x="0" y="0"/>
+          <a:chExt cx="0" cy="0"/>
+        </a:xfrm>
+      </p:grpSpPr>
+      <p:sp>
+        <p:nvSpPr>
+          <p:cNvPr id="2" name="Title 1">
+            <a:extLst>
+              <a:ext uri="{FF2B5EF4-FFF2-40B4-BE49-F238E27FC236}">
+                <a16:creationId xmlns:a16="http://schemas.microsoft.com/office/drawing/2014/main" id="{6E33FEDB-0B94-45DC-9546-33F0EDCCC450}"/>
+              </a:ext>
+            </a:extLst>
+          </p:cNvPr>
+          <p:cNvSpPr>
+            <a:spLocks noGrp="1"/>
+          </p:cNvSpPr>
+          <p:nvPr>
+            <p:ph type="title"/>
+          </p:nvPr>
+        </p:nvSpPr>
+        <p:spPr/>
+        <p:txBody>
+          <a:bodyPr/>
+          <a:lstStyle/>
+          <a:p>
+            <a:r>
+              <a:rPr lang="en-US" dirty="0"/>
+              <a:t>What Do You Back Up?</a:t>
+            </a:r>
+          </a:p>
+        </p:txBody>
+      </p:sp>
+      <p:sp>
+        <p:nvSpPr>
+          <p:cNvPr id="3" name="Content Placeholder 2">
+            <a:extLst>
+              <a:ext uri="{FF2B5EF4-FFF2-40B4-BE49-F238E27FC236}">
+                <a16:creationId xmlns:a16="http://schemas.microsoft.com/office/drawing/2014/main" id="{D65D9A50-4626-41DC-9906-15D3600F241C}"/>
+              </a:ext>
+            </a:extLst>
+          </p:cNvPr>
+          <p:cNvSpPr>
+            <a:spLocks noGrp="1"/>
+          </p:cNvSpPr>
+          <p:nvPr>
+            <p:ph idx="1"/>
+          </p:nvPr>
+        </p:nvSpPr>
+        <p:spPr/>
+        <p:txBody>
+          <a:bodyPr/>
+          <a:lstStyle/>
+          <a:p>
+            <a:pPr marL="571500" indent="-571500">
+              <a:buFont typeface="Arial" panose="020B0604020202020204" pitchFamily="34" charset="0"/>
+              <a:buChar char="•"/>
+            </a:pPr>
+            <a:r>
+              <a:rPr lang="en-US" dirty="0"/>
+              <a:t>User databases</a:t>
+            </a:r>
+          </a:p>
+          <a:p>
+            <a:pPr marL="571500" indent="-571500">
+              <a:buFont typeface="Arial" panose="020B0604020202020204" pitchFamily="34" charset="0"/>
+              <a:buChar char="•"/>
+            </a:pPr>
+            <a:r>
+              <a:rPr lang="en-US" dirty="0"/>
+              <a:t>System databases</a:t>
+            </a:r>
+          </a:p>
+          <a:p>
+            <a:pPr marL="571500" indent="-571500">
+              <a:buFont typeface="Arial" panose="020B0604020202020204" pitchFamily="34" charset="0"/>
+              <a:buChar char="•"/>
+            </a:pPr>
+            <a:r>
+              <a:rPr lang="en-US" dirty="0"/>
+              <a:t>System objects</a:t>
+            </a:r>
+          </a:p>
+          <a:p>
+            <a:pPr marL="1147527" lvl="1" indent="-571500">
+              <a:buFont typeface="Arial" panose="020B0604020202020204" pitchFamily="34" charset="0"/>
+              <a:buChar char="•"/>
+            </a:pPr>
+            <a:r>
+              <a:rPr lang="en-US" dirty="0"/>
+              <a:t>Certificates &amp; keys</a:t>
+            </a:r>
+          </a:p>
+          <a:p>
+            <a:pPr marL="1147527" lvl="1" indent="-571500">
+              <a:buFont typeface="Arial" panose="020B0604020202020204" pitchFamily="34" charset="0"/>
+              <a:buChar char="•"/>
+            </a:pPr>
+            <a:r>
+              <a:rPr lang="en-US" dirty="0"/>
+              <a:t>Logins</a:t>
+            </a:r>
+          </a:p>
+          <a:p>
+            <a:pPr marL="1147527" lvl="1" indent="-571500">
+              <a:buFont typeface="Arial" panose="020B0604020202020204" pitchFamily="34" charset="0"/>
+              <a:buChar char="•"/>
+            </a:pPr>
+            <a:r>
+              <a:rPr lang="en-US" dirty="0"/>
+              <a:t>Linked Servers</a:t>
+            </a:r>
+          </a:p>
+          <a:p>
+            <a:pPr marL="1147527" lvl="1" indent="-571500">
+              <a:buFont typeface="Arial" panose="020B0604020202020204" pitchFamily="34" charset="0"/>
+              <a:buChar char="•"/>
+            </a:pPr>
+            <a:r>
+              <a:rPr lang="en-US" dirty="0"/>
+              <a:t>Agent Jobs</a:t>
+            </a:r>
+          </a:p>
+        </p:txBody>
+      </p:sp>
+    </p:spTree>
+    <p:extLst>
+      <p:ext uri="{BB962C8B-B14F-4D97-AF65-F5344CB8AC3E}">
+        <p14:creationId xmlns:p14="http://schemas.microsoft.com/office/powerpoint/2010/main" val="3770454715"/>
+      </p:ext>
+    </p:extLst>
+  </p:cSld>
+  <p:clrMapOvr>
+    <a:masterClrMapping/>
+  </p:clrMapOvr>
+</p:sld>
+</file>
+
+<file path=ppt/slides/slide7.xml><?xml version="1.0" encoding="utf-8"?>
 <p:sld xmlns:a="http://schemas.openxmlformats.org/drawingml/2006/main" xmlns:r="http://schemas.openxmlformats.org/officeDocument/2006/relationships" xmlns:p="http://schemas.openxmlformats.org/presentationml/2006/main">
   <p:cSld>
     <p:spTree>

--- a/andy-levy/BackupManagement/Backup Management with dbatools.pptx
+++ b/andy-levy/BackupManagement/Backup Management with dbatools.pptx
@@ -2,7 +2,7 @@
 <file path=ppt/presentation.xml><?xml version="1.0" encoding="utf-8"?>
 <p:presentation xmlns:a="http://schemas.openxmlformats.org/drawingml/2006/main" xmlns:r="http://schemas.openxmlformats.org/officeDocument/2006/relationships" xmlns:p="http://schemas.openxmlformats.org/presentationml/2006/main" saveSubsetFonts="1" autoCompressPictures="0">
   <p:sldMasterIdLst>
-    <p:sldMasterId id="2147483648" r:id="rId1"/>
+    <p:sldMasterId id="2147483657" r:id="rId1"/>
   </p:sldMasterIdLst>
   <p:sldIdLst>
     <p:sldId id="263" r:id="rId2"/>
@@ -19,7 +19,7 @@
     <a:defPPr>
       <a:defRPr lang="en-US"/>
     </a:defPPr>
-    <a:lvl1pPr marL="0" algn="l" defTabSz="457200" rtl="0" eaLnBrk="1" latinLnBrk="0" hangingPunct="1">
+    <a:lvl1pPr marL="0" algn="l" defTabSz="914400" rtl="0" eaLnBrk="1" latinLnBrk="0" hangingPunct="1">
       <a:defRPr sz="1800" kern="1200">
         <a:solidFill>
           <a:schemeClr val="tx1"/>
@@ -29,7 +29,7 @@
         <a:cs typeface="+mn-cs"/>
       </a:defRPr>
     </a:lvl1pPr>
-    <a:lvl2pPr marL="457200" algn="l" defTabSz="457200" rtl="0" eaLnBrk="1" latinLnBrk="0" hangingPunct="1">
+    <a:lvl2pPr marL="457200" algn="l" defTabSz="914400" rtl="0" eaLnBrk="1" latinLnBrk="0" hangingPunct="1">
       <a:defRPr sz="1800" kern="1200">
         <a:solidFill>
           <a:schemeClr val="tx1"/>
@@ -39,7 +39,7 @@
         <a:cs typeface="+mn-cs"/>
       </a:defRPr>
     </a:lvl2pPr>
-    <a:lvl3pPr marL="914400" algn="l" defTabSz="457200" rtl="0" eaLnBrk="1" latinLnBrk="0" hangingPunct="1">
+    <a:lvl3pPr marL="914400" algn="l" defTabSz="914400" rtl="0" eaLnBrk="1" latinLnBrk="0" hangingPunct="1">
       <a:defRPr sz="1800" kern="1200">
         <a:solidFill>
           <a:schemeClr val="tx1"/>
@@ -49,7 +49,7 @@
         <a:cs typeface="+mn-cs"/>
       </a:defRPr>
     </a:lvl3pPr>
-    <a:lvl4pPr marL="1371600" algn="l" defTabSz="457200" rtl="0" eaLnBrk="1" latinLnBrk="0" hangingPunct="1">
+    <a:lvl4pPr marL="1371600" algn="l" defTabSz="914400" rtl="0" eaLnBrk="1" latinLnBrk="0" hangingPunct="1">
       <a:defRPr sz="1800" kern="1200">
         <a:solidFill>
           <a:schemeClr val="tx1"/>
@@ -59,7 +59,7 @@
         <a:cs typeface="+mn-cs"/>
       </a:defRPr>
     </a:lvl4pPr>
-    <a:lvl5pPr marL="1828800" algn="l" defTabSz="457200" rtl="0" eaLnBrk="1" latinLnBrk="0" hangingPunct="1">
+    <a:lvl5pPr marL="1828800" algn="l" defTabSz="914400" rtl="0" eaLnBrk="1" latinLnBrk="0" hangingPunct="1">
       <a:defRPr sz="1800" kern="1200">
         <a:solidFill>
           <a:schemeClr val="tx1"/>
@@ -69,7 +69,7 @@
         <a:cs typeface="+mn-cs"/>
       </a:defRPr>
     </a:lvl5pPr>
-    <a:lvl6pPr marL="2286000" algn="l" defTabSz="457200" rtl="0" eaLnBrk="1" latinLnBrk="0" hangingPunct="1">
+    <a:lvl6pPr marL="2286000" algn="l" defTabSz="914400" rtl="0" eaLnBrk="1" latinLnBrk="0" hangingPunct="1">
       <a:defRPr sz="1800" kern="1200">
         <a:solidFill>
           <a:schemeClr val="tx1"/>
@@ -79,7 +79,7 @@
         <a:cs typeface="+mn-cs"/>
       </a:defRPr>
     </a:lvl6pPr>
-    <a:lvl7pPr marL="2743200" algn="l" defTabSz="457200" rtl="0" eaLnBrk="1" latinLnBrk="0" hangingPunct="1">
+    <a:lvl7pPr marL="2743200" algn="l" defTabSz="914400" rtl="0" eaLnBrk="1" latinLnBrk="0" hangingPunct="1">
       <a:defRPr sz="1800" kern="1200">
         <a:solidFill>
           <a:schemeClr val="tx1"/>
@@ -89,7 +89,7 @@
         <a:cs typeface="+mn-cs"/>
       </a:defRPr>
     </a:lvl7pPr>
-    <a:lvl8pPr marL="3200400" algn="l" defTabSz="457200" rtl="0" eaLnBrk="1" latinLnBrk="0" hangingPunct="1">
+    <a:lvl8pPr marL="3200400" algn="l" defTabSz="914400" rtl="0" eaLnBrk="1" latinLnBrk="0" hangingPunct="1">
       <a:defRPr sz="1800" kern="1200">
         <a:solidFill>
           <a:schemeClr val="tx1"/>
@@ -99,7 +99,7 @@
         <a:cs typeface="+mn-cs"/>
       </a:defRPr>
     </a:lvl8pPr>
-    <a:lvl9pPr marL="3657600" algn="l" defTabSz="457200" rtl="0" eaLnBrk="1" latinLnBrk="0" hangingPunct="1">
+    <a:lvl9pPr marL="3657600" algn="l" defTabSz="914400" rtl="0" eaLnBrk="1" latinLnBrk="0" hangingPunct="1">
       <a:defRPr sz="1800" kern="1200">
         <a:solidFill>
           <a:schemeClr val="tx1"/>
@@ -130,8 +130,1104 @@
 </file>
 
 <file path=ppt/slideLayouts/slideLayout1.xml><?xml version="1.0" encoding="utf-8"?>
-<p:sldLayout xmlns:a="http://schemas.openxmlformats.org/drawingml/2006/main" xmlns:r="http://schemas.openxmlformats.org/officeDocument/2006/relationships" xmlns:p="http://schemas.openxmlformats.org/presentationml/2006/main" showMasterSp="0" preserve="1" userDrawn="1">
+<p:sldLayout xmlns:a="http://schemas.openxmlformats.org/drawingml/2006/main" xmlns:r="http://schemas.openxmlformats.org/officeDocument/2006/relationships" xmlns:p="http://schemas.openxmlformats.org/presentationml/2006/main" preserve="1">
   <p:cSld name="Title">
+    <p:bg>
+      <p:bgRef idx="1001">
+        <a:schemeClr val="bg1"/>
+      </p:bgRef>
+    </p:bg>
+    <p:spTree>
+      <p:nvGrpSpPr>
+        <p:cNvPr id="1" name=""/>
+        <p:cNvGrpSpPr/>
+        <p:nvPr/>
+      </p:nvGrpSpPr>
+      <p:grpSpPr>
+        <a:xfrm>
+          <a:off x="0" y="0"/>
+          <a:ext cx="0" cy="0"/>
+          <a:chOff x="0" y="0"/>
+          <a:chExt cx="0" cy="0"/>
+        </a:xfrm>
+      </p:grpSpPr>
+      <p:sp>
+        <p:nvSpPr>
+          <p:cNvPr id="3" name="Picture Placeholder 2">
+            <a:extLst>
+              <a:ext uri="{FF2B5EF4-FFF2-40B4-BE49-F238E27FC236}">
+                <a16:creationId xmlns:a16="http://schemas.microsoft.com/office/drawing/2014/main" id="{DE635FD8-712D-4EE2-A5B6-3DD8DE9C25E9}"/>
+              </a:ext>
+            </a:extLst>
+          </p:cNvPr>
+          <p:cNvSpPr>
+            <a:spLocks noGrp="1"/>
+          </p:cNvSpPr>
+          <p:nvPr>
+            <p:ph type="pic" sz="quarter" idx="10"/>
+          </p:nvPr>
+        </p:nvSpPr>
+        <p:spPr>
+          <a:xfrm>
+            <a:off x="0" y="0"/>
+            <a:ext cx="11520488" cy="6480175"/>
+          </a:xfrm>
+        </p:spPr>
+        <p:txBody>
+          <a:bodyPr/>
+          <a:lstStyle>
+            <a:lvl1pPr marL="0" indent="0" algn="ctr">
+              <a:buNone/>
+              <a:defRPr/>
+            </a:lvl1pPr>
+          </a:lstStyle>
+          <a:p>
+            <a:r>
+              <a:rPr lang="en-US"/>
+              <a:t>Click icon to add picture</a:t>
+            </a:r>
+            <a:endParaRPr lang="en-US" dirty="0"/>
+          </a:p>
+        </p:txBody>
+      </p:sp>
+      <p:sp>
+        <p:nvSpPr>
+          <p:cNvPr id="14" name="Text Placeholder 13">
+            <a:extLst>
+              <a:ext uri="{FF2B5EF4-FFF2-40B4-BE49-F238E27FC236}">
+                <a16:creationId xmlns:a16="http://schemas.microsoft.com/office/drawing/2014/main" id="{F80209DF-C4D9-43B8-AA05-F53619153042}"/>
+              </a:ext>
+            </a:extLst>
+          </p:cNvPr>
+          <p:cNvSpPr>
+            <a:spLocks noGrp="1"/>
+          </p:cNvSpPr>
+          <p:nvPr>
+            <p:ph type="body" sz="quarter" idx="12"/>
+          </p:nvPr>
+        </p:nvSpPr>
+        <p:spPr>
+          <a:xfrm>
+            <a:off x="3318891" y="5595875"/>
+            <a:ext cx="4882707" cy="490213"/>
+          </a:xfrm>
+        </p:spPr>
+        <p:txBody>
+          <a:bodyPr>
+            <a:noAutofit/>
+          </a:bodyPr>
+          <a:lstStyle>
+            <a:lvl1pPr marL="0" indent="0" algn="ctr">
+              <a:buNone/>
+              <a:defRPr sz="1701" spc="283">
+                <a:solidFill>
+                  <a:schemeClr val="tx1"/>
+                </a:solidFill>
+              </a:defRPr>
+            </a:lvl1pPr>
+            <a:lvl2pPr marL="432008" indent="0">
+              <a:buNone/>
+              <a:defRPr/>
+            </a:lvl2pPr>
+          </a:lstStyle>
+          <a:p>
+            <a:pPr lvl="0"/>
+            <a:r>
+              <a:rPr lang="en-US"/>
+              <a:t>Click to edit Master text styles</a:t>
+            </a:r>
+          </a:p>
+        </p:txBody>
+      </p:sp>
+      <p:sp>
+        <p:nvSpPr>
+          <p:cNvPr id="7" name="Text Placeholder 6">
+            <a:extLst>
+              <a:ext uri="{FF2B5EF4-FFF2-40B4-BE49-F238E27FC236}">
+                <a16:creationId xmlns:a16="http://schemas.microsoft.com/office/drawing/2014/main" id="{758235C5-25B1-4243-9762-4AAD3C08E8BE}"/>
+              </a:ext>
+            </a:extLst>
+          </p:cNvPr>
+          <p:cNvSpPr>
+            <a:spLocks noGrp="1"/>
+          </p:cNvSpPr>
+          <p:nvPr>
+            <p:ph type="body" idx="1" hasCustomPrompt="1"/>
+          </p:nvPr>
+        </p:nvSpPr>
+        <p:spPr>
+          <a:xfrm>
+            <a:off x="3816162" y="3409709"/>
+            <a:ext cx="3888165" cy="490213"/>
+          </a:xfrm>
+          <a:gradFill flip="none" rotWithShape="1">
+            <a:gsLst>
+              <a:gs pos="0">
+                <a:schemeClr val="accent5"/>
+              </a:gs>
+              <a:gs pos="100000">
+                <a:schemeClr val="accent2">
+                  <a:lumMod val="97000"/>
+                  <a:lumOff val="3000"/>
+                </a:schemeClr>
+              </a:gs>
+              <a:gs pos="50000">
+                <a:schemeClr val="accent1"/>
+              </a:gs>
+            </a:gsLst>
+            <a:lin ang="10800000" scaled="1"/>
+            <a:tileRect/>
+          </a:gradFill>
+        </p:spPr>
+        <p:txBody>
+          <a:bodyPr>
+            <a:noAutofit/>
+          </a:bodyPr>
+          <a:lstStyle>
+            <a:lvl1pPr marL="0" indent="0" algn="ctr">
+              <a:buNone/>
+              <a:defRPr sz="1701" cap="all" baseline="0"/>
+            </a:lvl1pPr>
+          </a:lstStyle>
+          <a:p>
+            <a:r>
+              <a:rPr lang="en-US" spc="283" dirty="0"/>
+              <a:t>ANNUAL REVIEW</a:t>
+            </a:r>
+          </a:p>
+        </p:txBody>
+      </p:sp>
+      <p:sp>
+        <p:nvSpPr>
+          <p:cNvPr id="2" name="Title 1">
+            <a:extLst>
+              <a:ext uri="{FF2B5EF4-FFF2-40B4-BE49-F238E27FC236}">
+                <a16:creationId xmlns:a16="http://schemas.microsoft.com/office/drawing/2014/main" id="{298B2C6E-DB6F-4476-8E95-9F6EC79392FD}"/>
+              </a:ext>
+            </a:extLst>
+          </p:cNvPr>
+          <p:cNvSpPr>
+            <a:spLocks noGrp="1"/>
+          </p:cNvSpPr>
+          <p:nvPr>
+            <p:ph type="title" hasCustomPrompt="1"/>
+          </p:nvPr>
+        </p:nvSpPr>
+        <p:spPr>
+          <a:xfrm>
+            <a:off x="331513" y="2310897"/>
+            <a:ext cx="10857460" cy="778521"/>
+          </a:xfrm>
+        </p:spPr>
+        <p:txBody>
+          <a:bodyPr>
+            <a:noAutofit/>
+          </a:bodyPr>
+          <a:lstStyle>
+            <a:lvl1pPr>
+              <a:lnSpc>
+                <a:spcPct val="150000"/>
+              </a:lnSpc>
+              <a:spcBef>
+                <a:spcPts val="945"/>
+              </a:spcBef>
+              <a:defRPr sz="3780" cap="all" spc="283" baseline="0"/>
+            </a:lvl1pPr>
+          </a:lstStyle>
+          <a:p>
+            <a:r>
+              <a:rPr lang="en-US" dirty="0"/>
+              <a:t>Click to edit Master TEXT styles</a:t>
+            </a:r>
+          </a:p>
+        </p:txBody>
+      </p:sp>
+    </p:spTree>
+    <p:extLst>
+      <p:ext uri="{BB962C8B-B14F-4D97-AF65-F5344CB8AC3E}">
+        <p14:creationId xmlns:p14="http://schemas.microsoft.com/office/powerpoint/2010/main" val="2618536559"/>
+      </p:ext>
+    </p:extLst>
+  </p:cSld>
+  <p:clrMapOvr>
+    <a:overrideClrMapping bg1="dk1" tx1="lt1" bg2="dk2" tx2="lt2" accent1="accent1" accent2="accent2" accent3="accent3" accent4="accent4" accent5="accent5" accent6="accent6" hlink="hlink" folHlink="folHlink"/>
+  </p:clrMapOvr>
+</p:sldLayout>
+</file>
+
+<file path=ppt/slideLayouts/slideLayout10.xml><?xml version="1.0" encoding="utf-8"?>
+<p:sldLayout xmlns:a="http://schemas.openxmlformats.org/drawingml/2006/main" xmlns:r="http://schemas.openxmlformats.org/officeDocument/2006/relationships" xmlns:p="http://schemas.openxmlformats.org/presentationml/2006/main" preserve="1">
+  <p:cSld name="Summary">
+    <p:spTree>
+      <p:nvGrpSpPr>
+        <p:cNvPr id="1" name=""/>
+        <p:cNvGrpSpPr/>
+        <p:nvPr/>
+      </p:nvGrpSpPr>
+      <p:grpSpPr>
+        <a:xfrm>
+          <a:off x="0" y="0"/>
+          <a:ext cx="0" cy="0"/>
+          <a:chOff x="0" y="0"/>
+          <a:chExt cx="0" cy="0"/>
+        </a:xfrm>
+      </p:grpSpPr>
+      <p:sp>
+        <p:nvSpPr>
+          <p:cNvPr id="9" name="Picture Placeholder 8">
+            <a:extLst>
+              <a:ext uri="{FF2B5EF4-FFF2-40B4-BE49-F238E27FC236}">
+                <a16:creationId xmlns:a16="http://schemas.microsoft.com/office/drawing/2014/main" id="{186FE9B2-6286-484B-8943-95EE0B6B0267}"/>
+              </a:ext>
+            </a:extLst>
+          </p:cNvPr>
+          <p:cNvSpPr>
+            <a:spLocks noGrp="1"/>
+          </p:cNvSpPr>
+          <p:nvPr>
+            <p:ph type="pic" sz="quarter" idx="14"/>
+          </p:nvPr>
+        </p:nvSpPr>
+        <p:spPr>
+          <a:xfrm>
+            <a:off x="0" y="0"/>
+            <a:ext cx="5118217" cy="6480175"/>
+          </a:xfrm>
+          <a:effectLst/>
+        </p:spPr>
+        <p:txBody>
+          <a:bodyPr anchor="ctr"/>
+          <a:lstStyle>
+            <a:lvl1pPr marL="0" indent="0" algn="ctr">
+              <a:buNone/>
+              <a:defRPr/>
+            </a:lvl1pPr>
+          </a:lstStyle>
+          <a:p>
+            <a:r>
+              <a:rPr lang="en-US"/>
+              <a:t>Click icon to add picture</a:t>
+            </a:r>
+            <a:endParaRPr lang="en-US" dirty="0"/>
+          </a:p>
+        </p:txBody>
+      </p:sp>
+      <p:sp>
+        <p:nvSpPr>
+          <p:cNvPr id="11" name="Slide Number Placeholder 5">
+            <a:extLst>
+              <a:ext uri="{FF2B5EF4-FFF2-40B4-BE49-F238E27FC236}">
+                <a16:creationId xmlns:a16="http://schemas.microsoft.com/office/drawing/2014/main" id="{7D4E8708-8565-4A5B-9D9E-1D4F40EAF909}"/>
+              </a:ext>
+            </a:extLst>
+          </p:cNvPr>
+          <p:cNvSpPr>
+            <a:spLocks noGrp="1"/>
+          </p:cNvSpPr>
+          <p:nvPr>
+            <p:ph type="sldNum" sz="quarter" idx="4"/>
+          </p:nvPr>
+        </p:nvSpPr>
+        <p:spPr>
+          <a:xfrm>
+            <a:off x="10913157" y="6111948"/>
+            <a:ext cx="419496" cy="345009"/>
+          </a:xfrm>
+          <a:prstGeom prst="rect">
+            <a:avLst/>
+          </a:prstGeom>
+        </p:spPr>
+        <p:txBody>
+          <a:bodyPr vert="horz" lIns="91440" tIns="45720" rIns="91440" bIns="45720" rtlCol="0" anchor="ctr"/>
+          <a:lstStyle>
+            <a:lvl1pPr algn="r">
+              <a:defRPr sz="1134">
+                <a:solidFill>
+                  <a:schemeClr val="tx1">
+                    <a:tint val="75000"/>
+                  </a:schemeClr>
+                </a:solidFill>
+              </a:defRPr>
+            </a:lvl1pPr>
+          </a:lstStyle>
+          <a:p>
+            <a:fld id="{8C2E478F-E849-4A8C-AF1F-CBCC78A7CBFA}" type="slidenum">
+              <a:rPr lang="en-US" smtClean="0"/>
+              <a:t>‹#›</a:t>
+            </a:fld>
+            <a:endParaRPr lang="en-US" dirty="0"/>
+          </a:p>
+        </p:txBody>
+      </p:sp>
+      <p:sp>
+        <p:nvSpPr>
+          <p:cNvPr id="16" name="Content Placeholder 8">
+            <a:extLst>
+              <a:ext uri="{FF2B5EF4-FFF2-40B4-BE49-F238E27FC236}">
+                <a16:creationId xmlns:a16="http://schemas.microsoft.com/office/drawing/2014/main" id="{42436126-0370-4532-A8AD-D20897982AD2}"/>
+              </a:ext>
+            </a:extLst>
+          </p:cNvPr>
+          <p:cNvSpPr>
+            <a:spLocks noGrp="1"/>
+          </p:cNvSpPr>
+          <p:nvPr>
+            <p:ph idx="1" hasCustomPrompt="1"/>
+          </p:nvPr>
+        </p:nvSpPr>
+        <p:spPr>
+          <a:xfrm>
+            <a:off x="5760244" y="1569643"/>
+            <a:ext cx="4390340" cy="2096357"/>
+          </a:xfrm>
+        </p:spPr>
+        <p:txBody>
+          <a:bodyPr>
+            <a:noAutofit/>
+          </a:bodyPr>
+          <a:lstStyle>
+            <a:lvl1pPr marL="0" indent="0">
+              <a:lnSpc>
+                <a:spcPct val="100000"/>
+              </a:lnSpc>
+              <a:buNone/>
+              <a:defRPr/>
+            </a:lvl1pPr>
+          </a:lstStyle>
+          <a:p>
+            <a:pPr marL="0" indent="0">
+              <a:lnSpc>
+                <a:spcPct val="100000"/>
+              </a:lnSpc>
+              <a:buNone/>
+            </a:pPr>
+            <a:r>
+              <a:rPr lang="en-US" sz="1512" dirty="0">
+                <a:cs typeface="Biome Light" panose="020B0303030204020804" pitchFamily="34" charset="0"/>
+              </a:rPr>
+              <a:t>Click to edit master text style.</a:t>
+            </a:r>
+          </a:p>
+          <a:p>
+            <a:pPr marL="0" indent="0">
+              <a:buNone/>
+            </a:pPr>
+            <a:endParaRPr lang="en-US" dirty="0"/>
+          </a:p>
+        </p:txBody>
+      </p:sp>
+      <p:sp>
+        <p:nvSpPr>
+          <p:cNvPr id="17" name="Slide Number Placeholder 70">
+            <a:extLst>
+              <a:ext uri="{FF2B5EF4-FFF2-40B4-BE49-F238E27FC236}">
+                <a16:creationId xmlns:a16="http://schemas.microsoft.com/office/drawing/2014/main" id="{AEC105AD-E933-4969-B038-0ABD6F013167}"/>
+              </a:ext>
+            </a:extLst>
+          </p:cNvPr>
+          <p:cNvSpPr txBox="1">
+            <a:spLocks/>
+          </p:cNvSpPr>
+          <p:nvPr/>
+        </p:nvSpPr>
+        <p:spPr>
+          <a:xfrm>
+            <a:off x="10913157" y="6111948"/>
+            <a:ext cx="419496" cy="345009"/>
+          </a:xfrm>
+          <a:prstGeom prst="rect">
+            <a:avLst/>
+          </a:prstGeom>
+        </p:spPr>
+        <p:txBody>
+          <a:bodyPr vert="horz" lIns="86402" tIns="43201" rIns="86402" bIns="43201" rtlCol="0" anchor="ctr"/>
+          <a:lstStyle>
+            <a:defPPr>
+              <a:defRPr lang="en-US"/>
+            </a:defPPr>
+            <a:lvl1pPr marL="0" algn="r" defTabSz="914400" rtl="0" eaLnBrk="1" latinLnBrk="0" hangingPunct="1">
+              <a:defRPr sz="1200" kern="1200">
+                <a:solidFill>
+                  <a:schemeClr val="tx1">
+                    <a:tint val="75000"/>
+                  </a:schemeClr>
+                </a:solidFill>
+                <a:latin typeface="+mn-lt"/>
+                <a:ea typeface="+mn-ea"/>
+                <a:cs typeface="+mn-cs"/>
+              </a:defRPr>
+            </a:lvl1pPr>
+            <a:lvl2pPr marL="457200" algn="l" defTabSz="914400" rtl="0" eaLnBrk="1" latinLnBrk="0" hangingPunct="1">
+              <a:defRPr sz="1800" kern="1200">
+                <a:solidFill>
+                  <a:schemeClr val="tx1"/>
+                </a:solidFill>
+                <a:latin typeface="+mn-lt"/>
+                <a:ea typeface="+mn-ea"/>
+                <a:cs typeface="+mn-cs"/>
+              </a:defRPr>
+            </a:lvl2pPr>
+            <a:lvl3pPr marL="914400" algn="l" defTabSz="914400" rtl="0" eaLnBrk="1" latinLnBrk="0" hangingPunct="1">
+              <a:defRPr sz="1800" kern="1200">
+                <a:solidFill>
+                  <a:schemeClr val="tx1"/>
+                </a:solidFill>
+                <a:latin typeface="+mn-lt"/>
+                <a:ea typeface="+mn-ea"/>
+                <a:cs typeface="+mn-cs"/>
+              </a:defRPr>
+            </a:lvl3pPr>
+            <a:lvl4pPr marL="1371600" algn="l" defTabSz="914400" rtl="0" eaLnBrk="1" latinLnBrk="0" hangingPunct="1">
+              <a:defRPr sz="1800" kern="1200">
+                <a:solidFill>
+                  <a:schemeClr val="tx1"/>
+                </a:solidFill>
+                <a:latin typeface="+mn-lt"/>
+                <a:ea typeface="+mn-ea"/>
+                <a:cs typeface="+mn-cs"/>
+              </a:defRPr>
+            </a:lvl4pPr>
+            <a:lvl5pPr marL="1828800" algn="l" defTabSz="914400" rtl="0" eaLnBrk="1" latinLnBrk="0" hangingPunct="1">
+              <a:defRPr sz="1800" kern="1200">
+                <a:solidFill>
+                  <a:schemeClr val="tx1"/>
+                </a:solidFill>
+                <a:latin typeface="+mn-lt"/>
+                <a:ea typeface="+mn-ea"/>
+                <a:cs typeface="+mn-cs"/>
+              </a:defRPr>
+            </a:lvl5pPr>
+            <a:lvl6pPr marL="2286000" algn="l" defTabSz="914400" rtl="0" eaLnBrk="1" latinLnBrk="0" hangingPunct="1">
+              <a:defRPr sz="1800" kern="1200">
+                <a:solidFill>
+                  <a:schemeClr val="tx1"/>
+                </a:solidFill>
+                <a:latin typeface="+mn-lt"/>
+                <a:ea typeface="+mn-ea"/>
+                <a:cs typeface="+mn-cs"/>
+              </a:defRPr>
+            </a:lvl6pPr>
+            <a:lvl7pPr marL="2743200" algn="l" defTabSz="914400" rtl="0" eaLnBrk="1" latinLnBrk="0" hangingPunct="1">
+              <a:defRPr sz="1800" kern="1200">
+                <a:solidFill>
+                  <a:schemeClr val="tx1"/>
+                </a:solidFill>
+                <a:latin typeface="+mn-lt"/>
+                <a:ea typeface="+mn-ea"/>
+                <a:cs typeface="+mn-cs"/>
+              </a:defRPr>
+            </a:lvl7pPr>
+            <a:lvl8pPr marL="3200400" algn="l" defTabSz="914400" rtl="0" eaLnBrk="1" latinLnBrk="0" hangingPunct="1">
+              <a:defRPr sz="1800" kern="1200">
+                <a:solidFill>
+                  <a:schemeClr val="tx1"/>
+                </a:solidFill>
+                <a:latin typeface="+mn-lt"/>
+                <a:ea typeface="+mn-ea"/>
+                <a:cs typeface="+mn-cs"/>
+              </a:defRPr>
+            </a:lvl8pPr>
+            <a:lvl9pPr marL="3657600" algn="l" defTabSz="914400" rtl="0" eaLnBrk="1" latinLnBrk="0" hangingPunct="1">
+              <a:defRPr sz="1800" kern="1200">
+                <a:solidFill>
+                  <a:schemeClr val="tx1"/>
+                </a:solidFill>
+                <a:latin typeface="+mn-lt"/>
+                <a:ea typeface="+mn-ea"/>
+                <a:cs typeface="+mn-cs"/>
+              </a:defRPr>
+            </a:lvl9pPr>
+          </a:lstStyle>
+          <a:p>
+            <a:fld id="{8C2E478F-E849-4A8C-AF1F-CBCC78A7CBFA}" type="slidenum">
+              <a:rPr lang="en-US" sz="1134" smtClean="0"/>
+              <a:pPr/>
+              <a:t>‹#›</a:t>
+            </a:fld>
+            <a:endParaRPr lang="en-US" sz="1134" dirty="0"/>
+          </a:p>
+        </p:txBody>
+      </p:sp>
+      <p:sp>
+        <p:nvSpPr>
+          <p:cNvPr id="7" name="Title 1">
+            <a:extLst>
+              <a:ext uri="{FF2B5EF4-FFF2-40B4-BE49-F238E27FC236}">
+                <a16:creationId xmlns:a16="http://schemas.microsoft.com/office/drawing/2014/main" id="{76CDEBF2-B5C9-4887-B717-81C3D1A73CA9}"/>
+              </a:ext>
+            </a:extLst>
+          </p:cNvPr>
+          <p:cNvSpPr>
+            <a:spLocks noGrp="1"/>
+          </p:cNvSpPr>
+          <p:nvPr>
+            <p:ph type="title"/>
+          </p:nvPr>
+        </p:nvSpPr>
+        <p:spPr>
+          <a:xfrm>
+            <a:off x="5760243" y="578318"/>
+            <a:ext cx="5572411" cy="835523"/>
+          </a:xfrm>
+        </p:spPr>
+        <p:txBody>
+          <a:bodyPr lIns="91440" rIns="91440" anchor="t">
+            <a:noAutofit/>
+          </a:bodyPr>
+          <a:lstStyle>
+            <a:lvl1pPr algn="l">
+              <a:lnSpc>
+                <a:spcPct val="150000"/>
+              </a:lnSpc>
+              <a:spcBef>
+                <a:spcPts val="945"/>
+              </a:spcBef>
+              <a:defRPr sz="3024">
+                <a:solidFill>
+                  <a:schemeClr val="tx1"/>
+                </a:solidFill>
+              </a:defRPr>
+            </a:lvl1pPr>
+          </a:lstStyle>
+          <a:p>
+            <a:r>
+              <a:rPr lang="en-US"/>
+              <a:t>Click to edit Master title style</a:t>
+            </a:r>
+            <a:endParaRPr lang="en-US" dirty="0"/>
+          </a:p>
+        </p:txBody>
+      </p:sp>
+      <p:sp>
+        <p:nvSpPr>
+          <p:cNvPr id="2" name="Rectangle 1">
+            <a:extLst>
+              <a:ext uri="{FF2B5EF4-FFF2-40B4-BE49-F238E27FC236}">
+                <a16:creationId xmlns:a16="http://schemas.microsoft.com/office/drawing/2014/main" id="{016A7FA3-8C13-4E5A-88C4-4357C8ACD73E}"/>
+              </a:ext>
+              <a:ext uri="{C183D7F6-B498-43B3-948B-1728B52AA6E4}">
+                <adec:decorative xmlns:adec="http://schemas.microsoft.com/office/drawing/2017/decorative" val="1"/>
+              </a:ext>
+            </a:extLst>
+          </p:cNvPr>
+          <p:cNvSpPr/>
+          <p:nvPr/>
+        </p:nvSpPr>
+        <p:spPr>
+          <a:xfrm>
+            <a:off x="5770680" y="5956662"/>
+            <a:ext cx="2848921" cy="523514"/>
+          </a:xfrm>
+          <a:prstGeom prst="rect">
+            <a:avLst/>
+          </a:prstGeom>
+          <a:gradFill flip="none" rotWithShape="1">
+            <a:gsLst>
+              <a:gs pos="0">
+                <a:schemeClr val="accent5"/>
+              </a:gs>
+              <a:gs pos="100000">
+                <a:schemeClr val="accent2">
+                  <a:lumMod val="97000"/>
+                  <a:lumOff val="3000"/>
+                </a:schemeClr>
+              </a:gs>
+              <a:gs pos="50000">
+                <a:schemeClr val="accent1"/>
+              </a:gs>
+            </a:gsLst>
+            <a:lin ang="10800000" scaled="1"/>
+            <a:tileRect/>
+          </a:gradFill>
+          <a:ln>
+            <a:noFill/>
+          </a:ln>
+        </p:spPr>
+        <p:style>
+          <a:lnRef idx="2">
+            <a:schemeClr val="accent1">
+              <a:shade val="50000"/>
+            </a:schemeClr>
+          </a:lnRef>
+          <a:fillRef idx="1">
+            <a:schemeClr val="accent1"/>
+          </a:fillRef>
+          <a:effectRef idx="0">
+            <a:schemeClr val="accent1"/>
+          </a:effectRef>
+          <a:fontRef idx="minor">
+            <a:schemeClr val="lt1"/>
+          </a:fontRef>
+        </p:style>
+        <p:txBody>
+          <a:bodyPr rtlCol="0" anchor="ctr"/>
+          <a:lstStyle/>
+          <a:p>
+            <a:pPr algn="ctr"/>
+            <a:endParaRPr lang="en-US" sz="1701" dirty="0"/>
+          </a:p>
+        </p:txBody>
+      </p:sp>
+    </p:spTree>
+    <p:extLst>
+      <p:ext uri="{BB962C8B-B14F-4D97-AF65-F5344CB8AC3E}">
+        <p14:creationId xmlns:p14="http://schemas.microsoft.com/office/powerpoint/2010/main" val="2848805148"/>
+      </p:ext>
+    </p:extLst>
+  </p:cSld>
+  <p:clrMapOvr>
+    <a:masterClrMapping/>
+  </p:clrMapOvr>
+</p:sldLayout>
+</file>
+
+<file path=ppt/slideLayouts/slideLayout11.xml><?xml version="1.0" encoding="utf-8"?>
+<p:sldLayout xmlns:a="http://schemas.openxmlformats.org/drawingml/2006/main" xmlns:r="http://schemas.openxmlformats.org/officeDocument/2006/relationships" xmlns:p="http://schemas.openxmlformats.org/presentationml/2006/main" preserve="1">
+  <p:cSld name="Closing">
+    <p:bg>
+      <p:bgRef idx="1001">
+        <a:schemeClr val="bg1"/>
+      </p:bgRef>
+    </p:bg>
+    <p:spTree>
+      <p:nvGrpSpPr>
+        <p:cNvPr id="1" name=""/>
+        <p:cNvGrpSpPr/>
+        <p:nvPr/>
+      </p:nvGrpSpPr>
+      <p:grpSpPr>
+        <a:xfrm>
+          <a:off x="0" y="0"/>
+          <a:ext cx="0" cy="0"/>
+          <a:chOff x="0" y="0"/>
+          <a:chExt cx="0" cy="0"/>
+        </a:xfrm>
+      </p:grpSpPr>
+      <p:sp>
+        <p:nvSpPr>
+          <p:cNvPr id="3" name="Picture Placeholder 2">
+            <a:extLst>
+              <a:ext uri="{FF2B5EF4-FFF2-40B4-BE49-F238E27FC236}">
+                <a16:creationId xmlns:a16="http://schemas.microsoft.com/office/drawing/2014/main" id="{DE635FD8-712D-4EE2-A5B6-3DD8DE9C25E9}"/>
+              </a:ext>
+            </a:extLst>
+          </p:cNvPr>
+          <p:cNvSpPr>
+            <a:spLocks noGrp="1"/>
+          </p:cNvSpPr>
+          <p:nvPr>
+            <p:ph type="pic" sz="quarter" idx="10"/>
+          </p:nvPr>
+        </p:nvSpPr>
+        <p:spPr>
+          <a:xfrm>
+            <a:off x="0" y="0"/>
+            <a:ext cx="11520488" cy="6480175"/>
+          </a:xfrm>
+        </p:spPr>
+        <p:txBody>
+          <a:bodyPr/>
+          <a:lstStyle>
+            <a:lvl1pPr marL="0" indent="0" algn="ctr">
+              <a:buNone/>
+              <a:defRPr/>
+            </a:lvl1pPr>
+          </a:lstStyle>
+          <a:p>
+            <a:r>
+              <a:rPr lang="en-US"/>
+              <a:t>Click icon to add picture</a:t>
+            </a:r>
+            <a:endParaRPr lang="en-US" dirty="0"/>
+          </a:p>
+        </p:txBody>
+      </p:sp>
+      <p:sp>
+        <p:nvSpPr>
+          <p:cNvPr id="6" name="Title 5">
+            <a:extLst>
+              <a:ext uri="{FF2B5EF4-FFF2-40B4-BE49-F238E27FC236}">
+                <a16:creationId xmlns:a16="http://schemas.microsoft.com/office/drawing/2014/main" id="{D9074D0F-754F-4F2C-A410-F222D2D2346E}"/>
+              </a:ext>
+            </a:extLst>
+          </p:cNvPr>
+          <p:cNvSpPr>
+            <a:spLocks noGrp="1"/>
+          </p:cNvSpPr>
+          <p:nvPr>
+            <p:ph type="title" idx="4294967295"/>
+          </p:nvPr>
+        </p:nvSpPr>
+        <p:spPr>
+          <a:xfrm>
+            <a:off x="663680" y="1569312"/>
+            <a:ext cx="10193128" cy="784886"/>
+          </a:xfrm>
+        </p:spPr>
+        <p:txBody>
+          <a:bodyPr>
+            <a:noAutofit/>
+          </a:bodyPr>
+          <a:lstStyle/>
+          <a:p>
+            <a:r>
+              <a:rPr lang="en-US" sz="3780" spc="283"/>
+              <a:t>Click to edit Master title style</a:t>
+            </a:r>
+            <a:endParaRPr lang="en-US" sz="3780" spc="283" dirty="0"/>
+          </a:p>
+        </p:txBody>
+      </p:sp>
+      <p:sp>
+        <p:nvSpPr>
+          <p:cNvPr id="14" name="Text Placeholder 13">
+            <a:extLst>
+              <a:ext uri="{FF2B5EF4-FFF2-40B4-BE49-F238E27FC236}">
+                <a16:creationId xmlns:a16="http://schemas.microsoft.com/office/drawing/2014/main" id="{F80209DF-C4D9-43B8-AA05-F53619153042}"/>
+              </a:ext>
+            </a:extLst>
+          </p:cNvPr>
+          <p:cNvSpPr>
+            <a:spLocks noGrp="1"/>
+          </p:cNvSpPr>
+          <p:nvPr>
+            <p:ph type="body" sz="quarter" idx="12" hasCustomPrompt="1"/>
+          </p:nvPr>
+        </p:nvSpPr>
+        <p:spPr>
+          <a:xfrm>
+            <a:off x="3318891" y="4854927"/>
+            <a:ext cx="4882707" cy="490213"/>
+          </a:xfrm>
+          <a:gradFill flip="none" rotWithShape="1">
+            <a:gsLst>
+              <a:gs pos="0">
+                <a:schemeClr val="accent5"/>
+              </a:gs>
+              <a:gs pos="100000">
+                <a:schemeClr val="accent2">
+                  <a:lumMod val="97000"/>
+                  <a:lumOff val="3000"/>
+                </a:schemeClr>
+              </a:gs>
+              <a:gs pos="50000">
+                <a:schemeClr val="accent1"/>
+              </a:gs>
+            </a:gsLst>
+            <a:lin ang="10800000" scaled="1"/>
+            <a:tileRect/>
+          </a:gradFill>
+        </p:spPr>
+        <p:txBody>
+          <a:bodyPr>
+            <a:noAutofit/>
+          </a:bodyPr>
+          <a:lstStyle>
+            <a:lvl1pPr marL="0" indent="0" algn="ctr">
+              <a:buNone/>
+              <a:defRPr sz="1701" spc="283">
+                <a:solidFill>
+                  <a:schemeClr val="tx1"/>
+                </a:solidFill>
+              </a:defRPr>
+            </a:lvl1pPr>
+            <a:lvl2pPr marL="432008" indent="0">
+              <a:buNone/>
+              <a:defRPr/>
+            </a:lvl2pPr>
+          </a:lstStyle>
+          <a:p>
+            <a:pPr lvl="0"/>
+            <a:r>
+              <a:rPr lang="en-US" dirty="0"/>
+              <a:t>CLICK TO EDIT MASTER TEXT STYLES</a:t>
+            </a:r>
+          </a:p>
+        </p:txBody>
+      </p:sp>
+      <p:sp>
+        <p:nvSpPr>
+          <p:cNvPr id="31" name="Text Placeholder 13">
+            <a:extLst>
+              <a:ext uri="{FF2B5EF4-FFF2-40B4-BE49-F238E27FC236}">
+                <a16:creationId xmlns:a16="http://schemas.microsoft.com/office/drawing/2014/main" id="{1D89734B-03E0-4ADE-8F62-C819F3E976D5}"/>
+              </a:ext>
+            </a:extLst>
+          </p:cNvPr>
+          <p:cNvSpPr>
+            <a:spLocks noGrp="1"/>
+          </p:cNvSpPr>
+          <p:nvPr>
+            <p:ph type="body" sz="quarter" idx="16" hasCustomPrompt="1"/>
+          </p:nvPr>
+        </p:nvSpPr>
+        <p:spPr>
+          <a:xfrm>
+            <a:off x="555797" y="3688093"/>
+            <a:ext cx="2895872" cy="490213"/>
+          </a:xfrm>
+        </p:spPr>
+        <p:txBody>
+          <a:bodyPr>
+            <a:noAutofit/>
+          </a:bodyPr>
+          <a:lstStyle>
+            <a:lvl1pPr marL="0" indent="0" algn="ctr">
+              <a:buNone/>
+              <a:defRPr sz="1701" spc="283">
+                <a:solidFill>
+                  <a:schemeClr val="tx1"/>
+                </a:solidFill>
+              </a:defRPr>
+            </a:lvl1pPr>
+            <a:lvl2pPr marL="432008" indent="0">
+              <a:buNone/>
+              <a:defRPr/>
+            </a:lvl2pPr>
+          </a:lstStyle>
+          <a:p>
+            <a:pPr lvl="0"/>
+            <a:r>
+              <a:rPr lang="en-US" dirty="0"/>
+              <a:t>CLICK TO EDIT</a:t>
+            </a:r>
+          </a:p>
+        </p:txBody>
+      </p:sp>
+      <p:sp>
+        <p:nvSpPr>
+          <p:cNvPr id="32" name="Text Placeholder 13">
+            <a:extLst>
+              <a:ext uri="{FF2B5EF4-FFF2-40B4-BE49-F238E27FC236}">
+                <a16:creationId xmlns:a16="http://schemas.microsoft.com/office/drawing/2014/main" id="{85971F4D-8B59-4B3E-9169-64E0EF1BA85F}"/>
+              </a:ext>
+            </a:extLst>
+          </p:cNvPr>
+          <p:cNvSpPr>
+            <a:spLocks noGrp="1"/>
+          </p:cNvSpPr>
+          <p:nvPr>
+            <p:ph type="body" sz="quarter" idx="17" hasCustomPrompt="1"/>
+          </p:nvPr>
+        </p:nvSpPr>
+        <p:spPr>
+          <a:xfrm>
+            <a:off x="4312306" y="3678837"/>
+            <a:ext cx="2895872" cy="490213"/>
+          </a:xfrm>
+        </p:spPr>
+        <p:txBody>
+          <a:bodyPr>
+            <a:noAutofit/>
+          </a:bodyPr>
+          <a:lstStyle>
+            <a:lvl1pPr marL="0" indent="0" algn="ctr">
+              <a:buNone/>
+              <a:defRPr sz="1701" spc="283">
+                <a:solidFill>
+                  <a:schemeClr val="tx1"/>
+                </a:solidFill>
+              </a:defRPr>
+            </a:lvl1pPr>
+            <a:lvl2pPr marL="432008" indent="0">
+              <a:buNone/>
+              <a:defRPr/>
+            </a:lvl2pPr>
+          </a:lstStyle>
+          <a:p>
+            <a:pPr lvl="0"/>
+            <a:r>
+              <a:rPr lang="en-US" dirty="0"/>
+              <a:t>click to edit</a:t>
+            </a:r>
+          </a:p>
+        </p:txBody>
+      </p:sp>
+      <p:sp>
+        <p:nvSpPr>
+          <p:cNvPr id="33" name="Text Placeholder 13">
+            <a:extLst>
+              <a:ext uri="{FF2B5EF4-FFF2-40B4-BE49-F238E27FC236}">
+                <a16:creationId xmlns:a16="http://schemas.microsoft.com/office/drawing/2014/main" id="{90B19777-E2ED-419C-B486-857117FD081B}"/>
+              </a:ext>
+            </a:extLst>
+          </p:cNvPr>
+          <p:cNvSpPr>
+            <a:spLocks noGrp="1"/>
+          </p:cNvSpPr>
+          <p:nvPr>
+            <p:ph type="body" sz="quarter" idx="18" hasCustomPrompt="1"/>
+          </p:nvPr>
+        </p:nvSpPr>
+        <p:spPr>
+          <a:xfrm>
+            <a:off x="8068819" y="3688093"/>
+            <a:ext cx="2895872" cy="490213"/>
+          </a:xfrm>
+        </p:spPr>
+        <p:txBody>
+          <a:bodyPr>
+            <a:noAutofit/>
+          </a:bodyPr>
+          <a:lstStyle>
+            <a:lvl1pPr marL="0" indent="0" algn="ctr">
+              <a:buNone/>
+              <a:defRPr sz="1701" spc="283">
+                <a:solidFill>
+                  <a:schemeClr val="tx1"/>
+                </a:solidFill>
+              </a:defRPr>
+            </a:lvl1pPr>
+            <a:lvl2pPr marL="432008" indent="0">
+              <a:buNone/>
+              <a:defRPr/>
+            </a:lvl2pPr>
+          </a:lstStyle>
+          <a:p>
+            <a:pPr lvl="0"/>
+            <a:r>
+              <a:rPr lang="en-US" dirty="0"/>
+              <a:t>click to edit</a:t>
+            </a:r>
+          </a:p>
+        </p:txBody>
+      </p:sp>
+      <p:sp>
+        <p:nvSpPr>
+          <p:cNvPr id="34" name="Online Image Placeholder 33">
+            <a:extLst>
+              <a:ext uri="{FF2B5EF4-FFF2-40B4-BE49-F238E27FC236}">
+                <a16:creationId xmlns:a16="http://schemas.microsoft.com/office/drawing/2014/main" id="{1A58EB44-F532-4998-B316-61C738C37BF5}"/>
+              </a:ext>
+            </a:extLst>
+          </p:cNvPr>
+          <p:cNvSpPr>
+            <a:spLocks noGrp="1"/>
+          </p:cNvSpPr>
+          <p:nvPr>
+            <p:ph type="clipArt" sz="quarter" idx="19" hasCustomPrompt="1"/>
+          </p:nvPr>
+        </p:nvSpPr>
+        <p:spPr>
+          <a:xfrm>
+            <a:off x="1658119" y="2928254"/>
+            <a:ext cx="691229" cy="691219"/>
+          </a:xfrm>
+        </p:spPr>
+        <p:txBody>
+          <a:bodyPr>
+            <a:noAutofit/>
+          </a:bodyPr>
+          <a:lstStyle>
+            <a:lvl1pPr marL="0" indent="0">
+              <a:buNone/>
+              <a:defRPr/>
+            </a:lvl1pPr>
+          </a:lstStyle>
+          <a:p>
+            <a:r>
+              <a:rPr lang="en-US" dirty="0"/>
+              <a:t>Icon</a:t>
+            </a:r>
+          </a:p>
+        </p:txBody>
+      </p:sp>
+      <p:sp>
+        <p:nvSpPr>
+          <p:cNvPr id="35" name="Online Image Placeholder 33">
+            <a:extLst>
+              <a:ext uri="{FF2B5EF4-FFF2-40B4-BE49-F238E27FC236}">
+                <a16:creationId xmlns:a16="http://schemas.microsoft.com/office/drawing/2014/main" id="{33763C3C-3545-40BD-9B2C-DC4C0E4CE819}"/>
+              </a:ext>
+            </a:extLst>
+          </p:cNvPr>
+          <p:cNvSpPr>
+            <a:spLocks noGrp="1"/>
+          </p:cNvSpPr>
+          <p:nvPr>
+            <p:ph type="clipArt" sz="quarter" idx="20" hasCustomPrompt="1"/>
+          </p:nvPr>
+        </p:nvSpPr>
+        <p:spPr>
+          <a:xfrm>
+            <a:off x="5414630" y="2928254"/>
+            <a:ext cx="691229" cy="691219"/>
+          </a:xfrm>
+        </p:spPr>
+        <p:txBody>
+          <a:bodyPr>
+            <a:noAutofit/>
+          </a:bodyPr>
+          <a:lstStyle>
+            <a:lvl1pPr marL="0" indent="0">
+              <a:buNone/>
+              <a:defRPr/>
+            </a:lvl1pPr>
+          </a:lstStyle>
+          <a:p>
+            <a:r>
+              <a:rPr lang="en-US" dirty="0"/>
+              <a:t>Icon</a:t>
+            </a:r>
+          </a:p>
+        </p:txBody>
+      </p:sp>
+      <p:sp>
+        <p:nvSpPr>
+          <p:cNvPr id="36" name="Online Image Placeholder 33">
+            <a:extLst>
+              <a:ext uri="{FF2B5EF4-FFF2-40B4-BE49-F238E27FC236}">
+                <a16:creationId xmlns:a16="http://schemas.microsoft.com/office/drawing/2014/main" id="{1C5D3777-17F3-4225-8C52-2EF1DB4FD54A}"/>
+              </a:ext>
+            </a:extLst>
+          </p:cNvPr>
+          <p:cNvSpPr>
+            <a:spLocks noGrp="1"/>
+          </p:cNvSpPr>
+          <p:nvPr>
+            <p:ph type="clipArt" sz="quarter" idx="21" hasCustomPrompt="1"/>
+          </p:nvPr>
+        </p:nvSpPr>
+        <p:spPr>
+          <a:xfrm>
+            <a:off x="9171140" y="2928254"/>
+            <a:ext cx="691229" cy="691219"/>
+          </a:xfrm>
+        </p:spPr>
+        <p:txBody>
+          <a:bodyPr>
+            <a:noAutofit/>
+          </a:bodyPr>
+          <a:lstStyle>
+            <a:lvl1pPr marL="0" indent="0">
+              <a:buNone/>
+              <a:defRPr/>
+            </a:lvl1pPr>
+          </a:lstStyle>
+          <a:p>
+            <a:r>
+              <a:rPr lang="en-US" dirty="0"/>
+              <a:t>Icon</a:t>
+            </a:r>
+          </a:p>
+        </p:txBody>
+      </p:sp>
+    </p:spTree>
+    <p:extLst>
+      <p:ext uri="{BB962C8B-B14F-4D97-AF65-F5344CB8AC3E}">
+        <p14:creationId xmlns:p14="http://schemas.microsoft.com/office/powerpoint/2010/main" val="1253171696"/>
+      </p:ext>
+    </p:extLst>
+  </p:cSld>
+  <p:clrMapOvr>
+    <a:overrideClrMapping bg1="dk1" tx1="lt1" bg2="dk2" tx2="lt2" accent1="accent1" accent2="accent2" accent3="accent3" accent4="accent4" accent5="accent5" accent6="accent6" hlink="hlink" folHlink="folHlink"/>
+  </p:clrMapOvr>
+</p:sldLayout>
+</file>
+
+<file path=ppt/slideLayouts/slideLayout12.xml><?xml version="1.0" encoding="utf-8"?>
+<p:sldLayout xmlns:a="http://schemas.openxmlformats.org/drawingml/2006/main" xmlns:r="http://schemas.openxmlformats.org/officeDocument/2006/relationships" xmlns:p="http://schemas.openxmlformats.org/presentationml/2006/main" showMasterSp="0" userDrawn="1">
+  <p:cSld name="1_Title">
     <p:spTree>
       <p:nvGrpSpPr>
         <p:cNvPr id="1" name=""/>
@@ -282,7 +1378,7 @@
     </p:spTree>
     <p:extLst>
       <p:ext uri="{BB962C8B-B14F-4D97-AF65-F5344CB8AC3E}">
-        <p14:creationId xmlns:p14="http://schemas.microsoft.com/office/powerpoint/2010/main" val="800730336"/>
+        <p14:creationId xmlns:p14="http://schemas.microsoft.com/office/powerpoint/2010/main" val="1869410330"/>
       </p:ext>
     </p:extLst>
   </p:cSld>
@@ -292,105 +1388,8 @@
 </p:sldLayout>
 </file>
 
-<file path=ppt/slideLayouts/slideLayout2.xml><?xml version="1.0" encoding="utf-8"?>
-<p:sldLayout xmlns:a="http://schemas.openxmlformats.org/drawingml/2006/main" xmlns:r="http://schemas.openxmlformats.org/officeDocument/2006/relationships" xmlns:p="http://schemas.openxmlformats.org/presentationml/2006/main" showMasterSp="0" preserve="1" userDrawn="1">
-  <p:cSld name="Section Header">
-    <p:spTree>
-      <p:nvGrpSpPr>
-        <p:cNvPr id="1" name=""/>
-        <p:cNvGrpSpPr/>
-        <p:nvPr/>
-      </p:nvGrpSpPr>
-      <p:grpSpPr>
-        <a:xfrm>
-          <a:off x="0" y="0"/>
-          <a:ext cx="0" cy="0"/>
-          <a:chOff x="0" y="0"/>
-          <a:chExt cx="0" cy="0"/>
-        </a:xfrm>
-      </p:grpSpPr>
-      <p:pic>
-        <p:nvPicPr>
-          <p:cNvPr id="4" name="Picture 3">
-            <a:extLst>
-              <a:ext uri="{FF2B5EF4-FFF2-40B4-BE49-F238E27FC236}">
-                <a16:creationId xmlns:a16="http://schemas.microsoft.com/office/drawing/2014/main" id="{097E2290-D773-46C2-A868-25CAA97A1972}"/>
-              </a:ext>
-            </a:extLst>
-          </p:cNvPr>
-          <p:cNvPicPr>
-            <a:picLocks noChangeAspect="1"/>
-          </p:cNvPicPr>
-          <p:nvPr userDrawn="1"/>
-        </p:nvPicPr>
-        <p:blipFill>
-          <a:blip r:embed="rId2"/>
-          <a:stretch>
-            <a:fillRect/>
-          </a:stretch>
-        </p:blipFill>
-        <p:spPr>
-          <a:xfrm>
-            <a:off x="-360000" y="-359912"/>
-            <a:ext cx="5328001" cy="7200000"/>
-          </a:xfrm>
-          <a:prstGeom prst="rect">
-            <a:avLst/>
-          </a:prstGeom>
-        </p:spPr>
-      </p:pic>
-      <p:sp>
-        <p:nvSpPr>
-          <p:cNvPr id="2" name="Title 1"/>
-          <p:cNvSpPr>
-            <a:spLocks noGrp="1"/>
-          </p:cNvSpPr>
-          <p:nvPr>
-            <p:ph type="title" hasCustomPrompt="1"/>
-          </p:nvPr>
-        </p:nvSpPr>
-        <p:spPr>
-          <a:xfrm>
-            <a:off x="360364" y="360363"/>
-            <a:ext cx="10799762" cy="5759449"/>
-          </a:xfrm>
-        </p:spPr>
-        <p:txBody>
-          <a:bodyPr anchor="ctr"/>
-          <a:lstStyle>
-            <a:lvl1pPr algn="r">
-              <a:defRPr sz="6000" b="0" i="0" cap="none">
-                <a:solidFill>
-                  <a:schemeClr val="accent1"/>
-                </a:solidFill>
-                <a:latin typeface="+mj-lt"/>
-                <a:cs typeface="Arial"/>
-              </a:defRPr>
-            </a:lvl1pPr>
-          </a:lstStyle>
-          <a:p>
-            <a:r>
-              <a:rPr lang="en-US" dirty="0"/>
-              <a:t>Section Title</a:t>
-            </a:r>
-          </a:p>
-        </p:txBody>
-      </p:sp>
-    </p:spTree>
-    <p:extLst>
-      <p:ext uri="{BB962C8B-B14F-4D97-AF65-F5344CB8AC3E}">
-        <p14:creationId xmlns:p14="http://schemas.microsoft.com/office/powerpoint/2010/main" val="3510596381"/>
-      </p:ext>
-    </p:extLst>
-  </p:cSld>
-  <p:clrMapOvr>
-    <a:masterClrMapping/>
-  </p:clrMapOvr>
-</p:sldLayout>
-</file>
-
-<file path=ppt/slideLayouts/slideLayout3.xml><?xml version="1.0" encoding="utf-8"?>
-<p:sldLayout xmlns:a="http://schemas.openxmlformats.org/drawingml/2006/main" xmlns:r="http://schemas.openxmlformats.org/officeDocument/2006/relationships" xmlns:p="http://schemas.openxmlformats.org/presentationml/2006/main" type="obj" preserve="1">
+<file path=ppt/slideLayouts/slideLayout13.xml><?xml version="1.0" encoding="utf-8"?>
+<p:sldLayout xmlns:a="http://schemas.openxmlformats.org/drawingml/2006/main" xmlns:r="http://schemas.openxmlformats.org/officeDocument/2006/relationships" xmlns:p="http://schemas.openxmlformats.org/presentationml/2006/main" type="obj">
   <p:cSld name="Title and Content">
     <p:spTree>
       <p:nvGrpSpPr>
@@ -528,7 +1527,7 @@
     </p:spTree>
     <p:extLst>
       <p:ext uri="{BB962C8B-B14F-4D97-AF65-F5344CB8AC3E}">
-        <p14:creationId xmlns:p14="http://schemas.microsoft.com/office/powerpoint/2010/main" val="4065140645"/>
+        <p14:creationId xmlns:p14="http://schemas.microsoft.com/office/powerpoint/2010/main" val="1852806708"/>
       </p:ext>
     </p:extLst>
   </p:cSld>
@@ -538,9 +1537,9 @@
 </p:sldLayout>
 </file>
 
-<file path=ppt/slideLayouts/slideLayout4.xml><?xml version="1.0" encoding="utf-8"?>
-<p:sldLayout xmlns:a="http://schemas.openxmlformats.org/drawingml/2006/main" xmlns:r="http://schemas.openxmlformats.org/officeDocument/2006/relationships" xmlns:p="http://schemas.openxmlformats.org/presentationml/2006/main" type="titleOnly" preserve="1">
-  <p:cSld name="Title Only">
+<file path=ppt/slideLayouts/slideLayout14.xml><?xml version="1.0" encoding="utf-8"?>
+<p:sldLayout xmlns:a="http://schemas.openxmlformats.org/drawingml/2006/main" xmlns:r="http://schemas.openxmlformats.org/officeDocument/2006/relationships" xmlns:p="http://schemas.openxmlformats.org/presentationml/2006/main" showMasterSp="0" userDrawn="1">
+  <p:cSld name="Section Header">
     <p:spTree>
       <p:nvGrpSpPr>
         <p:cNvPr id="1" name=""/>
@@ -555,6 +1554,36 @@
           <a:chExt cx="0" cy="0"/>
         </a:xfrm>
       </p:grpSpPr>
+      <p:pic>
+        <p:nvPicPr>
+          <p:cNvPr id="4" name="Picture 3">
+            <a:extLst>
+              <a:ext uri="{FF2B5EF4-FFF2-40B4-BE49-F238E27FC236}">
+                <a16:creationId xmlns:a16="http://schemas.microsoft.com/office/drawing/2014/main" id="{097E2290-D773-46C2-A868-25CAA97A1972}"/>
+              </a:ext>
+            </a:extLst>
+          </p:cNvPr>
+          <p:cNvPicPr>
+            <a:picLocks noChangeAspect="1"/>
+          </p:cNvPicPr>
+          <p:nvPr userDrawn="1"/>
+        </p:nvPicPr>
+        <p:blipFill>
+          <a:blip r:embed="rId2"/>
+          <a:stretch>
+            <a:fillRect/>
+          </a:stretch>
+        </p:blipFill>
+        <p:spPr>
+          <a:xfrm>
+            <a:off x="-360000" y="-359912"/>
+            <a:ext cx="5328001" cy="7200000"/>
+          </a:xfrm>
+          <a:prstGeom prst="rect">
+            <a:avLst/>
+          </a:prstGeom>
+        </p:spPr>
+      </p:pic>
       <p:sp>
         <p:nvSpPr>
           <p:cNvPr id="2" name="Title 1"/>
@@ -562,17 +1591,32 @@
             <a:spLocks noGrp="1"/>
           </p:cNvSpPr>
           <p:nvPr>
-            <p:ph type="title"/>
-          </p:nvPr>
-        </p:nvSpPr>
-        <p:spPr/>
-        <p:txBody>
-          <a:bodyPr/>
-          <a:lstStyle/>
-          <a:p>
-            <a:r>
-              <a:rPr lang="en-US"/>
-              <a:t>Click to edit Master title style</a:t>
+            <p:ph type="title" hasCustomPrompt="1"/>
+          </p:nvPr>
+        </p:nvSpPr>
+        <p:spPr>
+          <a:xfrm>
+            <a:off x="360364" y="360363"/>
+            <a:ext cx="10799762" cy="5759449"/>
+          </a:xfrm>
+        </p:spPr>
+        <p:txBody>
+          <a:bodyPr anchor="ctr"/>
+          <a:lstStyle>
+            <a:lvl1pPr algn="r">
+              <a:defRPr sz="6000" b="0" i="0" cap="none">
+                <a:solidFill>
+                  <a:schemeClr val="accent1"/>
+                </a:solidFill>
+                <a:latin typeface="+mj-lt"/>
+                <a:cs typeface="Arial"/>
+              </a:defRPr>
+            </a:lvl1pPr>
+          </a:lstStyle>
+          <a:p>
+            <a:r>
+              <a:rPr lang="en-US" dirty="0"/>
+              <a:t>Section Title</a:t>
             </a:r>
           </a:p>
         </p:txBody>
@@ -580,7 +1624,7 @@
     </p:spTree>
     <p:extLst>
       <p:ext uri="{BB962C8B-B14F-4D97-AF65-F5344CB8AC3E}">
-        <p14:creationId xmlns:p14="http://schemas.microsoft.com/office/powerpoint/2010/main" val="1721537737"/>
+        <p14:creationId xmlns:p14="http://schemas.microsoft.com/office/powerpoint/2010/main" val="1938897482"/>
       </p:ext>
     </p:extLst>
   </p:cSld>
@@ -590,7 +1634,7 @@
 </p:sldLayout>
 </file>
 
-<file path=ppt/slideLayouts/slideLayout5.xml><?xml version="1.0" encoding="utf-8"?>
+<file path=ppt/slideLayouts/slideLayout15.xml><?xml version="1.0" encoding="utf-8"?>
 <p:sldLayout xmlns:a="http://schemas.openxmlformats.org/drawingml/2006/main" xmlns:r="http://schemas.openxmlformats.org/officeDocument/2006/relationships" xmlns:p="http://schemas.openxmlformats.org/presentationml/2006/main" preserve="1" userDrawn="1">
   <p:cSld name="Content Only">
     <p:spTree>
@@ -722,9 +1766,9 @@
 </p:sldLayout>
 </file>
 
-<file path=ppt/slideLayouts/slideLayout6.xml><?xml version="1.0" encoding="utf-8"?>
-<p:sldLayout xmlns:a="http://schemas.openxmlformats.org/drawingml/2006/main" xmlns:r="http://schemas.openxmlformats.org/officeDocument/2006/relationships" xmlns:p="http://schemas.openxmlformats.org/presentationml/2006/main" type="twoObj" preserve="1">
-  <p:cSld name="Two Content">
+<file path=ppt/slideLayouts/slideLayout2.xml><?xml version="1.0" encoding="utf-8"?>
+<p:sldLayout xmlns:a="http://schemas.openxmlformats.org/drawingml/2006/main" xmlns:r="http://schemas.openxmlformats.org/officeDocument/2006/relationships" xmlns:p="http://schemas.openxmlformats.org/presentationml/2006/main" preserve="1">
+  <p:cSld name="Agenda">
     <p:spTree>
       <p:nvGrpSpPr>
         <p:cNvPr id="1" name=""/>
@@ -741,206 +1785,266 @@
       </p:grpSpPr>
       <p:sp>
         <p:nvSpPr>
-          <p:cNvPr id="2" name="Title 1"/>
-          <p:cNvSpPr>
-            <a:spLocks noGrp="1"/>
-          </p:cNvSpPr>
-          <p:nvPr>
-            <p:ph type="title"/>
-          </p:nvPr>
-        </p:nvSpPr>
-        <p:spPr/>
-        <p:txBody>
-          <a:bodyPr/>
+          <p:cNvPr id="11" name="Picture Placeholder 10">
+            <a:extLst>
+              <a:ext uri="{FF2B5EF4-FFF2-40B4-BE49-F238E27FC236}">
+                <a16:creationId xmlns:a16="http://schemas.microsoft.com/office/drawing/2014/main" id="{912AA41C-A030-4521-8130-6A8E4543F277}"/>
+              </a:ext>
+            </a:extLst>
+          </p:cNvPr>
+          <p:cNvSpPr>
+            <a:spLocks noGrp="1"/>
+          </p:cNvSpPr>
+          <p:nvPr>
+            <p:ph type="pic" sz="quarter" idx="13"/>
+          </p:nvPr>
+        </p:nvSpPr>
+        <p:spPr>
+          <a:xfrm>
+            <a:off x="0" y="0"/>
+            <a:ext cx="5760244" cy="6480175"/>
+          </a:xfrm>
+          <a:prstGeom prst="parallelogram">
+            <a:avLst/>
+          </a:prstGeom>
+          <a:effectLst/>
+        </p:spPr>
+        <p:txBody>
+          <a:bodyPr anchor="ctr"/>
           <a:lstStyle>
-            <a:lvl1pPr algn="l">
+            <a:lvl1pPr marL="0" indent="0" algn="ctr">
+              <a:buNone/>
               <a:defRPr/>
             </a:lvl1pPr>
           </a:lstStyle>
           <a:p>
             <a:r>
-              <a:rPr lang="en-US" dirty="0"/>
-              <a:t>Click to edit Master title style</a:t>
-            </a:r>
-          </a:p>
-        </p:txBody>
-      </p:sp>
-      <p:sp>
-        <p:nvSpPr>
-          <p:cNvPr id="3" name="Content Placeholder 2"/>
-          <p:cNvSpPr>
-            <a:spLocks noGrp="1"/>
-          </p:cNvSpPr>
-          <p:nvPr>
-            <p:ph sz="half" idx="1"/>
-          </p:nvPr>
-        </p:nvSpPr>
-        <p:spPr>
-          <a:xfrm>
-            <a:off x="361038" y="1439863"/>
-            <a:ext cx="5397726" cy="4679950"/>
-          </a:xfrm>
-        </p:spPr>
-        <p:txBody>
-          <a:bodyPr rIns="180000">
-            <a:normAutofit/>
+              <a:rPr lang="en-US"/>
+              <a:t>Click icon to add picture</a:t>
+            </a:r>
+            <a:endParaRPr lang="en-US" dirty="0"/>
+          </a:p>
+        </p:txBody>
+      </p:sp>
+      <p:sp>
+        <p:nvSpPr>
+          <p:cNvPr id="2" name="Title 1">
+            <a:extLst>
+              <a:ext uri="{FF2B5EF4-FFF2-40B4-BE49-F238E27FC236}">
+                <a16:creationId xmlns:a16="http://schemas.microsoft.com/office/drawing/2014/main" id="{7C83D428-B974-43F4-9246-0A2EECA11A5B}"/>
+              </a:ext>
+            </a:extLst>
+          </p:cNvPr>
+          <p:cNvSpPr>
+            <a:spLocks noGrp="1"/>
+          </p:cNvSpPr>
+          <p:nvPr>
+            <p:ph type="title" hasCustomPrompt="1"/>
+          </p:nvPr>
+        </p:nvSpPr>
+        <p:spPr>
+          <a:xfrm>
+            <a:off x="6679482" y="607507"/>
+            <a:ext cx="4579394" cy="1356837"/>
+          </a:xfrm>
+        </p:spPr>
+        <p:txBody>
+          <a:bodyPr anchor="t">
+            <a:noAutofit/>
           </a:bodyPr>
           <a:lstStyle>
-            <a:lvl1pPr>
-              <a:defRPr sz="2800"/>
+            <a:lvl1pPr algn="l">
+              <a:lnSpc>
+                <a:spcPct val="150000"/>
+              </a:lnSpc>
+              <a:spcBef>
+                <a:spcPts val="945"/>
+              </a:spcBef>
+              <a:defRPr sz="5102" baseline="0"/>
             </a:lvl1pPr>
-            <a:lvl2pPr>
-              <a:defRPr sz="2400"/>
-            </a:lvl2pPr>
-            <a:lvl3pPr>
-              <a:defRPr sz="2000"/>
-            </a:lvl3pPr>
-            <a:lvl4pPr>
-              <a:defRPr sz="1800"/>
-            </a:lvl4pPr>
-            <a:lvl5pPr>
-              <a:defRPr sz="1800"/>
-            </a:lvl5pPr>
-            <a:lvl6pPr>
-              <a:defRPr sz="2268"/>
-            </a:lvl6pPr>
-            <a:lvl7pPr>
-              <a:defRPr sz="2268"/>
-            </a:lvl7pPr>
-            <a:lvl8pPr>
-              <a:defRPr sz="2268"/>
-            </a:lvl8pPr>
-            <a:lvl9pPr>
-              <a:defRPr sz="2268"/>
-            </a:lvl9pPr>
           </a:lstStyle>
           <a:p>
-            <a:pPr lvl="0"/>
-            <a:r>
-              <a:rPr lang="en-US" dirty="0"/>
-              <a:t>Click to edit Master text styles</a:t>
-            </a:r>
-          </a:p>
-          <a:p>
-            <a:pPr lvl="1"/>
-            <a:r>
-              <a:rPr lang="en-US" dirty="0"/>
-              <a:t>Second level</a:t>
-            </a:r>
-          </a:p>
-          <a:p>
-            <a:pPr lvl="2"/>
-            <a:r>
-              <a:rPr lang="en-US" dirty="0"/>
-              <a:t>Third level</a:t>
-            </a:r>
-          </a:p>
-          <a:p>
-            <a:pPr lvl="3"/>
-            <a:r>
-              <a:rPr lang="en-US" dirty="0"/>
-              <a:t>Fourth level</a:t>
-            </a:r>
-          </a:p>
-          <a:p>
-            <a:pPr lvl="4"/>
-            <a:r>
-              <a:rPr lang="en-US" dirty="0"/>
-              <a:t>Fifth level</a:t>
-            </a:r>
-          </a:p>
-        </p:txBody>
-      </p:sp>
-      <p:sp>
-        <p:nvSpPr>
-          <p:cNvPr id="4" name="Content Placeholder 3"/>
-          <p:cNvSpPr>
-            <a:spLocks noGrp="1"/>
-          </p:cNvSpPr>
-          <p:nvPr>
-            <p:ph sz="half" idx="2" hasCustomPrompt="1"/>
-          </p:nvPr>
-        </p:nvSpPr>
-        <p:spPr>
-          <a:xfrm>
-            <a:off x="5761038" y="1439863"/>
-            <a:ext cx="5399087" cy="4679950"/>
-          </a:xfrm>
-        </p:spPr>
-        <p:txBody>
-          <a:bodyPr lIns="180000">
-            <a:normAutofit/>
+            <a:r>
+              <a:rPr lang="en-US" dirty="0"/>
+              <a:t>Title</a:t>
+            </a:r>
+          </a:p>
+        </p:txBody>
+      </p:sp>
+      <p:sp>
+        <p:nvSpPr>
+          <p:cNvPr id="5" name="Footer Placeholder 4">
+            <a:extLst>
+              <a:ext uri="{FF2B5EF4-FFF2-40B4-BE49-F238E27FC236}">
+                <a16:creationId xmlns:a16="http://schemas.microsoft.com/office/drawing/2014/main" id="{BC79732E-D749-40DD-8365-05028518765D}"/>
+              </a:ext>
+            </a:extLst>
+          </p:cNvPr>
+          <p:cNvSpPr>
+            <a:spLocks noGrp="1"/>
+          </p:cNvSpPr>
+          <p:nvPr>
+            <p:ph type="ftr" sz="quarter" idx="11"/>
+          </p:nvPr>
+        </p:nvSpPr>
+        <p:spPr/>
+        <p:txBody>
+          <a:bodyPr/>
+          <a:lstStyle/>
+          <a:p>
+            <a:r>
+              <a:rPr lang="en-US" dirty="0"/>
+              <a:t>Add a footer</a:t>
+            </a:r>
+          </a:p>
+        </p:txBody>
+      </p:sp>
+      <p:sp>
+        <p:nvSpPr>
+          <p:cNvPr id="6" name="Slide Number Placeholder 5">
+            <a:extLst>
+              <a:ext uri="{FF2B5EF4-FFF2-40B4-BE49-F238E27FC236}">
+                <a16:creationId xmlns:a16="http://schemas.microsoft.com/office/drawing/2014/main" id="{88F55E23-C4CC-4E9B-80F4-C4BEA6E2DD84}"/>
+              </a:ext>
+            </a:extLst>
+          </p:cNvPr>
+          <p:cNvSpPr>
+            <a:spLocks noGrp="1"/>
+          </p:cNvSpPr>
+          <p:nvPr>
+            <p:ph type="sldNum" sz="quarter" idx="12"/>
+          </p:nvPr>
+        </p:nvSpPr>
+        <p:spPr/>
+        <p:txBody>
+          <a:bodyPr/>
+          <a:lstStyle/>
+          <a:p>
+            <a:fld id="{8C2E478F-E849-4A8C-AF1F-CBCC78A7CBFA}" type="slidenum">
+              <a:rPr lang="en-US" smtClean="0"/>
+              <a:t>‹#›</a:t>
+            </a:fld>
+            <a:endParaRPr lang="en-US" dirty="0"/>
+          </a:p>
+        </p:txBody>
+      </p:sp>
+      <p:sp>
+        <p:nvSpPr>
+          <p:cNvPr id="13" name="Text Placeholder 12">
+            <a:extLst>
+              <a:ext uri="{FF2B5EF4-FFF2-40B4-BE49-F238E27FC236}">
+                <a16:creationId xmlns:a16="http://schemas.microsoft.com/office/drawing/2014/main" id="{9D00A38D-CFE8-4333-B9D2-D3E7EACA4F0E}"/>
+              </a:ext>
+            </a:extLst>
+          </p:cNvPr>
+          <p:cNvSpPr>
+            <a:spLocks noGrp="1"/>
+          </p:cNvSpPr>
+          <p:nvPr>
+            <p:ph type="body" sz="quarter" idx="15" hasCustomPrompt="1"/>
+          </p:nvPr>
+        </p:nvSpPr>
+        <p:spPr>
+          <a:xfrm>
+            <a:off x="6679483" y="1964345"/>
+            <a:ext cx="3888165" cy="3589597"/>
+          </a:xfrm>
+        </p:spPr>
+        <p:txBody>
+          <a:bodyPr>
+            <a:noAutofit/>
           </a:bodyPr>
           <a:lstStyle>
-            <a:lvl1pPr>
-              <a:defRPr sz="2800"/>
+            <a:lvl1pPr marL="0" indent="0">
+              <a:buNone/>
+              <a:defRPr sz="1701" spc="283"/>
             </a:lvl1pPr>
-            <a:lvl2pPr>
-              <a:defRPr sz="2400"/>
-            </a:lvl2pPr>
-            <a:lvl3pPr>
-              <a:defRPr sz="2000"/>
-            </a:lvl3pPr>
-            <a:lvl4pPr>
-              <a:defRPr sz="1800"/>
-            </a:lvl4pPr>
-            <a:lvl5pPr>
-              <a:defRPr sz="1800"/>
-            </a:lvl5pPr>
-            <a:lvl6pPr>
-              <a:defRPr sz="2268"/>
-            </a:lvl6pPr>
-            <a:lvl7pPr>
-              <a:defRPr sz="2268"/>
-            </a:lvl7pPr>
-            <a:lvl8pPr>
-              <a:defRPr sz="2268"/>
-            </a:lvl8pPr>
-            <a:lvl9pPr>
-              <a:defRPr sz="2268"/>
-            </a:lvl9pPr>
           </a:lstStyle>
           <a:p>
             <a:pPr lvl="0"/>
             <a:r>
               <a:rPr lang="en-US" dirty="0"/>
-              <a:t>Click to edit Master text styles</a:t>
-            </a:r>
-          </a:p>
-          <a:p>
-            <a:pPr lvl="1"/>
-            <a:r>
-              <a:rPr lang="en-US" dirty="0"/>
-              <a:t>Second level</a:t>
-            </a:r>
-          </a:p>
-          <a:p>
-            <a:pPr lvl="2"/>
-            <a:r>
-              <a:rPr lang="en-US" dirty="0"/>
-              <a:t>Third level</a:t>
-            </a:r>
-          </a:p>
-          <a:p>
-            <a:pPr lvl="3"/>
-            <a:r>
-              <a:rPr lang="en-US" dirty="0"/>
-              <a:t>Fourth level</a:t>
-            </a:r>
-          </a:p>
-          <a:p>
-            <a:pPr lvl="4"/>
-            <a:r>
-              <a:rPr lang="en-US" dirty="0"/>
-              <a:t>Fifth level</a:t>
-            </a:r>
+              <a:t>CLICK TO EDIT MASTER TEXT STYLES</a:t>
+            </a:r>
+          </a:p>
+        </p:txBody>
+      </p:sp>
+      <p:sp>
+        <p:nvSpPr>
+          <p:cNvPr id="3" name="Rectangle 2">
+            <a:extLst>
+              <a:ext uri="{FF2B5EF4-FFF2-40B4-BE49-F238E27FC236}">
+                <a16:creationId xmlns:a16="http://schemas.microsoft.com/office/drawing/2014/main" id="{1AA8588E-221D-4931-A290-C5C4184435AD}"/>
+              </a:ext>
+              <a:ext uri="{C183D7F6-B498-43B3-948B-1728B52AA6E4}">
+                <adec:decorative xmlns:adec="http://schemas.microsoft.com/office/drawing/2017/decorative" val="1"/>
+              </a:ext>
+            </a:extLst>
+          </p:cNvPr>
+          <p:cNvSpPr/>
+          <p:nvPr/>
+        </p:nvSpPr>
+        <p:spPr>
+          <a:xfrm>
+            <a:off x="6679483" y="5956662"/>
+            <a:ext cx="2848921" cy="523514"/>
+          </a:xfrm>
+          <a:prstGeom prst="rect">
+            <a:avLst/>
+          </a:prstGeom>
+          <a:gradFill flip="none" rotWithShape="1">
+            <a:gsLst>
+              <a:gs pos="0">
+                <a:schemeClr val="accent5"/>
+              </a:gs>
+              <a:gs pos="100000">
+                <a:schemeClr val="accent2">
+                  <a:lumMod val="97000"/>
+                  <a:lumOff val="3000"/>
+                </a:schemeClr>
+              </a:gs>
+              <a:gs pos="50000">
+                <a:schemeClr val="accent1"/>
+              </a:gs>
+            </a:gsLst>
+            <a:path path="circle">
+              <a:fillToRect l="100000" t="100000"/>
+            </a:path>
+            <a:tileRect r="-100000" b="-100000"/>
+          </a:gradFill>
+          <a:ln>
+            <a:noFill/>
+          </a:ln>
+        </p:spPr>
+        <p:style>
+          <a:lnRef idx="2">
+            <a:schemeClr val="accent1">
+              <a:shade val="50000"/>
+            </a:schemeClr>
+          </a:lnRef>
+          <a:fillRef idx="1">
+            <a:schemeClr val="accent1"/>
+          </a:fillRef>
+          <a:effectRef idx="0">
+            <a:schemeClr val="accent1"/>
+          </a:effectRef>
+          <a:fontRef idx="minor">
+            <a:schemeClr val="lt1"/>
+          </a:fontRef>
+        </p:style>
+        <p:txBody>
+          <a:bodyPr rtlCol="0" anchor="ctr"/>
+          <a:lstStyle/>
+          <a:p>
+            <a:pPr algn="ctr"/>
+            <a:endParaRPr lang="en-US" sz="1701" dirty="0"/>
           </a:p>
         </p:txBody>
       </p:sp>
     </p:spTree>
     <p:extLst>
       <p:ext uri="{BB962C8B-B14F-4D97-AF65-F5344CB8AC3E}">
-        <p14:creationId xmlns:p14="http://schemas.microsoft.com/office/powerpoint/2010/main" val="2062983015"/>
+        <p14:creationId xmlns:p14="http://schemas.microsoft.com/office/powerpoint/2010/main" val="3228631511"/>
       </p:ext>
     </p:extLst>
   </p:cSld>
@@ -950,9 +2054,9 @@
 </p:sldLayout>
 </file>
 
-<file path=ppt/slideLayouts/slideLayout7.xml><?xml version="1.0" encoding="utf-8"?>
-<p:sldLayout xmlns:a="http://schemas.openxmlformats.org/drawingml/2006/main" xmlns:r="http://schemas.openxmlformats.org/officeDocument/2006/relationships" xmlns:p="http://schemas.openxmlformats.org/presentationml/2006/main" type="blank" preserve="1">
-  <p:cSld name="Blank">
+<file path=ppt/slideLayouts/slideLayout3.xml><?xml version="1.0" encoding="utf-8"?>
+<p:sldLayout xmlns:a="http://schemas.openxmlformats.org/drawingml/2006/main" xmlns:r="http://schemas.openxmlformats.org/officeDocument/2006/relationships" xmlns:p="http://schemas.openxmlformats.org/presentationml/2006/main" preserve="1">
+  <p:cSld name="Introduction">
     <p:spTree>
       <p:nvGrpSpPr>
         <p:cNvPr id="1" name=""/>
@@ -967,10 +2071,2483 @@
           <a:chExt cx="0" cy="0"/>
         </a:xfrm>
       </p:grpSpPr>
+      <p:sp>
+        <p:nvSpPr>
+          <p:cNvPr id="20" name="Text Placeholder 19">
+            <a:extLst>
+              <a:ext uri="{FF2B5EF4-FFF2-40B4-BE49-F238E27FC236}">
+                <a16:creationId xmlns:a16="http://schemas.microsoft.com/office/drawing/2014/main" id="{E5539E44-E270-49B4-8B0A-07870325AA91}"/>
+              </a:ext>
+            </a:extLst>
+          </p:cNvPr>
+          <p:cNvSpPr>
+            <a:spLocks noGrp="1"/>
+          </p:cNvSpPr>
+          <p:nvPr>
+            <p:ph type="body" sz="quarter" idx="16" hasCustomPrompt="1"/>
+          </p:nvPr>
+        </p:nvSpPr>
+        <p:spPr>
+          <a:xfrm>
+            <a:off x="5882648" y="1460958"/>
+            <a:ext cx="3801761" cy="439260"/>
+          </a:xfrm>
+          <a:gradFill flip="none" rotWithShape="1">
+            <a:gsLst>
+              <a:gs pos="0">
+                <a:schemeClr val="accent5"/>
+              </a:gs>
+              <a:gs pos="100000">
+                <a:schemeClr val="accent2">
+                  <a:lumMod val="97000"/>
+                  <a:lumOff val="3000"/>
+                </a:schemeClr>
+              </a:gs>
+              <a:gs pos="50000">
+                <a:schemeClr val="accent1"/>
+              </a:gs>
+            </a:gsLst>
+            <a:path path="circle">
+              <a:fillToRect l="100000" t="100000"/>
+            </a:path>
+            <a:tileRect r="-100000" b="-100000"/>
+          </a:gradFill>
+          <a:ln>
+            <a:noFill/>
+          </a:ln>
+        </p:spPr>
+        <p:style>
+          <a:lnRef idx="2">
+            <a:schemeClr val="accent1">
+              <a:shade val="50000"/>
+            </a:schemeClr>
+          </a:lnRef>
+          <a:fillRef idx="1">
+            <a:schemeClr val="accent1"/>
+          </a:fillRef>
+          <a:effectRef idx="0">
+            <a:schemeClr val="accent1"/>
+          </a:effectRef>
+          <a:fontRef idx="minor">
+            <a:schemeClr val="lt1"/>
+          </a:fontRef>
+        </p:style>
+        <p:txBody>
+          <a:bodyPr rtlCol="0" anchor="ctr">
+            <a:noAutofit/>
+          </a:bodyPr>
+          <a:lstStyle>
+            <a:lvl1pPr marL="0" indent="0" algn="ctr">
+              <a:lnSpc>
+                <a:spcPct val="100000"/>
+              </a:lnSpc>
+              <a:spcBef>
+                <a:spcPts val="0"/>
+              </a:spcBef>
+              <a:buNone/>
+              <a:defRPr lang="en-US" sz="1323" spc="283" baseline="0" dirty="0">
+                <a:solidFill>
+                  <a:schemeClr val="lt1"/>
+                </a:solidFill>
+              </a:defRPr>
+            </a:lvl1pPr>
+          </a:lstStyle>
+          <a:p>
+            <a:pPr marL="0" lvl="0" algn="ctr"/>
+            <a:r>
+              <a:rPr lang="en-US" dirty="0"/>
+              <a:t>CLICK TO EDIT MASTER TEXT STYLES</a:t>
+            </a:r>
+          </a:p>
+        </p:txBody>
+      </p:sp>
+      <p:sp>
+        <p:nvSpPr>
+          <p:cNvPr id="9" name="Picture Placeholder 8">
+            <a:extLst>
+              <a:ext uri="{FF2B5EF4-FFF2-40B4-BE49-F238E27FC236}">
+                <a16:creationId xmlns:a16="http://schemas.microsoft.com/office/drawing/2014/main" id="{186FE9B2-6286-484B-8943-95EE0B6B0267}"/>
+              </a:ext>
+            </a:extLst>
+          </p:cNvPr>
+          <p:cNvSpPr>
+            <a:spLocks noGrp="1"/>
+          </p:cNvSpPr>
+          <p:nvPr>
+            <p:ph type="pic" sz="quarter" idx="14"/>
+          </p:nvPr>
+        </p:nvSpPr>
+        <p:spPr>
+          <a:xfrm>
+            <a:off x="0" y="0"/>
+            <a:ext cx="5118217" cy="6469717"/>
+          </a:xfrm>
+          <a:effectLst/>
+        </p:spPr>
+        <p:txBody>
+          <a:bodyPr anchor="ctr"/>
+          <a:lstStyle>
+            <a:lvl1pPr marL="0" indent="0" algn="ctr">
+              <a:buNone/>
+              <a:defRPr/>
+            </a:lvl1pPr>
+          </a:lstStyle>
+          <a:p>
+            <a:r>
+              <a:rPr lang="en-US"/>
+              <a:t>Click icon to add picture</a:t>
+            </a:r>
+            <a:endParaRPr lang="en-US" dirty="0"/>
+          </a:p>
+        </p:txBody>
+      </p:sp>
+      <p:sp>
+        <p:nvSpPr>
+          <p:cNvPr id="11" name="Slide Number Placeholder 5">
+            <a:extLst>
+              <a:ext uri="{FF2B5EF4-FFF2-40B4-BE49-F238E27FC236}">
+                <a16:creationId xmlns:a16="http://schemas.microsoft.com/office/drawing/2014/main" id="{7D4E8708-8565-4A5B-9D9E-1D4F40EAF909}"/>
+              </a:ext>
+            </a:extLst>
+          </p:cNvPr>
+          <p:cNvSpPr>
+            <a:spLocks noGrp="1"/>
+          </p:cNvSpPr>
+          <p:nvPr>
+            <p:ph type="sldNum" sz="quarter" idx="4"/>
+          </p:nvPr>
+        </p:nvSpPr>
+        <p:spPr>
+          <a:xfrm>
+            <a:off x="10913157" y="6111948"/>
+            <a:ext cx="419496" cy="345009"/>
+          </a:xfrm>
+          <a:prstGeom prst="rect">
+            <a:avLst/>
+          </a:prstGeom>
+        </p:spPr>
+        <p:txBody>
+          <a:bodyPr vert="horz" lIns="91440" tIns="45720" rIns="91440" bIns="45720" rtlCol="0" anchor="ctr"/>
+          <a:lstStyle>
+            <a:lvl1pPr algn="r">
+              <a:defRPr sz="1134">
+                <a:solidFill>
+                  <a:schemeClr val="tx1">
+                    <a:tint val="75000"/>
+                  </a:schemeClr>
+                </a:solidFill>
+              </a:defRPr>
+            </a:lvl1pPr>
+          </a:lstStyle>
+          <a:p>
+            <a:fld id="{8C2E478F-E849-4A8C-AF1F-CBCC78A7CBFA}" type="slidenum">
+              <a:rPr lang="en-US" smtClean="0"/>
+              <a:t>‹#›</a:t>
+            </a:fld>
+            <a:endParaRPr lang="en-US" dirty="0"/>
+          </a:p>
+        </p:txBody>
+      </p:sp>
+      <p:sp>
+        <p:nvSpPr>
+          <p:cNvPr id="16" name="Content Placeholder 8">
+            <a:extLst>
+              <a:ext uri="{FF2B5EF4-FFF2-40B4-BE49-F238E27FC236}">
+                <a16:creationId xmlns:a16="http://schemas.microsoft.com/office/drawing/2014/main" id="{42436126-0370-4532-A8AD-D20897982AD2}"/>
+              </a:ext>
+            </a:extLst>
+          </p:cNvPr>
+          <p:cNvSpPr>
+            <a:spLocks noGrp="1"/>
+          </p:cNvSpPr>
+          <p:nvPr>
+            <p:ph idx="1" hasCustomPrompt="1"/>
+          </p:nvPr>
+        </p:nvSpPr>
+        <p:spPr>
+          <a:xfrm>
+            <a:off x="5760244" y="2645380"/>
+            <a:ext cx="4390340" cy="2096357"/>
+          </a:xfrm>
+        </p:spPr>
+        <p:txBody>
+          <a:bodyPr>
+            <a:noAutofit/>
+          </a:bodyPr>
+          <a:lstStyle>
+            <a:lvl1pPr marL="0" indent="0">
+              <a:lnSpc>
+                <a:spcPct val="100000"/>
+              </a:lnSpc>
+              <a:buNone/>
+              <a:defRPr/>
+            </a:lvl1pPr>
+          </a:lstStyle>
+          <a:p>
+            <a:pPr marL="0" indent="0">
+              <a:lnSpc>
+                <a:spcPct val="100000"/>
+              </a:lnSpc>
+              <a:buNone/>
+            </a:pPr>
+            <a:r>
+              <a:rPr lang="en-US" sz="1512" dirty="0">
+                <a:cs typeface="Biome Light" panose="020B0303030204020804" pitchFamily="34" charset="0"/>
+              </a:rPr>
+              <a:t>Click to edit master text style.</a:t>
+            </a:r>
+          </a:p>
+          <a:p>
+            <a:pPr marL="0" indent="0">
+              <a:buNone/>
+            </a:pPr>
+            <a:endParaRPr lang="en-US" dirty="0"/>
+          </a:p>
+        </p:txBody>
+      </p:sp>
+      <p:sp>
+        <p:nvSpPr>
+          <p:cNvPr id="17" name="Slide Number Placeholder 70">
+            <a:extLst>
+              <a:ext uri="{FF2B5EF4-FFF2-40B4-BE49-F238E27FC236}">
+                <a16:creationId xmlns:a16="http://schemas.microsoft.com/office/drawing/2014/main" id="{AEC105AD-E933-4969-B038-0ABD6F013167}"/>
+              </a:ext>
+            </a:extLst>
+          </p:cNvPr>
+          <p:cNvSpPr txBox="1">
+            <a:spLocks/>
+          </p:cNvSpPr>
+          <p:nvPr/>
+        </p:nvSpPr>
+        <p:spPr>
+          <a:xfrm>
+            <a:off x="10913157" y="6111948"/>
+            <a:ext cx="419496" cy="345009"/>
+          </a:xfrm>
+          <a:prstGeom prst="rect">
+            <a:avLst/>
+          </a:prstGeom>
+        </p:spPr>
+        <p:txBody>
+          <a:bodyPr vert="horz" lIns="86402" tIns="43201" rIns="86402" bIns="43201" rtlCol="0" anchor="ctr"/>
+          <a:lstStyle>
+            <a:defPPr>
+              <a:defRPr lang="en-US"/>
+            </a:defPPr>
+            <a:lvl1pPr marL="0" algn="r" defTabSz="914400" rtl="0" eaLnBrk="1" latinLnBrk="0" hangingPunct="1">
+              <a:defRPr sz="1200" kern="1200">
+                <a:solidFill>
+                  <a:schemeClr val="tx1">
+                    <a:tint val="75000"/>
+                  </a:schemeClr>
+                </a:solidFill>
+                <a:latin typeface="+mn-lt"/>
+                <a:ea typeface="+mn-ea"/>
+                <a:cs typeface="+mn-cs"/>
+              </a:defRPr>
+            </a:lvl1pPr>
+            <a:lvl2pPr marL="457200" algn="l" defTabSz="914400" rtl="0" eaLnBrk="1" latinLnBrk="0" hangingPunct="1">
+              <a:defRPr sz="1800" kern="1200">
+                <a:solidFill>
+                  <a:schemeClr val="tx1"/>
+                </a:solidFill>
+                <a:latin typeface="+mn-lt"/>
+                <a:ea typeface="+mn-ea"/>
+                <a:cs typeface="+mn-cs"/>
+              </a:defRPr>
+            </a:lvl2pPr>
+            <a:lvl3pPr marL="914400" algn="l" defTabSz="914400" rtl="0" eaLnBrk="1" latinLnBrk="0" hangingPunct="1">
+              <a:defRPr sz="1800" kern="1200">
+                <a:solidFill>
+                  <a:schemeClr val="tx1"/>
+                </a:solidFill>
+                <a:latin typeface="+mn-lt"/>
+                <a:ea typeface="+mn-ea"/>
+                <a:cs typeface="+mn-cs"/>
+              </a:defRPr>
+            </a:lvl3pPr>
+            <a:lvl4pPr marL="1371600" algn="l" defTabSz="914400" rtl="0" eaLnBrk="1" latinLnBrk="0" hangingPunct="1">
+              <a:defRPr sz="1800" kern="1200">
+                <a:solidFill>
+                  <a:schemeClr val="tx1"/>
+                </a:solidFill>
+                <a:latin typeface="+mn-lt"/>
+                <a:ea typeface="+mn-ea"/>
+                <a:cs typeface="+mn-cs"/>
+              </a:defRPr>
+            </a:lvl4pPr>
+            <a:lvl5pPr marL="1828800" algn="l" defTabSz="914400" rtl="0" eaLnBrk="1" latinLnBrk="0" hangingPunct="1">
+              <a:defRPr sz="1800" kern="1200">
+                <a:solidFill>
+                  <a:schemeClr val="tx1"/>
+                </a:solidFill>
+                <a:latin typeface="+mn-lt"/>
+                <a:ea typeface="+mn-ea"/>
+                <a:cs typeface="+mn-cs"/>
+              </a:defRPr>
+            </a:lvl5pPr>
+            <a:lvl6pPr marL="2286000" algn="l" defTabSz="914400" rtl="0" eaLnBrk="1" latinLnBrk="0" hangingPunct="1">
+              <a:defRPr sz="1800" kern="1200">
+                <a:solidFill>
+                  <a:schemeClr val="tx1"/>
+                </a:solidFill>
+                <a:latin typeface="+mn-lt"/>
+                <a:ea typeface="+mn-ea"/>
+                <a:cs typeface="+mn-cs"/>
+              </a:defRPr>
+            </a:lvl6pPr>
+            <a:lvl7pPr marL="2743200" algn="l" defTabSz="914400" rtl="0" eaLnBrk="1" latinLnBrk="0" hangingPunct="1">
+              <a:defRPr sz="1800" kern="1200">
+                <a:solidFill>
+                  <a:schemeClr val="tx1"/>
+                </a:solidFill>
+                <a:latin typeface="+mn-lt"/>
+                <a:ea typeface="+mn-ea"/>
+                <a:cs typeface="+mn-cs"/>
+              </a:defRPr>
+            </a:lvl7pPr>
+            <a:lvl8pPr marL="3200400" algn="l" defTabSz="914400" rtl="0" eaLnBrk="1" latinLnBrk="0" hangingPunct="1">
+              <a:defRPr sz="1800" kern="1200">
+                <a:solidFill>
+                  <a:schemeClr val="tx1"/>
+                </a:solidFill>
+                <a:latin typeface="+mn-lt"/>
+                <a:ea typeface="+mn-ea"/>
+                <a:cs typeface="+mn-cs"/>
+              </a:defRPr>
+            </a:lvl8pPr>
+            <a:lvl9pPr marL="3657600" algn="l" defTabSz="914400" rtl="0" eaLnBrk="1" latinLnBrk="0" hangingPunct="1">
+              <a:defRPr sz="1800" kern="1200">
+                <a:solidFill>
+                  <a:schemeClr val="tx1"/>
+                </a:solidFill>
+                <a:latin typeface="+mn-lt"/>
+                <a:ea typeface="+mn-ea"/>
+                <a:cs typeface="+mn-cs"/>
+              </a:defRPr>
+            </a:lvl9pPr>
+          </a:lstStyle>
+          <a:p>
+            <a:fld id="{8C2E478F-E849-4A8C-AF1F-CBCC78A7CBFA}" type="slidenum">
+              <a:rPr lang="en-US" sz="1134" smtClean="0"/>
+              <a:pPr/>
+              <a:t>‹#›</a:t>
+            </a:fld>
+            <a:endParaRPr lang="en-US" sz="1134" dirty="0"/>
+          </a:p>
+        </p:txBody>
+      </p:sp>
+      <p:sp>
+        <p:nvSpPr>
+          <p:cNvPr id="2" name="Title 1">
+            <a:extLst>
+              <a:ext uri="{FF2B5EF4-FFF2-40B4-BE49-F238E27FC236}">
+                <a16:creationId xmlns:a16="http://schemas.microsoft.com/office/drawing/2014/main" id="{3CB0E4A3-5566-43FE-A59F-2C4F4FE7F32A}"/>
+              </a:ext>
+            </a:extLst>
+          </p:cNvPr>
+          <p:cNvSpPr>
+            <a:spLocks noGrp="1"/>
+          </p:cNvSpPr>
+          <p:nvPr>
+            <p:ph type="title"/>
+          </p:nvPr>
+        </p:nvSpPr>
+        <p:spPr>
+          <a:xfrm>
+            <a:off x="5760243" y="578318"/>
+            <a:ext cx="5572411" cy="835523"/>
+          </a:xfrm>
+        </p:spPr>
+        <p:txBody>
+          <a:bodyPr lIns="91440" rIns="91440" anchor="t">
+            <a:noAutofit/>
+          </a:bodyPr>
+          <a:lstStyle>
+            <a:lvl1pPr algn="l">
+              <a:lnSpc>
+                <a:spcPct val="150000"/>
+              </a:lnSpc>
+              <a:spcBef>
+                <a:spcPts val="945"/>
+              </a:spcBef>
+              <a:defRPr sz="3024">
+                <a:solidFill>
+                  <a:schemeClr val="tx1"/>
+                </a:solidFill>
+              </a:defRPr>
+            </a:lvl1pPr>
+          </a:lstStyle>
+          <a:p>
+            <a:r>
+              <a:rPr lang="en-US"/>
+              <a:t>Click to edit Master title style</a:t>
+            </a:r>
+            <a:endParaRPr lang="en-US" dirty="0"/>
+          </a:p>
+        </p:txBody>
+      </p:sp>
     </p:spTree>
     <p:extLst>
       <p:ext uri="{BB962C8B-B14F-4D97-AF65-F5344CB8AC3E}">
-        <p14:creationId xmlns:p14="http://schemas.microsoft.com/office/powerpoint/2010/main" val="4186986387"/>
+        <p14:creationId xmlns:p14="http://schemas.microsoft.com/office/powerpoint/2010/main" val="1105572260"/>
+      </p:ext>
+    </p:extLst>
+  </p:cSld>
+  <p:clrMapOvr>
+    <a:masterClrMapping/>
+  </p:clrMapOvr>
+</p:sldLayout>
+</file>
+
+<file path=ppt/slideLayouts/slideLayout4.xml><?xml version="1.0" encoding="utf-8"?>
+<p:sldLayout xmlns:a="http://schemas.openxmlformats.org/drawingml/2006/main" xmlns:r="http://schemas.openxmlformats.org/officeDocument/2006/relationships" xmlns:p="http://schemas.openxmlformats.org/presentationml/2006/main" preserve="1">
+  <p:cSld name="Section Break">
+    <p:spTree>
+      <p:nvGrpSpPr>
+        <p:cNvPr id="1" name=""/>
+        <p:cNvGrpSpPr/>
+        <p:nvPr/>
+      </p:nvGrpSpPr>
+      <p:grpSpPr>
+        <a:xfrm>
+          <a:off x="0" y="0"/>
+          <a:ext cx="0" cy="0"/>
+          <a:chOff x="0" y="0"/>
+          <a:chExt cx="0" cy="0"/>
+        </a:xfrm>
+      </p:grpSpPr>
+      <p:sp>
+        <p:nvSpPr>
+          <p:cNvPr id="11" name="Picture Placeholder 10">
+            <a:extLst>
+              <a:ext uri="{FF2B5EF4-FFF2-40B4-BE49-F238E27FC236}">
+                <a16:creationId xmlns:a16="http://schemas.microsoft.com/office/drawing/2014/main" id="{912AA41C-A030-4521-8130-6A8E4543F277}"/>
+              </a:ext>
+            </a:extLst>
+          </p:cNvPr>
+          <p:cNvSpPr>
+            <a:spLocks noGrp="1"/>
+          </p:cNvSpPr>
+          <p:nvPr>
+            <p:ph type="pic" sz="quarter" idx="13"/>
+          </p:nvPr>
+        </p:nvSpPr>
+        <p:spPr>
+          <a:xfrm>
+            <a:off x="0" y="0"/>
+            <a:ext cx="5760244" cy="6489550"/>
+          </a:xfrm>
+          <a:custGeom>
+            <a:avLst/>
+            <a:gdLst>
+              <a:gd name="connsiteX0" fmla="*/ 0 w 6096000"/>
+              <a:gd name="connsiteY0" fmla="*/ 0 h 6858000"/>
+              <a:gd name="connsiteX1" fmla="*/ 6096000 w 6096000"/>
+              <a:gd name="connsiteY1" fmla="*/ 0 h 6858000"/>
+              <a:gd name="connsiteX2" fmla="*/ 6096000 w 6096000"/>
+              <a:gd name="connsiteY2" fmla="*/ 6858000 h 6858000"/>
+              <a:gd name="connsiteX3" fmla="*/ 0 w 6096000"/>
+              <a:gd name="connsiteY3" fmla="*/ 6858000 h 6858000"/>
+              <a:gd name="connsiteX4" fmla="*/ 0 w 6096000"/>
+              <a:gd name="connsiteY4" fmla="*/ 0 h 6858000"/>
+              <a:gd name="connsiteX0" fmla="*/ 0 w 6096000"/>
+              <a:gd name="connsiteY0" fmla="*/ 0 h 6858000"/>
+              <a:gd name="connsiteX1" fmla="*/ 6096000 w 6096000"/>
+              <a:gd name="connsiteY1" fmla="*/ 0 h 6858000"/>
+              <a:gd name="connsiteX2" fmla="*/ 4242487 w 6096000"/>
+              <a:gd name="connsiteY2" fmla="*/ 6833286 h 6858000"/>
+              <a:gd name="connsiteX3" fmla="*/ 0 w 6096000"/>
+              <a:gd name="connsiteY3" fmla="*/ 6858000 h 6858000"/>
+              <a:gd name="connsiteX4" fmla="*/ 0 w 6096000"/>
+              <a:gd name="connsiteY4" fmla="*/ 0 h 6858000"/>
+              <a:gd name="connsiteX0" fmla="*/ 0 w 6096000"/>
+              <a:gd name="connsiteY0" fmla="*/ 0 h 6867922"/>
+              <a:gd name="connsiteX1" fmla="*/ 6096000 w 6096000"/>
+              <a:gd name="connsiteY1" fmla="*/ 0 h 6867922"/>
+              <a:gd name="connsiteX2" fmla="*/ 4228633 w 6096000"/>
+              <a:gd name="connsiteY2" fmla="*/ 6867922 h 6867922"/>
+              <a:gd name="connsiteX3" fmla="*/ 0 w 6096000"/>
+              <a:gd name="connsiteY3" fmla="*/ 6858000 h 6867922"/>
+              <a:gd name="connsiteX4" fmla="*/ 0 w 6096000"/>
+              <a:gd name="connsiteY4" fmla="*/ 0 h 6867922"/>
+            </a:gdLst>
+            <a:ahLst/>
+            <a:cxnLst>
+              <a:cxn ang="0">
+                <a:pos x="connsiteX0" y="connsiteY0"/>
+              </a:cxn>
+              <a:cxn ang="0">
+                <a:pos x="connsiteX1" y="connsiteY1"/>
+              </a:cxn>
+              <a:cxn ang="0">
+                <a:pos x="connsiteX2" y="connsiteY2"/>
+              </a:cxn>
+              <a:cxn ang="0">
+                <a:pos x="connsiteX3" y="connsiteY3"/>
+              </a:cxn>
+              <a:cxn ang="0">
+                <a:pos x="connsiteX4" y="connsiteY4"/>
+              </a:cxn>
+            </a:cxnLst>
+            <a:rect l="l" t="t" r="r" b="b"/>
+            <a:pathLst>
+              <a:path w="6096000" h="6867922">
+                <a:moveTo>
+                  <a:pt x="0" y="0"/>
+                </a:moveTo>
+                <a:lnTo>
+                  <a:pt x="6096000" y="0"/>
+                </a:lnTo>
+                <a:lnTo>
+                  <a:pt x="4228633" y="6867922"/>
+                </a:lnTo>
+                <a:lnTo>
+                  <a:pt x="0" y="6858000"/>
+                </a:lnTo>
+                <a:lnTo>
+                  <a:pt x="0" y="0"/>
+                </a:lnTo>
+                <a:close/>
+              </a:path>
+            </a:pathLst>
+          </a:custGeom>
+          <a:effectLst/>
+        </p:spPr>
+        <p:txBody>
+          <a:bodyPr anchor="ctr"/>
+          <a:lstStyle>
+            <a:lvl1pPr marL="0" indent="0" algn="ctr">
+              <a:buNone/>
+              <a:defRPr/>
+            </a:lvl1pPr>
+          </a:lstStyle>
+          <a:p>
+            <a:r>
+              <a:rPr lang="en-US"/>
+              <a:t>Click icon to add picture</a:t>
+            </a:r>
+            <a:endParaRPr lang="en-US" dirty="0"/>
+          </a:p>
+        </p:txBody>
+      </p:sp>
+      <p:sp>
+        <p:nvSpPr>
+          <p:cNvPr id="8" name="Title 1">
+            <a:extLst>
+              <a:ext uri="{FF2B5EF4-FFF2-40B4-BE49-F238E27FC236}">
+                <a16:creationId xmlns:a16="http://schemas.microsoft.com/office/drawing/2014/main" id="{AABA725B-4BCB-1D48-9C5D-46706B18719E}"/>
+              </a:ext>
+            </a:extLst>
+          </p:cNvPr>
+          <p:cNvSpPr>
+            <a:spLocks noGrp="1"/>
+          </p:cNvSpPr>
+          <p:nvPr>
+            <p:ph type="title" hasCustomPrompt="1"/>
+          </p:nvPr>
+        </p:nvSpPr>
+        <p:spPr>
+          <a:xfrm>
+            <a:off x="5760244" y="2138204"/>
+            <a:ext cx="4962210" cy="1569772"/>
+          </a:xfrm>
+        </p:spPr>
+        <p:txBody>
+          <a:bodyPr anchor="b"/>
+          <a:lstStyle>
+            <a:lvl1pPr algn="l">
+              <a:defRPr sz="5669" spc="283"/>
+            </a:lvl1pPr>
+          </a:lstStyle>
+          <a:p>
+            <a:r>
+              <a:rPr lang="en-US" dirty="0"/>
+              <a:t>CLICK TO EDIT MASTER TITLE</a:t>
+            </a:r>
+          </a:p>
+        </p:txBody>
+      </p:sp>
+      <p:sp>
+        <p:nvSpPr>
+          <p:cNvPr id="3" name="Text Placeholder 2">
+            <a:extLst>
+              <a:ext uri="{FF2B5EF4-FFF2-40B4-BE49-F238E27FC236}">
+                <a16:creationId xmlns:a16="http://schemas.microsoft.com/office/drawing/2014/main" id="{893C356F-E483-4AFD-856C-13BB8E8A5605}"/>
+              </a:ext>
+            </a:extLst>
+          </p:cNvPr>
+          <p:cNvSpPr>
+            <a:spLocks noGrp="1"/>
+          </p:cNvSpPr>
+          <p:nvPr>
+            <p:ph type="body" idx="1" hasCustomPrompt="1"/>
+          </p:nvPr>
+        </p:nvSpPr>
+        <p:spPr>
+          <a:xfrm>
+            <a:off x="5760244" y="4136932"/>
+            <a:ext cx="4962210" cy="345009"/>
+          </a:xfrm>
+          <a:gradFill flip="none" rotWithShape="1">
+            <a:gsLst>
+              <a:gs pos="0">
+                <a:schemeClr val="accent5"/>
+              </a:gs>
+              <a:gs pos="100000">
+                <a:schemeClr val="accent2">
+                  <a:lumMod val="97000"/>
+                  <a:lumOff val="3000"/>
+                </a:schemeClr>
+              </a:gs>
+              <a:gs pos="50000">
+                <a:schemeClr val="accent1"/>
+              </a:gs>
+            </a:gsLst>
+            <a:lin ang="10800000" scaled="1"/>
+            <a:tileRect/>
+          </a:gradFill>
+        </p:spPr>
+        <p:txBody>
+          <a:bodyPr anchor="ctr">
+            <a:noAutofit/>
+          </a:bodyPr>
+          <a:lstStyle>
+            <a:lvl1pPr marL="0" indent="0" algn="ctr">
+              <a:lnSpc>
+                <a:spcPct val="100000"/>
+              </a:lnSpc>
+              <a:buNone/>
+              <a:defRPr sz="1323" cap="all" spc="567" baseline="0">
+                <a:solidFill>
+                  <a:schemeClr val="bg1"/>
+                </a:solidFill>
+              </a:defRPr>
+            </a:lvl1pPr>
+            <a:lvl2pPr marL="432008" indent="0">
+              <a:buNone/>
+              <a:defRPr sz="1890">
+                <a:solidFill>
+                  <a:schemeClr val="tx1">
+                    <a:tint val="75000"/>
+                  </a:schemeClr>
+                </a:solidFill>
+              </a:defRPr>
+            </a:lvl2pPr>
+            <a:lvl3pPr marL="864017" indent="0">
+              <a:buNone/>
+              <a:defRPr sz="1701">
+                <a:solidFill>
+                  <a:schemeClr val="tx1">
+                    <a:tint val="75000"/>
+                  </a:schemeClr>
+                </a:solidFill>
+              </a:defRPr>
+            </a:lvl3pPr>
+            <a:lvl4pPr marL="1296025" indent="0">
+              <a:buNone/>
+              <a:defRPr sz="1512">
+                <a:solidFill>
+                  <a:schemeClr val="tx1">
+                    <a:tint val="75000"/>
+                  </a:schemeClr>
+                </a:solidFill>
+              </a:defRPr>
+            </a:lvl4pPr>
+            <a:lvl5pPr marL="1728033" indent="0">
+              <a:buNone/>
+              <a:defRPr sz="1512">
+                <a:solidFill>
+                  <a:schemeClr val="tx1">
+                    <a:tint val="75000"/>
+                  </a:schemeClr>
+                </a:solidFill>
+              </a:defRPr>
+            </a:lvl5pPr>
+            <a:lvl6pPr marL="2160041" indent="0">
+              <a:buNone/>
+              <a:defRPr sz="1512">
+                <a:solidFill>
+                  <a:schemeClr val="tx1">
+                    <a:tint val="75000"/>
+                  </a:schemeClr>
+                </a:solidFill>
+              </a:defRPr>
+            </a:lvl6pPr>
+            <a:lvl7pPr marL="2592050" indent="0">
+              <a:buNone/>
+              <a:defRPr sz="1512">
+                <a:solidFill>
+                  <a:schemeClr val="tx1">
+                    <a:tint val="75000"/>
+                  </a:schemeClr>
+                </a:solidFill>
+              </a:defRPr>
+            </a:lvl7pPr>
+            <a:lvl8pPr marL="3024058" indent="0">
+              <a:buNone/>
+              <a:defRPr sz="1512">
+                <a:solidFill>
+                  <a:schemeClr val="tx1">
+                    <a:tint val="75000"/>
+                  </a:schemeClr>
+                </a:solidFill>
+              </a:defRPr>
+            </a:lvl8pPr>
+            <a:lvl9pPr marL="3456066" indent="0">
+              <a:buNone/>
+              <a:defRPr sz="1512">
+                <a:solidFill>
+                  <a:schemeClr val="tx1">
+                    <a:tint val="75000"/>
+                  </a:schemeClr>
+                </a:solidFill>
+              </a:defRPr>
+            </a:lvl9pPr>
+          </a:lstStyle>
+          <a:p>
+            <a:pPr lvl="0"/>
+            <a:r>
+              <a:rPr lang="en-US" dirty="0"/>
+              <a:t>EDIT MASTER TEXT STYLES</a:t>
+            </a:r>
+          </a:p>
+        </p:txBody>
+      </p:sp>
+      <p:sp>
+        <p:nvSpPr>
+          <p:cNvPr id="5" name="Footer Placeholder 4">
+            <a:extLst>
+              <a:ext uri="{FF2B5EF4-FFF2-40B4-BE49-F238E27FC236}">
+                <a16:creationId xmlns:a16="http://schemas.microsoft.com/office/drawing/2014/main" id="{BC79732E-D749-40DD-8365-05028518765D}"/>
+              </a:ext>
+            </a:extLst>
+          </p:cNvPr>
+          <p:cNvSpPr>
+            <a:spLocks noGrp="1"/>
+          </p:cNvSpPr>
+          <p:nvPr>
+            <p:ph type="ftr" sz="quarter" idx="11"/>
+          </p:nvPr>
+        </p:nvSpPr>
+        <p:spPr/>
+        <p:txBody>
+          <a:bodyPr/>
+          <a:lstStyle/>
+          <a:p>
+            <a:r>
+              <a:rPr lang="en-US" dirty="0"/>
+              <a:t>Add a footer</a:t>
+            </a:r>
+          </a:p>
+        </p:txBody>
+      </p:sp>
+      <p:sp>
+        <p:nvSpPr>
+          <p:cNvPr id="6" name="Slide Number Placeholder 5">
+            <a:extLst>
+              <a:ext uri="{FF2B5EF4-FFF2-40B4-BE49-F238E27FC236}">
+                <a16:creationId xmlns:a16="http://schemas.microsoft.com/office/drawing/2014/main" id="{88F55E23-C4CC-4E9B-80F4-C4BEA6E2DD84}"/>
+              </a:ext>
+            </a:extLst>
+          </p:cNvPr>
+          <p:cNvSpPr>
+            <a:spLocks noGrp="1"/>
+          </p:cNvSpPr>
+          <p:nvPr>
+            <p:ph type="sldNum" sz="quarter" idx="12"/>
+          </p:nvPr>
+        </p:nvSpPr>
+        <p:spPr/>
+        <p:txBody>
+          <a:bodyPr/>
+          <a:lstStyle/>
+          <a:p>
+            <a:fld id="{8C2E478F-E849-4A8C-AF1F-CBCC78A7CBFA}" type="slidenum">
+              <a:rPr lang="en-US" smtClean="0"/>
+              <a:t>‹#›</a:t>
+            </a:fld>
+            <a:endParaRPr lang="en-US" dirty="0"/>
+          </a:p>
+        </p:txBody>
+      </p:sp>
+    </p:spTree>
+    <p:extLst>
+      <p:ext uri="{BB962C8B-B14F-4D97-AF65-F5344CB8AC3E}">
+        <p14:creationId xmlns:p14="http://schemas.microsoft.com/office/powerpoint/2010/main" val="358123958"/>
+      </p:ext>
+    </p:extLst>
+  </p:cSld>
+  <p:clrMapOvr>
+    <a:masterClrMapping/>
+  </p:clrMapOvr>
+</p:sldLayout>
+</file>
+
+<file path=ppt/slideLayouts/slideLayout5.xml><?xml version="1.0" encoding="utf-8"?>
+<p:sldLayout xmlns:a="http://schemas.openxmlformats.org/drawingml/2006/main" xmlns:r="http://schemas.openxmlformats.org/officeDocument/2006/relationships" xmlns:p="http://schemas.openxmlformats.org/presentationml/2006/main" preserve="1">
+  <p:cSld name="Team">
+    <p:spTree>
+      <p:nvGrpSpPr>
+        <p:cNvPr id="1" name=""/>
+        <p:cNvGrpSpPr/>
+        <p:nvPr/>
+      </p:nvGrpSpPr>
+      <p:grpSpPr>
+        <a:xfrm>
+          <a:off x="0" y="0"/>
+          <a:ext cx="0" cy="0"/>
+          <a:chOff x="0" y="0"/>
+          <a:chExt cx="0" cy="0"/>
+        </a:xfrm>
+      </p:grpSpPr>
+      <p:sp>
+        <p:nvSpPr>
+          <p:cNvPr id="2" name="Title 1">
+            <a:extLst>
+              <a:ext uri="{FF2B5EF4-FFF2-40B4-BE49-F238E27FC236}">
+                <a16:creationId xmlns:a16="http://schemas.microsoft.com/office/drawing/2014/main" id="{004074E6-E39E-4D19-B91F-8E84F37CBF3C}"/>
+              </a:ext>
+            </a:extLst>
+          </p:cNvPr>
+          <p:cNvSpPr>
+            <a:spLocks noGrp="1"/>
+          </p:cNvSpPr>
+          <p:nvPr>
+            <p:ph type="title" hasCustomPrompt="1"/>
+          </p:nvPr>
+        </p:nvSpPr>
+        <p:spPr>
+          <a:xfrm>
+            <a:off x="7363095" y="345010"/>
+            <a:ext cx="3797378" cy="542366"/>
+          </a:xfrm>
+        </p:spPr>
+        <p:txBody>
+          <a:bodyPr lIns="0" rIns="0">
+            <a:noAutofit/>
+          </a:bodyPr>
+          <a:lstStyle>
+            <a:lvl1pPr algn="l">
+              <a:defRPr sz="3024" spc="283"/>
+            </a:lvl1pPr>
+          </a:lstStyle>
+          <a:p>
+            <a:r>
+              <a:rPr lang="en-US" dirty="0"/>
+              <a:t>SLIDE TITLE HERE</a:t>
+            </a:r>
+          </a:p>
+        </p:txBody>
+      </p:sp>
+      <p:sp>
+        <p:nvSpPr>
+          <p:cNvPr id="3" name="Content Placeholder 2">
+            <a:extLst>
+              <a:ext uri="{FF2B5EF4-FFF2-40B4-BE49-F238E27FC236}">
+                <a16:creationId xmlns:a16="http://schemas.microsoft.com/office/drawing/2014/main" id="{607D1B16-7058-45AD-9B19-E19CAF96683B}"/>
+              </a:ext>
+            </a:extLst>
+          </p:cNvPr>
+          <p:cNvSpPr>
+            <a:spLocks noGrp="1"/>
+          </p:cNvSpPr>
+          <p:nvPr>
+            <p:ph idx="1"/>
+          </p:nvPr>
+        </p:nvSpPr>
+        <p:spPr>
+          <a:xfrm>
+            <a:off x="7363095" y="1194213"/>
+            <a:ext cx="3797378" cy="4380961"/>
+          </a:xfrm>
+        </p:spPr>
+        <p:txBody>
+          <a:bodyPr lIns="0" rIns="0">
+            <a:noAutofit/>
+          </a:bodyPr>
+          <a:lstStyle>
+            <a:lvl1pPr>
+              <a:lnSpc>
+                <a:spcPct val="150000"/>
+              </a:lnSpc>
+              <a:spcBef>
+                <a:spcPts val="472"/>
+              </a:spcBef>
+              <a:defRPr sz="1512"/>
+            </a:lvl1pPr>
+            <a:lvl2pPr>
+              <a:lnSpc>
+                <a:spcPct val="150000"/>
+              </a:lnSpc>
+              <a:spcBef>
+                <a:spcPts val="472"/>
+              </a:spcBef>
+              <a:defRPr sz="1323"/>
+            </a:lvl2pPr>
+            <a:lvl3pPr>
+              <a:lnSpc>
+                <a:spcPct val="150000"/>
+              </a:lnSpc>
+              <a:spcBef>
+                <a:spcPts val="472"/>
+              </a:spcBef>
+              <a:defRPr sz="1323"/>
+            </a:lvl3pPr>
+            <a:lvl4pPr>
+              <a:lnSpc>
+                <a:spcPct val="150000"/>
+              </a:lnSpc>
+              <a:spcBef>
+                <a:spcPts val="472"/>
+              </a:spcBef>
+              <a:defRPr sz="1134"/>
+            </a:lvl4pPr>
+            <a:lvl5pPr>
+              <a:lnSpc>
+                <a:spcPct val="150000"/>
+              </a:lnSpc>
+              <a:spcBef>
+                <a:spcPts val="472"/>
+              </a:spcBef>
+              <a:defRPr sz="1134"/>
+            </a:lvl5pPr>
+          </a:lstStyle>
+          <a:p>
+            <a:pPr lvl="0"/>
+            <a:r>
+              <a:rPr lang="en-US"/>
+              <a:t>Click to edit Master text styles</a:t>
+            </a:r>
+          </a:p>
+          <a:p>
+            <a:pPr lvl="1"/>
+            <a:r>
+              <a:rPr lang="en-US"/>
+              <a:t>Second level</a:t>
+            </a:r>
+          </a:p>
+          <a:p>
+            <a:pPr lvl="2"/>
+            <a:r>
+              <a:rPr lang="en-US"/>
+              <a:t>Third level</a:t>
+            </a:r>
+          </a:p>
+          <a:p>
+            <a:pPr lvl="3"/>
+            <a:r>
+              <a:rPr lang="en-US"/>
+              <a:t>Fourth level</a:t>
+            </a:r>
+          </a:p>
+          <a:p>
+            <a:pPr lvl="4"/>
+            <a:r>
+              <a:rPr lang="en-US"/>
+              <a:t>Fifth level</a:t>
+            </a:r>
+            <a:endParaRPr lang="en-US" dirty="0"/>
+          </a:p>
+        </p:txBody>
+      </p:sp>
+      <p:sp>
+        <p:nvSpPr>
+          <p:cNvPr id="59" name="Slide Number Placeholder 5">
+            <a:extLst>
+              <a:ext uri="{FF2B5EF4-FFF2-40B4-BE49-F238E27FC236}">
+                <a16:creationId xmlns:a16="http://schemas.microsoft.com/office/drawing/2014/main" id="{3DEB48E0-328C-45EE-A8BD-90E6AB261082}"/>
+              </a:ext>
+            </a:extLst>
+          </p:cNvPr>
+          <p:cNvSpPr>
+            <a:spLocks noGrp="1"/>
+          </p:cNvSpPr>
+          <p:nvPr>
+            <p:ph type="sldNum" sz="quarter" idx="4"/>
+          </p:nvPr>
+        </p:nvSpPr>
+        <p:spPr>
+          <a:xfrm>
+            <a:off x="10913157" y="6111948"/>
+            <a:ext cx="419496" cy="345009"/>
+          </a:xfrm>
+          <a:prstGeom prst="rect">
+            <a:avLst/>
+          </a:prstGeom>
+        </p:spPr>
+        <p:txBody>
+          <a:bodyPr vert="horz" lIns="91440" tIns="45720" rIns="91440" bIns="45720" rtlCol="0" anchor="ctr">
+            <a:noAutofit/>
+          </a:bodyPr>
+          <a:lstStyle>
+            <a:lvl1pPr algn="r">
+              <a:defRPr sz="1134">
+                <a:solidFill>
+                  <a:schemeClr val="tx1">
+                    <a:tint val="75000"/>
+                  </a:schemeClr>
+                </a:solidFill>
+              </a:defRPr>
+            </a:lvl1pPr>
+          </a:lstStyle>
+          <a:p>
+            <a:fld id="{8C2E478F-E849-4A8C-AF1F-CBCC78A7CBFA}" type="slidenum">
+              <a:rPr lang="en-US" smtClean="0"/>
+              <a:t>‹#›</a:t>
+            </a:fld>
+            <a:endParaRPr lang="en-US" dirty="0"/>
+          </a:p>
+        </p:txBody>
+      </p:sp>
+      <p:sp>
+        <p:nvSpPr>
+          <p:cNvPr id="5" name="Picture Placeholder 4">
+            <a:extLst>
+              <a:ext uri="{FF2B5EF4-FFF2-40B4-BE49-F238E27FC236}">
+                <a16:creationId xmlns:a16="http://schemas.microsoft.com/office/drawing/2014/main" id="{D7CA175D-816E-4F70-96CC-8A1FD0EB16CE}"/>
+              </a:ext>
+            </a:extLst>
+          </p:cNvPr>
+          <p:cNvSpPr>
+            <a:spLocks noGrp="1"/>
+          </p:cNvSpPr>
+          <p:nvPr>
+            <p:ph type="pic" sz="quarter" idx="14"/>
+          </p:nvPr>
+        </p:nvSpPr>
+        <p:spPr>
+          <a:xfrm>
+            <a:off x="696029" y="345010"/>
+            <a:ext cx="2832120" cy="1683805"/>
+          </a:xfrm>
+        </p:spPr>
+        <p:txBody>
+          <a:bodyPr>
+            <a:noAutofit/>
+          </a:bodyPr>
+          <a:lstStyle/>
+          <a:p>
+            <a:r>
+              <a:rPr lang="en-US"/>
+              <a:t>Click icon to add picture</a:t>
+            </a:r>
+            <a:endParaRPr lang="en-US" dirty="0"/>
+          </a:p>
+        </p:txBody>
+      </p:sp>
+      <p:sp>
+        <p:nvSpPr>
+          <p:cNvPr id="9" name="Picture Placeholder 4">
+            <a:extLst>
+              <a:ext uri="{FF2B5EF4-FFF2-40B4-BE49-F238E27FC236}">
+                <a16:creationId xmlns:a16="http://schemas.microsoft.com/office/drawing/2014/main" id="{323519C8-24DE-471D-85A9-7A8AFACEC456}"/>
+              </a:ext>
+            </a:extLst>
+          </p:cNvPr>
+          <p:cNvSpPr>
+            <a:spLocks noGrp="1"/>
+          </p:cNvSpPr>
+          <p:nvPr>
+            <p:ph type="pic" sz="quarter" idx="15"/>
+          </p:nvPr>
+        </p:nvSpPr>
+        <p:spPr>
+          <a:xfrm>
+            <a:off x="3828162" y="345010"/>
+            <a:ext cx="2832120" cy="1683805"/>
+          </a:xfrm>
+        </p:spPr>
+        <p:txBody>
+          <a:bodyPr>
+            <a:noAutofit/>
+          </a:bodyPr>
+          <a:lstStyle/>
+          <a:p>
+            <a:r>
+              <a:rPr lang="en-US"/>
+              <a:t>Click icon to add picture</a:t>
+            </a:r>
+            <a:endParaRPr lang="en-US" dirty="0"/>
+          </a:p>
+        </p:txBody>
+      </p:sp>
+      <p:sp>
+        <p:nvSpPr>
+          <p:cNvPr id="10" name="Picture Placeholder 4">
+            <a:extLst>
+              <a:ext uri="{FF2B5EF4-FFF2-40B4-BE49-F238E27FC236}">
+                <a16:creationId xmlns:a16="http://schemas.microsoft.com/office/drawing/2014/main" id="{547F0F1E-7AF5-4B76-928C-7B28010C4F93}"/>
+              </a:ext>
+            </a:extLst>
+          </p:cNvPr>
+          <p:cNvSpPr>
+            <a:spLocks noGrp="1"/>
+          </p:cNvSpPr>
+          <p:nvPr>
+            <p:ph type="pic" sz="quarter" idx="16"/>
+          </p:nvPr>
+        </p:nvSpPr>
+        <p:spPr>
+          <a:xfrm>
+            <a:off x="696029" y="2289062"/>
+            <a:ext cx="2832120" cy="1683805"/>
+          </a:xfrm>
+        </p:spPr>
+        <p:txBody>
+          <a:bodyPr>
+            <a:noAutofit/>
+          </a:bodyPr>
+          <a:lstStyle/>
+          <a:p>
+            <a:r>
+              <a:rPr lang="en-US"/>
+              <a:t>Click icon to add picture</a:t>
+            </a:r>
+            <a:endParaRPr lang="en-US" dirty="0"/>
+          </a:p>
+        </p:txBody>
+      </p:sp>
+      <p:sp>
+        <p:nvSpPr>
+          <p:cNvPr id="11" name="Picture Placeholder 4">
+            <a:extLst>
+              <a:ext uri="{FF2B5EF4-FFF2-40B4-BE49-F238E27FC236}">
+                <a16:creationId xmlns:a16="http://schemas.microsoft.com/office/drawing/2014/main" id="{063D0E8E-9491-4AF0-918D-A0B782C5FD68}"/>
+              </a:ext>
+            </a:extLst>
+          </p:cNvPr>
+          <p:cNvSpPr>
+            <a:spLocks noGrp="1"/>
+          </p:cNvSpPr>
+          <p:nvPr>
+            <p:ph type="pic" sz="quarter" idx="17"/>
+          </p:nvPr>
+        </p:nvSpPr>
+        <p:spPr>
+          <a:xfrm>
+            <a:off x="3828162" y="2289062"/>
+            <a:ext cx="2832120" cy="1683805"/>
+          </a:xfrm>
+        </p:spPr>
+        <p:txBody>
+          <a:bodyPr>
+            <a:noAutofit/>
+          </a:bodyPr>
+          <a:lstStyle/>
+          <a:p>
+            <a:r>
+              <a:rPr lang="en-US"/>
+              <a:t>Click icon to add picture</a:t>
+            </a:r>
+            <a:endParaRPr lang="en-US" dirty="0"/>
+          </a:p>
+        </p:txBody>
+      </p:sp>
+      <p:sp>
+        <p:nvSpPr>
+          <p:cNvPr id="12" name="Picture Placeholder 4">
+            <a:extLst>
+              <a:ext uri="{FF2B5EF4-FFF2-40B4-BE49-F238E27FC236}">
+                <a16:creationId xmlns:a16="http://schemas.microsoft.com/office/drawing/2014/main" id="{042F54CB-9200-4D74-968A-0A3E5871D9E5}"/>
+              </a:ext>
+            </a:extLst>
+          </p:cNvPr>
+          <p:cNvSpPr>
+            <a:spLocks noGrp="1"/>
+          </p:cNvSpPr>
+          <p:nvPr>
+            <p:ph type="pic" sz="quarter" idx="18"/>
+          </p:nvPr>
+        </p:nvSpPr>
+        <p:spPr>
+          <a:xfrm>
+            <a:off x="696029" y="4233115"/>
+            <a:ext cx="2832120" cy="1683805"/>
+          </a:xfrm>
+        </p:spPr>
+        <p:txBody>
+          <a:bodyPr>
+            <a:noAutofit/>
+          </a:bodyPr>
+          <a:lstStyle/>
+          <a:p>
+            <a:r>
+              <a:rPr lang="en-US"/>
+              <a:t>Click icon to add picture</a:t>
+            </a:r>
+            <a:endParaRPr lang="en-US" dirty="0"/>
+          </a:p>
+        </p:txBody>
+      </p:sp>
+      <p:sp>
+        <p:nvSpPr>
+          <p:cNvPr id="13" name="Picture Placeholder 4">
+            <a:extLst>
+              <a:ext uri="{FF2B5EF4-FFF2-40B4-BE49-F238E27FC236}">
+                <a16:creationId xmlns:a16="http://schemas.microsoft.com/office/drawing/2014/main" id="{1D925119-27E3-496E-86BC-23416F94FB61}"/>
+              </a:ext>
+            </a:extLst>
+          </p:cNvPr>
+          <p:cNvSpPr>
+            <a:spLocks noGrp="1"/>
+          </p:cNvSpPr>
+          <p:nvPr>
+            <p:ph type="pic" sz="quarter" idx="19"/>
+          </p:nvPr>
+        </p:nvSpPr>
+        <p:spPr>
+          <a:xfrm>
+            <a:off x="3828162" y="4233115"/>
+            <a:ext cx="2832120" cy="1683805"/>
+          </a:xfrm>
+        </p:spPr>
+        <p:txBody>
+          <a:bodyPr>
+            <a:noAutofit/>
+          </a:bodyPr>
+          <a:lstStyle/>
+          <a:p>
+            <a:r>
+              <a:rPr lang="en-US"/>
+              <a:t>Click icon to add picture</a:t>
+            </a:r>
+            <a:endParaRPr lang="en-US" dirty="0"/>
+          </a:p>
+        </p:txBody>
+      </p:sp>
+      <p:sp>
+        <p:nvSpPr>
+          <p:cNvPr id="4" name="Rectangle 3">
+            <a:extLst>
+              <a:ext uri="{FF2B5EF4-FFF2-40B4-BE49-F238E27FC236}">
+                <a16:creationId xmlns:a16="http://schemas.microsoft.com/office/drawing/2014/main" id="{9DF93AF7-D4DC-42B5-8A4F-B5F3ABBB031F}"/>
+              </a:ext>
+              <a:ext uri="{C183D7F6-B498-43B3-948B-1728B52AA6E4}">
+                <adec:decorative xmlns:adec="http://schemas.microsoft.com/office/drawing/2017/decorative" val="1"/>
+              </a:ext>
+            </a:extLst>
+          </p:cNvPr>
+          <p:cNvSpPr/>
+          <p:nvPr/>
+        </p:nvSpPr>
+        <p:spPr>
+          <a:xfrm>
+            <a:off x="7353078" y="5956662"/>
+            <a:ext cx="2848921" cy="523514"/>
+          </a:xfrm>
+          <a:prstGeom prst="rect">
+            <a:avLst/>
+          </a:prstGeom>
+          <a:gradFill flip="none" rotWithShape="1">
+            <a:gsLst>
+              <a:gs pos="0">
+                <a:schemeClr val="accent5"/>
+              </a:gs>
+              <a:gs pos="100000">
+                <a:schemeClr val="accent2">
+                  <a:lumMod val="97000"/>
+                  <a:lumOff val="3000"/>
+                </a:schemeClr>
+              </a:gs>
+              <a:gs pos="50000">
+                <a:schemeClr val="accent1"/>
+              </a:gs>
+            </a:gsLst>
+            <a:lin ang="10800000" scaled="1"/>
+            <a:tileRect/>
+          </a:gradFill>
+          <a:ln>
+            <a:noFill/>
+          </a:ln>
+        </p:spPr>
+        <p:style>
+          <a:lnRef idx="2">
+            <a:schemeClr val="accent1">
+              <a:shade val="50000"/>
+            </a:schemeClr>
+          </a:lnRef>
+          <a:fillRef idx="1">
+            <a:schemeClr val="accent1"/>
+          </a:fillRef>
+          <a:effectRef idx="0">
+            <a:schemeClr val="accent1"/>
+          </a:effectRef>
+          <a:fontRef idx="minor">
+            <a:schemeClr val="lt1"/>
+          </a:fontRef>
+        </p:style>
+        <p:txBody>
+          <a:bodyPr rtlCol="0" anchor="ctr">
+            <a:noAutofit/>
+          </a:bodyPr>
+          <a:lstStyle/>
+          <a:p>
+            <a:pPr algn="ctr"/>
+            <a:endParaRPr lang="en-US" sz="1701" dirty="0"/>
+          </a:p>
+        </p:txBody>
+      </p:sp>
+    </p:spTree>
+    <p:extLst>
+      <p:ext uri="{BB962C8B-B14F-4D97-AF65-F5344CB8AC3E}">
+        <p14:creationId xmlns:p14="http://schemas.microsoft.com/office/powerpoint/2010/main" val="1983162034"/>
+      </p:ext>
+    </p:extLst>
+  </p:cSld>
+  <p:clrMapOvr>
+    <a:masterClrMapping/>
+  </p:clrMapOvr>
+  <p:extLst>
+    <p:ext uri="{DCECCB84-F9BA-43D5-87BE-67443E8EF086}">
+      <p15:sldGuideLst xmlns:p15="http://schemas.microsoft.com/office/powerpoint/2012/main">
+        <p15:guide id="1" orient="horz" pos="2160">
+          <p15:clr>
+            <a:srgbClr val="FBAE40"/>
+          </p15:clr>
+        </p15:guide>
+        <p15:guide id="2" pos="3840">
+          <p15:clr>
+            <a:srgbClr val="FBAE40"/>
+          </p15:clr>
+        </p15:guide>
+      </p15:sldGuideLst>
+    </p:ext>
+  </p:extLst>
+</p:sldLayout>
+</file>
+
+<file path=ppt/slideLayouts/slideLayout6.xml><?xml version="1.0" encoding="utf-8"?>
+<p:sldLayout xmlns:a="http://schemas.openxmlformats.org/drawingml/2006/main" xmlns:r="http://schemas.openxmlformats.org/officeDocument/2006/relationships" xmlns:p="http://schemas.openxmlformats.org/presentationml/2006/main" preserve="1">
+  <p:cSld name="Chart and Table">
+    <p:spTree>
+      <p:nvGrpSpPr>
+        <p:cNvPr id="1" name=""/>
+        <p:cNvGrpSpPr/>
+        <p:nvPr/>
+      </p:nvGrpSpPr>
+      <p:grpSpPr>
+        <a:xfrm>
+          <a:off x="0" y="0"/>
+          <a:ext cx="0" cy="0"/>
+          <a:chOff x="0" y="0"/>
+          <a:chExt cx="0" cy="0"/>
+        </a:xfrm>
+      </p:grpSpPr>
+      <p:sp>
+        <p:nvSpPr>
+          <p:cNvPr id="2" name="Title 1">
+            <a:extLst>
+              <a:ext uri="{FF2B5EF4-FFF2-40B4-BE49-F238E27FC236}">
+                <a16:creationId xmlns:a16="http://schemas.microsoft.com/office/drawing/2014/main" id="{53345D17-D652-4766-B11C-2E8D8390D957}"/>
+              </a:ext>
+            </a:extLst>
+          </p:cNvPr>
+          <p:cNvSpPr>
+            <a:spLocks noGrp="1"/>
+          </p:cNvSpPr>
+          <p:nvPr>
+            <p:ph type="title"/>
+          </p:nvPr>
+        </p:nvSpPr>
+        <p:spPr>
+          <a:xfrm>
+            <a:off x="561774" y="725492"/>
+            <a:ext cx="10396940" cy="778521"/>
+          </a:xfrm>
+        </p:spPr>
+        <p:txBody>
+          <a:bodyPr>
+            <a:noAutofit/>
+          </a:bodyPr>
+          <a:lstStyle>
+            <a:lvl1pPr>
+              <a:defRPr sz="4536" spc="283"/>
+            </a:lvl1pPr>
+          </a:lstStyle>
+          <a:p>
+            <a:r>
+              <a:rPr lang="en-US"/>
+              <a:t>Click to edit Master title style</a:t>
+            </a:r>
+            <a:endParaRPr lang="en-US" dirty="0"/>
+          </a:p>
+        </p:txBody>
+      </p:sp>
+      <p:sp>
+        <p:nvSpPr>
+          <p:cNvPr id="3" name="Footer Placeholder 2">
+            <a:extLst>
+              <a:ext uri="{FF2B5EF4-FFF2-40B4-BE49-F238E27FC236}">
+                <a16:creationId xmlns:a16="http://schemas.microsoft.com/office/drawing/2014/main" id="{6BC7A58C-70BA-43E5-BD90-83ADB63B0C00}"/>
+              </a:ext>
+            </a:extLst>
+          </p:cNvPr>
+          <p:cNvSpPr>
+            <a:spLocks noGrp="1"/>
+          </p:cNvSpPr>
+          <p:nvPr>
+            <p:ph type="ftr" sz="quarter" idx="10"/>
+          </p:nvPr>
+        </p:nvSpPr>
+        <p:spPr/>
+        <p:txBody>
+          <a:bodyPr/>
+          <a:lstStyle/>
+          <a:p>
+            <a:r>
+              <a:rPr lang="en-US" dirty="0"/>
+              <a:t>Add a footer</a:t>
+            </a:r>
+          </a:p>
+        </p:txBody>
+      </p:sp>
+      <p:sp>
+        <p:nvSpPr>
+          <p:cNvPr id="4" name="Slide Number Placeholder 3">
+            <a:extLst>
+              <a:ext uri="{FF2B5EF4-FFF2-40B4-BE49-F238E27FC236}">
+                <a16:creationId xmlns:a16="http://schemas.microsoft.com/office/drawing/2014/main" id="{0F8A60B7-2499-42C6-8A74-ACDAE245746D}"/>
+              </a:ext>
+            </a:extLst>
+          </p:cNvPr>
+          <p:cNvSpPr>
+            <a:spLocks noGrp="1"/>
+          </p:cNvSpPr>
+          <p:nvPr>
+            <p:ph type="sldNum" sz="quarter" idx="11"/>
+          </p:nvPr>
+        </p:nvSpPr>
+        <p:spPr/>
+        <p:txBody>
+          <a:bodyPr/>
+          <a:lstStyle/>
+          <a:p>
+            <a:fld id="{8C2E478F-E849-4A8C-AF1F-CBCC78A7CBFA}" type="slidenum">
+              <a:rPr lang="en-US" smtClean="0"/>
+              <a:t>‹#›</a:t>
+            </a:fld>
+            <a:endParaRPr lang="en-US" dirty="0"/>
+          </a:p>
+        </p:txBody>
+      </p:sp>
+    </p:spTree>
+    <p:extLst>
+      <p:ext uri="{BB962C8B-B14F-4D97-AF65-F5344CB8AC3E}">
+        <p14:creationId xmlns:p14="http://schemas.microsoft.com/office/powerpoint/2010/main" val="2418151442"/>
+      </p:ext>
+    </p:extLst>
+  </p:cSld>
+  <p:clrMapOvr>
+    <a:masterClrMapping/>
+  </p:clrMapOvr>
+</p:sldLayout>
+</file>
+
+<file path=ppt/slideLayouts/slideLayout7.xml><?xml version="1.0" encoding="utf-8"?>
+<p:sldLayout xmlns:a="http://schemas.openxmlformats.org/drawingml/2006/main" xmlns:r="http://schemas.openxmlformats.org/officeDocument/2006/relationships" xmlns:p="http://schemas.openxmlformats.org/presentationml/2006/main" preserve="1">
+  <p:cSld name="Quote">
+    <p:bg>
+      <p:bgRef idx="1001">
+        <a:schemeClr val="bg1"/>
+      </p:bgRef>
+    </p:bg>
+    <p:spTree>
+      <p:nvGrpSpPr>
+        <p:cNvPr id="1" name=""/>
+        <p:cNvGrpSpPr/>
+        <p:nvPr/>
+      </p:nvGrpSpPr>
+      <p:grpSpPr>
+        <a:xfrm>
+          <a:off x="0" y="0"/>
+          <a:ext cx="0" cy="0"/>
+          <a:chOff x="0" y="0"/>
+          <a:chExt cx="0" cy="0"/>
+        </a:xfrm>
+      </p:grpSpPr>
+      <p:sp>
+        <p:nvSpPr>
+          <p:cNvPr id="3" name="Picture Placeholder 2">
+            <a:extLst>
+              <a:ext uri="{FF2B5EF4-FFF2-40B4-BE49-F238E27FC236}">
+                <a16:creationId xmlns:a16="http://schemas.microsoft.com/office/drawing/2014/main" id="{DE635FD8-712D-4EE2-A5B6-3DD8DE9C25E9}"/>
+              </a:ext>
+            </a:extLst>
+          </p:cNvPr>
+          <p:cNvSpPr>
+            <a:spLocks noGrp="1"/>
+          </p:cNvSpPr>
+          <p:nvPr>
+            <p:ph type="pic" sz="quarter" idx="10"/>
+          </p:nvPr>
+        </p:nvSpPr>
+        <p:spPr>
+          <a:xfrm>
+            <a:off x="0" y="0"/>
+            <a:ext cx="11520488" cy="6480175"/>
+          </a:xfrm>
+        </p:spPr>
+        <p:txBody>
+          <a:bodyPr anchor="ctr"/>
+          <a:lstStyle>
+            <a:lvl1pPr marL="0" indent="0" algn="ctr">
+              <a:buNone/>
+              <a:defRPr/>
+            </a:lvl1pPr>
+          </a:lstStyle>
+          <a:p>
+            <a:r>
+              <a:rPr lang="en-US"/>
+              <a:t>Click icon to add picture</a:t>
+            </a:r>
+            <a:endParaRPr lang="en-US" dirty="0"/>
+          </a:p>
+        </p:txBody>
+      </p:sp>
+      <p:sp>
+        <p:nvSpPr>
+          <p:cNvPr id="2" name="Title 1">
+            <a:extLst>
+              <a:ext uri="{FF2B5EF4-FFF2-40B4-BE49-F238E27FC236}">
+                <a16:creationId xmlns:a16="http://schemas.microsoft.com/office/drawing/2014/main" id="{4C179BAC-E989-4203-B9B4-66280365481B}"/>
+              </a:ext>
+            </a:extLst>
+          </p:cNvPr>
+          <p:cNvSpPr>
+            <a:spLocks noGrp="1"/>
+          </p:cNvSpPr>
+          <p:nvPr>
+            <p:ph type="title"/>
+          </p:nvPr>
+        </p:nvSpPr>
+        <p:spPr>
+          <a:xfrm>
+            <a:off x="3816162" y="4353318"/>
+            <a:ext cx="3888165" cy="398260"/>
+          </a:xfrm>
+          <a:gradFill flip="none" rotWithShape="1">
+            <a:gsLst>
+              <a:gs pos="0">
+                <a:schemeClr val="accent5"/>
+              </a:gs>
+              <a:gs pos="100000">
+                <a:schemeClr val="accent2">
+                  <a:lumMod val="97000"/>
+                  <a:lumOff val="3000"/>
+                </a:schemeClr>
+              </a:gs>
+              <a:gs pos="50000">
+                <a:schemeClr val="accent1"/>
+              </a:gs>
+            </a:gsLst>
+            <a:lin ang="10800000" scaled="1"/>
+            <a:tileRect/>
+          </a:gradFill>
+        </p:spPr>
+        <p:txBody>
+          <a:bodyPr>
+            <a:noAutofit/>
+          </a:bodyPr>
+          <a:lstStyle>
+            <a:lvl1pPr>
+              <a:defRPr sz="1323" spc="283" baseline="0">
+                <a:latin typeface="+mn-lt"/>
+              </a:defRPr>
+            </a:lvl1pPr>
+          </a:lstStyle>
+          <a:p>
+            <a:r>
+              <a:rPr lang="en-US"/>
+              <a:t>Click to edit Master title style</a:t>
+            </a:r>
+            <a:endParaRPr lang="en-US" dirty="0"/>
+          </a:p>
+        </p:txBody>
+      </p:sp>
+      <p:sp>
+        <p:nvSpPr>
+          <p:cNvPr id="7" name="Text Placeholder 6">
+            <a:extLst>
+              <a:ext uri="{FF2B5EF4-FFF2-40B4-BE49-F238E27FC236}">
+                <a16:creationId xmlns:a16="http://schemas.microsoft.com/office/drawing/2014/main" id="{60CCC81E-A013-4315-AD13-97BA3AA95596}"/>
+              </a:ext>
+            </a:extLst>
+          </p:cNvPr>
+          <p:cNvSpPr>
+            <a:spLocks noGrp="1"/>
+          </p:cNvSpPr>
+          <p:nvPr>
+            <p:ph type="body" sz="quarter" idx="11" hasCustomPrompt="1"/>
+          </p:nvPr>
+        </p:nvSpPr>
+        <p:spPr>
+          <a:xfrm>
+            <a:off x="1397309" y="1483240"/>
+            <a:ext cx="8725870" cy="2505368"/>
+          </a:xfrm>
+        </p:spPr>
+        <p:txBody>
+          <a:bodyPr>
+            <a:noAutofit/>
+          </a:bodyPr>
+          <a:lstStyle>
+            <a:lvl1pPr marL="0" indent="0" algn="ctr">
+              <a:buNone/>
+              <a:defRPr sz="3024"/>
+            </a:lvl1pPr>
+          </a:lstStyle>
+          <a:p>
+            <a:pPr lvl="0"/>
+            <a:r>
+              <a:rPr lang="en-US" dirty="0"/>
+              <a:t>CLICK TO EDIT MASTER TEXT STYLES</a:t>
+            </a:r>
+          </a:p>
+        </p:txBody>
+      </p:sp>
+    </p:spTree>
+    <p:extLst>
+      <p:ext uri="{BB962C8B-B14F-4D97-AF65-F5344CB8AC3E}">
+        <p14:creationId xmlns:p14="http://schemas.microsoft.com/office/powerpoint/2010/main" val="2396865020"/>
+      </p:ext>
+    </p:extLst>
+  </p:cSld>
+  <p:clrMapOvr>
+    <a:overrideClrMapping bg1="dk1" tx1="lt1" bg2="dk2" tx2="lt2" accent1="accent1" accent2="accent2" accent3="accent3" accent4="accent4" accent5="accent5" accent6="accent6" hlink="hlink" folHlink="folHlink"/>
+  </p:clrMapOvr>
+</p:sldLayout>
+</file>
+
+<file path=ppt/slideLayouts/slideLayout8.xml><?xml version="1.0" encoding="utf-8"?>
+<p:sldLayout xmlns:a="http://schemas.openxmlformats.org/drawingml/2006/main" xmlns:r="http://schemas.openxmlformats.org/officeDocument/2006/relationships" xmlns:p="http://schemas.openxmlformats.org/presentationml/2006/main" preserve="1">
+  <p:cSld name="Content 2 Column">
+    <p:spTree>
+      <p:nvGrpSpPr>
+        <p:cNvPr id="1" name=""/>
+        <p:cNvGrpSpPr/>
+        <p:nvPr/>
+      </p:nvGrpSpPr>
+      <p:grpSpPr>
+        <a:xfrm>
+          <a:off x="0" y="0"/>
+          <a:ext cx="0" cy="0"/>
+          <a:chOff x="0" y="0"/>
+          <a:chExt cx="0" cy="0"/>
+        </a:xfrm>
+      </p:grpSpPr>
+      <p:sp>
+        <p:nvSpPr>
+          <p:cNvPr id="17" name="Title 2">
+            <a:extLst>
+              <a:ext uri="{FF2B5EF4-FFF2-40B4-BE49-F238E27FC236}">
+                <a16:creationId xmlns:a16="http://schemas.microsoft.com/office/drawing/2014/main" id="{0EF11611-8537-47CC-87AC-2E25428B72BA}"/>
+              </a:ext>
+            </a:extLst>
+          </p:cNvPr>
+          <p:cNvSpPr>
+            <a:spLocks noGrp="1"/>
+          </p:cNvSpPr>
+          <p:nvPr>
+            <p:ph type="title"/>
+          </p:nvPr>
+        </p:nvSpPr>
+        <p:spPr>
+          <a:xfrm>
+            <a:off x="561774" y="1"/>
+            <a:ext cx="10396940" cy="1533791"/>
+          </a:xfrm>
+        </p:spPr>
+        <p:txBody>
+          <a:bodyPr anchor="ctr">
+            <a:noAutofit/>
+          </a:bodyPr>
+          <a:lstStyle/>
+          <a:p>
+            <a:pPr algn="ctr"/>
+            <a:r>
+              <a:rPr lang="en-US" sz="4536"/>
+              <a:t>Click to edit Master title style</a:t>
+            </a:r>
+            <a:endParaRPr lang="en-US" sz="4536" dirty="0"/>
+          </a:p>
+        </p:txBody>
+      </p:sp>
+      <p:sp>
+        <p:nvSpPr>
+          <p:cNvPr id="19" name="Picture Placeholder 17">
+            <a:extLst>
+              <a:ext uri="{FF2B5EF4-FFF2-40B4-BE49-F238E27FC236}">
+                <a16:creationId xmlns:a16="http://schemas.microsoft.com/office/drawing/2014/main" id="{D1A63A52-1E65-414B-BBC3-D31F515791AC}"/>
+              </a:ext>
+            </a:extLst>
+          </p:cNvPr>
+          <p:cNvSpPr>
+            <a:spLocks noGrp="1"/>
+          </p:cNvSpPr>
+          <p:nvPr>
+            <p:ph type="pic" sz="quarter" idx="11"/>
+          </p:nvPr>
+        </p:nvSpPr>
+        <p:spPr>
+          <a:xfrm>
+            <a:off x="6216264" y="1548042"/>
+            <a:ext cx="4872206" cy="1788048"/>
+          </a:xfrm>
+        </p:spPr>
+        <p:txBody>
+          <a:bodyPr>
+            <a:noAutofit/>
+          </a:bodyPr>
+          <a:lstStyle/>
+          <a:p>
+            <a:r>
+              <a:rPr lang="en-US"/>
+              <a:t>Click icon to add picture</a:t>
+            </a:r>
+            <a:endParaRPr lang="en-US" dirty="0"/>
+          </a:p>
+        </p:txBody>
+      </p:sp>
+      <p:sp>
+        <p:nvSpPr>
+          <p:cNvPr id="18" name="Picture Placeholder 17">
+            <a:extLst>
+              <a:ext uri="{FF2B5EF4-FFF2-40B4-BE49-F238E27FC236}">
+                <a16:creationId xmlns:a16="http://schemas.microsoft.com/office/drawing/2014/main" id="{ED7E0E1A-1E64-4A9A-9C8B-69486BD1123B}"/>
+              </a:ext>
+            </a:extLst>
+          </p:cNvPr>
+          <p:cNvSpPr>
+            <a:spLocks noGrp="1"/>
+          </p:cNvSpPr>
+          <p:nvPr>
+            <p:ph type="pic" sz="quarter" idx="10"/>
+          </p:nvPr>
+        </p:nvSpPr>
+        <p:spPr>
+          <a:xfrm>
+            <a:off x="444019" y="1548042"/>
+            <a:ext cx="4872206" cy="1788048"/>
+          </a:xfrm>
+        </p:spPr>
+        <p:txBody>
+          <a:bodyPr>
+            <a:noAutofit/>
+          </a:bodyPr>
+          <a:lstStyle/>
+          <a:p>
+            <a:r>
+              <a:rPr lang="en-US"/>
+              <a:t>Click icon to add picture</a:t>
+            </a:r>
+            <a:endParaRPr lang="en-US" dirty="0"/>
+          </a:p>
+        </p:txBody>
+      </p:sp>
+      <p:sp>
+        <p:nvSpPr>
+          <p:cNvPr id="10" name="Text Placeholder 3">
+            <a:extLst>
+              <a:ext uri="{FF2B5EF4-FFF2-40B4-BE49-F238E27FC236}">
+                <a16:creationId xmlns:a16="http://schemas.microsoft.com/office/drawing/2014/main" id="{1E462965-19D7-4A65-B394-9AE76A5B4805}"/>
+              </a:ext>
+            </a:extLst>
+          </p:cNvPr>
+          <p:cNvSpPr>
+            <a:spLocks noGrp="1"/>
+          </p:cNvSpPr>
+          <p:nvPr>
+            <p:ph type="body" idx="1"/>
+          </p:nvPr>
+        </p:nvSpPr>
+        <p:spPr>
+          <a:xfrm>
+            <a:off x="443270" y="3651458"/>
+            <a:ext cx="4873706" cy="467262"/>
+          </a:xfrm>
+        </p:spPr>
+        <p:txBody>
+          <a:bodyPr>
+            <a:noAutofit/>
+          </a:bodyPr>
+          <a:lstStyle>
+            <a:lvl1pPr marL="0" indent="0">
+              <a:buNone/>
+              <a:defRPr sz="2268"/>
+            </a:lvl1pPr>
+          </a:lstStyle>
+          <a:p>
+            <a:pPr lvl="0"/>
+            <a:r>
+              <a:rPr lang="en-US" spc="283">
+                <a:solidFill>
+                  <a:schemeClr val="tx1"/>
+                </a:solidFill>
+              </a:rPr>
+              <a:t>Click to edit Master text styles</a:t>
+            </a:r>
+          </a:p>
+        </p:txBody>
+      </p:sp>
+      <p:sp>
+        <p:nvSpPr>
+          <p:cNvPr id="11" name="Content Placeholder 4">
+            <a:extLst>
+              <a:ext uri="{FF2B5EF4-FFF2-40B4-BE49-F238E27FC236}">
+                <a16:creationId xmlns:a16="http://schemas.microsoft.com/office/drawing/2014/main" id="{FAEC14D1-0BEA-4D9A-9D96-A56B6A9B07AC}"/>
+              </a:ext>
+            </a:extLst>
+          </p:cNvPr>
+          <p:cNvSpPr>
+            <a:spLocks noGrp="1"/>
+          </p:cNvSpPr>
+          <p:nvPr>
+            <p:ph sz="half" idx="2"/>
+          </p:nvPr>
+        </p:nvSpPr>
+        <p:spPr>
+          <a:xfrm>
+            <a:off x="443270" y="4281507"/>
+            <a:ext cx="4873706" cy="1926802"/>
+          </a:xfrm>
+        </p:spPr>
+        <p:txBody>
+          <a:bodyPr>
+            <a:noAutofit/>
+          </a:bodyPr>
+          <a:lstStyle/>
+          <a:p>
+            <a:pPr lvl="0">
+              <a:lnSpc>
+                <a:spcPct val="100000"/>
+              </a:lnSpc>
+              <a:buFont typeface="Wingdings" panose="05000000000000000000" pitchFamily="2" charset="2"/>
+              <a:buChar char="§"/>
+            </a:pPr>
+            <a:r>
+              <a:rPr lang="en-US" sz="1323">
+                <a:solidFill>
+                  <a:schemeClr val="tx1"/>
+                </a:solidFill>
+              </a:rPr>
+              <a:t>Click to edit Master text styles</a:t>
+            </a:r>
+          </a:p>
+        </p:txBody>
+      </p:sp>
+      <p:sp>
+        <p:nvSpPr>
+          <p:cNvPr id="12" name="Text Placeholder 5">
+            <a:extLst>
+              <a:ext uri="{FF2B5EF4-FFF2-40B4-BE49-F238E27FC236}">
+                <a16:creationId xmlns:a16="http://schemas.microsoft.com/office/drawing/2014/main" id="{1507BB47-1AB4-42F2-99FF-453A0622B815}"/>
+              </a:ext>
+            </a:extLst>
+          </p:cNvPr>
+          <p:cNvSpPr>
+            <a:spLocks noGrp="1"/>
+          </p:cNvSpPr>
+          <p:nvPr>
+            <p:ph type="body" sz="quarter" idx="3"/>
+          </p:nvPr>
+        </p:nvSpPr>
+        <p:spPr>
+          <a:xfrm>
+            <a:off x="6203513" y="3651458"/>
+            <a:ext cx="4897708" cy="467262"/>
+          </a:xfrm>
+        </p:spPr>
+        <p:txBody>
+          <a:bodyPr>
+            <a:noAutofit/>
+          </a:bodyPr>
+          <a:lstStyle>
+            <a:lvl1pPr marL="0" indent="0">
+              <a:buNone/>
+              <a:defRPr sz="2268"/>
+            </a:lvl1pPr>
+          </a:lstStyle>
+          <a:p>
+            <a:pPr lvl="0"/>
+            <a:r>
+              <a:rPr lang="en-US" spc="283">
+                <a:solidFill>
+                  <a:schemeClr val="tx1"/>
+                </a:solidFill>
+              </a:rPr>
+              <a:t>Click to edit Master text styles</a:t>
+            </a:r>
+          </a:p>
+        </p:txBody>
+      </p:sp>
+      <p:sp>
+        <p:nvSpPr>
+          <p:cNvPr id="14" name="Content Placeholder 6">
+            <a:extLst>
+              <a:ext uri="{FF2B5EF4-FFF2-40B4-BE49-F238E27FC236}">
+                <a16:creationId xmlns:a16="http://schemas.microsoft.com/office/drawing/2014/main" id="{438D6EEA-A0DB-4B5F-8F41-A9C1F2C094C0}"/>
+              </a:ext>
+            </a:extLst>
+          </p:cNvPr>
+          <p:cNvSpPr>
+            <a:spLocks noGrp="1"/>
+          </p:cNvSpPr>
+          <p:nvPr>
+            <p:ph sz="quarter" idx="4"/>
+          </p:nvPr>
+        </p:nvSpPr>
+        <p:spPr>
+          <a:xfrm>
+            <a:off x="6203513" y="4281507"/>
+            <a:ext cx="4897708" cy="1926802"/>
+          </a:xfrm>
+        </p:spPr>
+        <p:txBody>
+          <a:bodyPr>
+            <a:noAutofit/>
+          </a:bodyPr>
+          <a:lstStyle/>
+          <a:p>
+            <a:pPr lvl="0">
+              <a:lnSpc>
+                <a:spcPct val="100000"/>
+              </a:lnSpc>
+              <a:buFont typeface="Wingdings" panose="05000000000000000000" pitchFamily="2" charset="2"/>
+              <a:buChar char="§"/>
+            </a:pPr>
+            <a:r>
+              <a:rPr lang="en-US" sz="1323">
+                <a:solidFill>
+                  <a:schemeClr val="tx1"/>
+                </a:solidFill>
+              </a:rPr>
+              <a:t>Click to edit Master text styles</a:t>
+            </a:r>
+          </a:p>
+        </p:txBody>
+      </p:sp>
+      <p:sp>
+        <p:nvSpPr>
+          <p:cNvPr id="20" name="Slide Number Placeholder 5">
+            <a:extLst>
+              <a:ext uri="{FF2B5EF4-FFF2-40B4-BE49-F238E27FC236}">
+                <a16:creationId xmlns:a16="http://schemas.microsoft.com/office/drawing/2014/main" id="{A4909F59-7529-454A-A1EF-3CC1EADEFC1F}"/>
+              </a:ext>
+            </a:extLst>
+          </p:cNvPr>
+          <p:cNvSpPr>
+            <a:spLocks noGrp="1"/>
+          </p:cNvSpPr>
+          <p:nvPr>
+            <p:ph type="sldNum" sz="quarter" idx="12"/>
+          </p:nvPr>
+        </p:nvSpPr>
+        <p:spPr>
+          <a:xfrm>
+            <a:off x="10913157" y="6111948"/>
+            <a:ext cx="419496" cy="345009"/>
+          </a:xfrm>
+        </p:spPr>
+        <p:txBody>
+          <a:bodyPr>
+            <a:noAutofit/>
+          </a:bodyPr>
+          <a:lstStyle/>
+          <a:p>
+            <a:fld id="{8C2E478F-E849-4A8C-AF1F-CBCC78A7CBFA}" type="slidenum">
+              <a:rPr lang="en-US" smtClean="0"/>
+              <a:t>‹#›</a:t>
+            </a:fld>
+            <a:endParaRPr lang="en-US" dirty="0"/>
+          </a:p>
+        </p:txBody>
+      </p:sp>
+    </p:spTree>
+    <p:extLst>
+      <p:ext uri="{BB962C8B-B14F-4D97-AF65-F5344CB8AC3E}">
+        <p14:creationId xmlns:p14="http://schemas.microsoft.com/office/powerpoint/2010/main" val="3422206595"/>
+      </p:ext>
+    </p:extLst>
+  </p:cSld>
+  <p:clrMapOvr>
+    <a:masterClrMapping/>
+  </p:clrMapOvr>
+</p:sldLayout>
+</file>
+
+<file path=ppt/slideLayouts/slideLayout9.xml><?xml version="1.0" encoding="utf-8"?>
+<p:sldLayout xmlns:a="http://schemas.openxmlformats.org/drawingml/2006/main" xmlns:r="http://schemas.openxmlformats.org/officeDocument/2006/relationships" xmlns:p="http://schemas.openxmlformats.org/presentationml/2006/main" preserve="1">
+  <p:cSld name="Content 3 Column">
+    <p:spTree>
+      <p:nvGrpSpPr>
+        <p:cNvPr id="1" name=""/>
+        <p:cNvGrpSpPr/>
+        <p:nvPr/>
+      </p:nvGrpSpPr>
+      <p:grpSpPr>
+        <a:xfrm>
+          <a:off x="0" y="0"/>
+          <a:ext cx="0" cy="0"/>
+          <a:chOff x="0" y="0"/>
+          <a:chExt cx="0" cy="0"/>
+        </a:xfrm>
+      </p:grpSpPr>
+      <p:sp>
+        <p:nvSpPr>
+          <p:cNvPr id="22" name="Title 2">
+            <a:extLst>
+              <a:ext uri="{FF2B5EF4-FFF2-40B4-BE49-F238E27FC236}">
+                <a16:creationId xmlns:a16="http://schemas.microsoft.com/office/drawing/2014/main" id="{6186F91B-547E-43BC-9BCE-04619DAAFEC2}"/>
+              </a:ext>
+            </a:extLst>
+          </p:cNvPr>
+          <p:cNvSpPr>
+            <a:spLocks noGrp="1"/>
+          </p:cNvSpPr>
+          <p:nvPr>
+            <p:ph type="title"/>
+          </p:nvPr>
+        </p:nvSpPr>
+        <p:spPr>
+          <a:xfrm>
+            <a:off x="561774" y="1"/>
+            <a:ext cx="10396940" cy="1533791"/>
+          </a:xfrm>
+        </p:spPr>
+        <p:txBody>
+          <a:bodyPr anchor="ctr">
+            <a:noAutofit/>
+          </a:bodyPr>
+          <a:lstStyle/>
+          <a:p>
+            <a:pPr algn="ctr"/>
+            <a:r>
+              <a:rPr lang="en-US" sz="4536"/>
+              <a:t>Click to edit Master title style</a:t>
+            </a:r>
+            <a:endParaRPr lang="en-US" sz="4536" dirty="0"/>
+          </a:p>
+        </p:txBody>
+      </p:sp>
+      <p:sp>
+        <p:nvSpPr>
+          <p:cNvPr id="28" name="Text Placeholder 27">
+            <a:extLst>
+              <a:ext uri="{FF2B5EF4-FFF2-40B4-BE49-F238E27FC236}">
+                <a16:creationId xmlns:a16="http://schemas.microsoft.com/office/drawing/2014/main" id="{D635DFA1-45D2-4EFE-8BB2-BE966346691E}"/>
+              </a:ext>
+            </a:extLst>
+          </p:cNvPr>
+          <p:cNvSpPr>
+            <a:spLocks noGrp="1"/>
+          </p:cNvSpPr>
+          <p:nvPr>
+            <p:ph type="body" sz="quarter" idx="13" hasCustomPrompt="1"/>
+          </p:nvPr>
+        </p:nvSpPr>
+        <p:spPr>
+          <a:xfrm>
+            <a:off x="907240" y="3467343"/>
+            <a:ext cx="2937125" cy="2425566"/>
+          </a:xfrm>
+        </p:spPr>
+        <p:txBody>
+          <a:bodyPr>
+            <a:noAutofit/>
+          </a:bodyPr>
+          <a:lstStyle>
+            <a:lvl1pPr marL="0" indent="0">
+              <a:buFont typeface="Wingdings" panose="05000000000000000000" pitchFamily="2" charset="2"/>
+              <a:buNone/>
+              <a:defRPr sz="2268" spc="283"/>
+            </a:lvl1pPr>
+            <a:lvl2pPr marL="648012" indent="-216004">
+              <a:buFont typeface="Wingdings" panose="05000000000000000000" pitchFamily="2" charset="2"/>
+              <a:buChar char="§"/>
+              <a:defRPr/>
+            </a:lvl2pPr>
+            <a:lvl3pPr marL="1080021" indent="-216004">
+              <a:buFont typeface="Wingdings" panose="05000000000000000000" pitchFamily="2" charset="2"/>
+              <a:buChar char="§"/>
+              <a:defRPr/>
+            </a:lvl3pPr>
+            <a:lvl4pPr marL="1512029" indent="-216004">
+              <a:buFont typeface="Wingdings" panose="05000000000000000000" pitchFamily="2" charset="2"/>
+              <a:buChar char="§"/>
+              <a:defRPr/>
+            </a:lvl4pPr>
+            <a:lvl5pPr marL="1944037" indent="-216004">
+              <a:buFont typeface="Wingdings" panose="05000000000000000000" pitchFamily="2" charset="2"/>
+              <a:buChar char="§"/>
+              <a:defRPr/>
+            </a:lvl5pPr>
+          </a:lstStyle>
+          <a:p>
+            <a:pPr lvl="0"/>
+            <a:r>
+              <a:rPr lang="en-US" dirty="0"/>
+              <a:t>CLICK TO EDIT MASTER TEXT STYLES</a:t>
+            </a:r>
+          </a:p>
+          <a:p>
+            <a:pPr lvl="1"/>
+            <a:r>
+              <a:rPr lang="en-US" dirty="0"/>
+              <a:t>Second level</a:t>
+            </a:r>
+          </a:p>
+          <a:p>
+            <a:pPr lvl="2"/>
+            <a:r>
+              <a:rPr lang="en-US" dirty="0"/>
+              <a:t>Third level</a:t>
+            </a:r>
+          </a:p>
+          <a:p>
+            <a:pPr lvl="3"/>
+            <a:r>
+              <a:rPr lang="en-US" dirty="0"/>
+              <a:t>Fourth level</a:t>
+            </a:r>
+          </a:p>
+          <a:p>
+            <a:pPr lvl="4"/>
+            <a:r>
+              <a:rPr lang="en-US" dirty="0"/>
+              <a:t>Fifth level</a:t>
+            </a:r>
+          </a:p>
+        </p:txBody>
+      </p:sp>
+      <p:sp>
+        <p:nvSpPr>
+          <p:cNvPr id="24" name="Picture Placeholder 23">
+            <a:extLst>
+              <a:ext uri="{FF2B5EF4-FFF2-40B4-BE49-F238E27FC236}">
+                <a16:creationId xmlns:a16="http://schemas.microsoft.com/office/drawing/2014/main" id="{2F2918FE-A84E-4303-AEF3-4FD66CDD733E}"/>
+              </a:ext>
+            </a:extLst>
+          </p:cNvPr>
+          <p:cNvSpPr>
+            <a:spLocks noGrp="1"/>
+          </p:cNvSpPr>
+          <p:nvPr>
+            <p:ph type="pic" sz="quarter" idx="10"/>
+          </p:nvPr>
+        </p:nvSpPr>
+        <p:spPr>
+          <a:xfrm>
+            <a:off x="907540" y="1534542"/>
+            <a:ext cx="2937124" cy="1788048"/>
+          </a:xfrm>
+        </p:spPr>
+        <p:txBody>
+          <a:bodyPr>
+            <a:noAutofit/>
+          </a:bodyPr>
+          <a:lstStyle/>
+          <a:p>
+            <a:r>
+              <a:rPr lang="en-US"/>
+              <a:t>Click icon to add picture</a:t>
+            </a:r>
+            <a:endParaRPr lang="en-US" dirty="0"/>
+          </a:p>
+        </p:txBody>
+      </p:sp>
+      <p:sp>
+        <p:nvSpPr>
+          <p:cNvPr id="25" name="Picture Placeholder 23">
+            <a:extLst>
+              <a:ext uri="{FF2B5EF4-FFF2-40B4-BE49-F238E27FC236}">
+                <a16:creationId xmlns:a16="http://schemas.microsoft.com/office/drawing/2014/main" id="{E2401025-9BC9-4BDD-97DA-CA763CF846BB}"/>
+              </a:ext>
+            </a:extLst>
+          </p:cNvPr>
+          <p:cNvSpPr>
+            <a:spLocks noGrp="1"/>
+          </p:cNvSpPr>
+          <p:nvPr>
+            <p:ph type="pic" sz="quarter" idx="11"/>
+          </p:nvPr>
+        </p:nvSpPr>
+        <p:spPr>
+          <a:xfrm>
+            <a:off x="4291982" y="1533792"/>
+            <a:ext cx="2937124" cy="1788048"/>
+          </a:xfrm>
+        </p:spPr>
+        <p:txBody>
+          <a:bodyPr>
+            <a:noAutofit/>
+          </a:bodyPr>
+          <a:lstStyle/>
+          <a:p>
+            <a:r>
+              <a:rPr lang="en-US"/>
+              <a:t>Click icon to add picture</a:t>
+            </a:r>
+            <a:endParaRPr lang="en-US" dirty="0"/>
+          </a:p>
+        </p:txBody>
+      </p:sp>
+      <p:sp>
+        <p:nvSpPr>
+          <p:cNvPr id="26" name="Picture Placeholder 23">
+            <a:extLst>
+              <a:ext uri="{FF2B5EF4-FFF2-40B4-BE49-F238E27FC236}">
+                <a16:creationId xmlns:a16="http://schemas.microsoft.com/office/drawing/2014/main" id="{B7C4AAB6-897A-4ABD-AD50-2D86B197E914}"/>
+              </a:ext>
+            </a:extLst>
+          </p:cNvPr>
+          <p:cNvSpPr>
+            <a:spLocks noGrp="1"/>
+          </p:cNvSpPr>
+          <p:nvPr>
+            <p:ph type="pic" sz="quarter" idx="12"/>
+          </p:nvPr>
+        </p:nvSpPr>
+        <p:spPr>
+          <a:xfrm>
+            <a:off x="7675526" y="1533792"/>
+            <a:ext cx="2937124" cy="1788048"/>
+          </a:xfrm>
+        </p:spPr>
+        <p:txBody>
+          <a:bodyPr>
+            <a:noAutofit/>
+          </a:bodyPr>
+          <a:lstStyle/>
+          <a:p>
+            <a:r>
+              <a:rPr lang="en-US"/>
+              <a:t>Click icon to add picture</a:t>
+            </a:r>
+            <a:endParaRPr lang="en-US" dirty="0"/>
+          </a:p>
+        </p:txBody>
+      </p:sp>
+      <p:sp>
+        <p:nvSpPr>
+          <p:cNvPr id="29" name="Text Placeholder 27">
+            <a:extLst>
+              <a:ext uri="{FF2B5EF4-FFF2-40B4-BE49-F238E27FC236}">
+                <a16:creationId xmlns:a16="http://schemas.microsoft.com/office/drawing/2014/main" id="{790D65EC-6EB4-4594-91E9-5C3DE7C3BA89}"/>
+              </a:ext>
+            </a:extLst>
+          </p:cNvPr>
+          <p:cNvSpPr>
+            <a:spLocks noGrp="1"/>
+          </p:cNvSpPr>
+          <p:nvPr>
+            <p:ph type="body" sz="quarter" idx="14" hasCustomPrompt="1"/>
+          </p:nvPr>
+        </p:nvSpPr>
+        <p:spPr>
+          <a:xfrm>
+            <a:off x="4291682" y="3478593"/>
+            <a:ext cx="2937125" cy="2425566"/>
+          </a:xfrm>
+        </p:spPr>
+        <p:txBody>
+          <a:bodyPr>
+            <a:noAutofit/>
+          </a:bodyPr>
+          <a:lstStyle>
+            <a:lvl1pPr marL="0" indent="0">
+              <a:buFont typeface="Wingdings" panose="05000000000000000000" pitchFamily="2" charset="2"/>
+              <a:buNone/>
+              <a:defRPr sz="2268" spc="283"/>
+            </a:lvl1pPr>
+            <a:lvl2pPr marL="648012" indent="-216004">
+              <a:buFont typeface="Wingdings" panose="05000000000000000000" pitchFamily="2" charset="2"/>
+              <a:buChar char="§"/>
+              <a:defRPr/>
+            </a:lvl2pPr>
+            <a:lvl3pPr marL="1080021" indent="-216004">
+              <a:buFont typeface="Wingdings" panose="05000000000000000000" pitchFamily="2" charset="2"/>
+              <a:buChar char="§"/>
+              <a:defRPr/>
+            </a:lvl3pPr>
+            <a:lvl4pPr marL="1512029" indent="-216004">
+              <a:buFont typeface="Wingdings" panose="05000000000000000000" pitchFamily="2" charset="2"/>
+              <a:buChar char="§"/>
+              <a:defRPr/>
+            </a:lvl4pPr>
+            <a:lvl5pPr marL="1944037" indent="-216004">
+              <a:buFont typeface="Wingdings" panose="05000000000000000000" pitchFamily="2" charset="2"/>
+              <a:buChar char="§"/>
+              <a:defRPr/>
+            </a:lvl5pPr>
+          </a:lstStyle>
+          <a:p>
+            <a:pPr lvl="0"/>
+            <a:r>
+              <a:rPr lang="en-US" dirty="0"/>
+              <a:t>CLICK TO EDIT MASTER TEXT STYLES</a:t>
+            </a:r>
+          </a:p>
+          <a:p>
+            <a:pPr lvl="1"/>
+            <a:r>
+              <a:rPr lang="en-US" dirty="0"/>
+              <a:t>Second level</a:t>
+            </a:r>
+          </a:p>
+          <a:p>
+            <a:pPr lvl="2"/>
+            <a:r>
+              <a:rPr lang="en-US" dirty="0"/>
+              <a:t>Third level</a:t>
+            </a:r>
+          </a:p>
+          <a:p>
+            <a:pPr lvl="3"/>
+            <a:r>
+              <a:rPr lang="en-US" dirty="0"/>
+              <a:t>Fourth level</a:t>
+            </a:r>
+          </a:p>
+          <a:p>
+            <a:pPr lvl="4"/>
+            <a:r>
+              <a:rPr lang="en-US" dirty="0"/>
+              <a:t>Fifth level</a:t>
+            </a:r>
+          </a:p>
+        </p:txBody>
+      </p:sp>
+      <p:sp>
+        <p:nvSpPr>
+          <p:cNvPr id="30" name="Text Placeholder 27">
+            <a:extLst>
+              <a:ext uri="{FF2B5EF4-FFF2-40B4-BE49-F238E27FC236}">
+                <a16:creationId xmlns:a16="http://schemas.microsoft.com/office/drawing/2014/main" id="{611CF730-D055-47C2-A626-299F429D41B2}"/>
+              </a:ext>
+            </a:extLst>
+          </p:cNvPr>
+          <p:cNvSpPr>
+            <a:spLocks noGrp="1"/>
+          </p:cNvSpPr>
+          <p:nvPr>
+            <p:ph type="body" sz="quarter" idx="15" hasCustomPrompt="1"/>
+          </p:nvPr>
+        </p:nvSpPr>
+        <p:spPr>
+          <a:xfrm>
+            <a:off x="7675524" y="3478593"/>
+            <a:ext cx="2937125" cy="2425566"/>
+          </a:xfrm>
+        </p:spPr>
+        <p:txBody>
+          <a:bodyPr>
+            <a:noAutofit/>
+          </a:bodyPr>
+          <a:lstStyle>
+            <a:lvl1pPr marL="0" indent="0">
+              <a:buFont typeface="Wingdings" panose="05000000000000000000" pitchFamily="2" charset="2"/>
+              <a:buNone/>
+              <a:defRPr sz="2268" spc="283"/>
+            </a:lvl1pPr>
+            <a:lvl2pPr marL="648012" indent="-216004">
+              <a:buFont typeface="Wingdings" panose="05000000000000000000" pitchFamily="2" charset="2"/>
+              <a:buChar char="§"/>
+              <a:defRPr/>
+            </a:lvl2pPr>
+            <a:lvl3pPr marL="1080021" indent="-216004">
+              <a:buFont typeface="Wingdings" panose="05000000000000000000" pitchFamily="2" charset="2"/>
+              <a:buChar char="§"/>
+              <a:defRPr/>
+            </a:lvl3pPr>
+            <a:lvl4pPr marL="1512029" indent="-216004">
+              <a:buFont typeface="Wingdings" panose="05000000000000000000" pitchFamily="2" charset="2"/>
+              <a:buChar char="§"/>
+              <a:defRPr/>
+            </a:lvl4pPr>
+            <a:lvl5pPr marL="1944037" indent="-216004">
+              <a:buFont typeface="Wingdings" panose="05000000000000000000" pitchFamily="2" charset="2"/>
+              <a:buChar char="§"/>
+              <a:defRPr/>
+            </a:lvl5pPr>
+          </a:lstStyle>
+          <a:p>
+            <a:pPr lvl="0"/>
+            <a:r>
+              <a:rPr lang="en-US" dirty="0"/>
+              <a:t>CLICK TO EDIT MASTER TEXT STYLES</a:t>
+            </a:r>
+          </a:p>
+          <a:p>
+            <a:pPr lvl="1"/>
+            <a:r>
+              <a:rPr lang="en-US" dirty="0"/>
+              <a:t>Second level</a:t>
+            </a:r>
+          </a:p>
+          <a:p>
+            <a:pPr lvl="2"/>
+            <a:r>
+              <a:rPr lang="en-US" dirty="0"/>
+              <a:t>Third level</a:t>
+            </a:r>
+          </a:p>
+          <a:p>
+            <a:pPr lvl="3"/>
+            <a:r>
+              <a:rPr lang="en-US" dirty="0"/>
+              <a:t>Fourth level</a:t>
+            </a:r>
+          </a:p>
+          <a:p>
+            <a:pPr lvl="4"/>
+            <a:r>
+              <a:rPr lang="en-US" dirty="0"/>
+              <a:t>Fifth level</a:t>
+            </a:r>
+          </a:p>
+        </p:txBody>
+      </p:sp>
+      <p:sp>
+        <p:nvSpPr>
+          <p:cNvPr id="31" name="Slide Number Placeholder 5">
+            <a:extLst>
+              <a:ext uri="{FF2B5EF4-FFF2-40B4-BE49-F238E27FC236}">
+                <a16:creationId xmlns:a16="http://schemas.microsoft.com/office/drawing/2014/main" id="{F09E06A6-BFDD-42BD-BA69-2CD3BEF0F73D}"/>
+              </a:ext>
+            </a:extLst>
+          </p:cNvPr>
+          <p:cNvSpPr>
+            <a:spLocks noGrp="1"/>
+          </p:cNvSpPr>
+          <p:nvPr>
+            <p:ph type="sldNum" sz="quarter" idx="16"/>
+          </p:nvPr>
+        </p:nvSpPr>
+        <p:spPr>
+          <a:xfrm>
+            <a:off x="10913157" y="6111948"/>
+            <a:ext cx="419496" cy="345009"/>
+          </a:xfrm>
+        </p:spPr>
+        <p:txBody>
+          <a:bodyPr>
+            <a:noAutofit/>
+          </a:bodyPr>
+          <a:lstStyle/>
+          <a:p>
+            <a:fld id="{8C2E478F-E849-4A8C-AF1F-CBCC78A7CBFA}" type="slidenum">
+              <a:rPr lang="en-US" smtClean="0"/>
+              <a:t>‹#›</a:t>
+            </a:fld>
+            <a:endParaRPr lang="en-US" dirty="0"/>
+          </a:p>
+        </p:txBody>
+      </p:sp>
+    </p:spTree>
+    <p:extLst>
+      <p:ext uri="{BB962C8B-B14F-4D97-AF65-F5344CB8AC3E}">
+        <p14:creationId xmlns:p14="http://schemas.microsoft.com/office/powerpoint/2010/main" val="894619480"/>
       </p:ext>
     </p:extLst>
   </p:cSld>
@@ -1004,7 +4581,13 @@
       </p:grpSpPr>
       <p:sp>
         <p:nvSpPr>
-          <p:cNvPr id="2" name="Title Placeholder 1"/>
+          <p:cNvPr id="2" name="Title Placeholder 1">
+            <a:extLst>
+              <a:ext uri="{FF2B5EF4-FFF2-40B4-BE49-F238E27FC236}">
+                <a16:creationId xmlns:a16="http://schemas.microsoft.com/office/drawing/2014/main" id="{9305F96C-D634-4A69-95EC-3D002BD68752}"/>
+              </a:ext>
+            </a:extLst>
+          </p:cNvPr>
           <p:cNvSpPr>
             <a:spLocks noGrp="1"/>
           </p:cNvSpPr>
@@ -1014,29 +4597,36 @@
         </p:nvSpPr>
         <p:spPr>
           <a:xfrm>
-            <a:off x="361038" y="360363"/>
-            <a:ext cx="10800000" cy="720000"/>
+            <a:off x="561774" y="345010"/>
+            <a:ext cx="10396940" cy="778521"/>
           </a:xfrm>
           <a:prstGeom prst="rect">
             <a:avLst/>
           </a:prstGeom>
         </p:spPr>
         <p:txBody>
-          <a:bodyPr vert="horz" lIns="0" tIns="0" rIns="0" bIns="0" rtlCol="0" anchor="ctr">
+          <a:bodyPr vert="horz" lIns="91440" tIns="45720" rIns="91440" bIns="45720" rtlCol="0" anchor="ctr">
             <a:noAutofit/>
           </a:bodyPr>
           <a:lstStyle/>
           <a:p>
             <a:r>
-              <a:rPr lang="en-US" dirty="0"/>
+              <a:rPr lang="en-US"/>
               <a:t>Click to edit Master title style</a:t>
             </a:r>
-          </a:p>
-        </p:txBody>
-      </p:sp>
-      <p:sp>
-        <p:nvSpPr>
-          <p:cNvPr id="3" name="Text Placeholder 2"/>
+            <a:endParaRPr lang="en-US" dirty="0"/>
+          </a:p>
+        </p:txBody>
+      </p:sp>
+      <p:sp>
+        <p:nvSpPr>
+          <p:cNvPr id="3" name="Text Placeholder 2">
+            <a:extLst>
+              <a:ext uri="{FF2B5EF4-FFF2-40B4-BE49-F238E27FC236}">
+                <a16:creationId xmlns:a16="http://schemas.microsoft.com/office/drawing/2014/main" id="{37757E98-D0FB-43E3-98BC-711F6A2F5372}"/>
+              </a:ext>
+            </a:extLst>
+          </p:cNvPr>
           <p:cNvSpPr>
             <a:spLocks noGrp="1"/>
           </p:cNvSpPr>
@@ -1046,58 +4636,158 @@
         </p:nvSpPr>
         <p:spPr>
           <a:xfrm>
-            <a:off x="360125" y="1439813"/>
-            <a:ext cx="10800000" cy="4680000"/>
+            <a:off x="561774" y="1290567"/>
+            <a:ext cx="10384616" cy="4546091"/>
           </a:xfrm>
           <a:prstGeom prst="rect">
             <a:avLst/>
           </a:prstGeom>
         </p:spPr>
         <p:txBody>
-          <a:bodyPr vert="horz" lIns="0" tIns="0" rIns="0" bIns="0" rtlCol="0" anchor="t">
-            <a:normAutofit/>
+          <a:bodyPr vert="horz" lIns="91440" tIns="45720" rIns="91440" bIns="45720" rtlCol="0">
+            <a:noAutofit/>
           </a:bodyPr>
           <a:lstStyle/>
           <a:p>
             <a:pPr lvl="0"/>
             <a:r>
-              <a:rPr lang="en-US" dirty="0"/>
+              <a:rPr lang="en-US"/>
               <a:t>Click to edit Master text styles</a:t>
             </a:r>
           </a:p>
           <a:p>
             <a:pPr lvl="1"/>
             <a:r>
-              <a:rPr lang="en-US" dirty="0"/>
+              <a:rPr lang="en-US"/>
               <a:t>Second level</a:t>
             </a:r>
           </a:p>
           <a:p>
             <a:pPr lvl="2"/>
             <a:r>
-              <a:rPr lang="en-US" dirty="0"/>
+              <a:rPr lang="en-US"/>
               <a:t>Third level</a:t>
             </a:r>
           </a:p>
           <a:p>
             <a:pPr lvl="3"/>
             <a:r>
-              <a:rPr lang="en-US" dirty="0"/>
+              <a:rPr lang="en-US"/>
               <a:t>Fourth level</a:t>
             </a:r>
           </a:p>
           <a:p>
             <a:pPr lvl="4"/>
             <a:r>
-              <a:rPr lang="en-US" dirty="0"/>
+              <a:rPr lang="en-US"/>
               <a:t>Fifth level</a:t>
             </a:r>
-          </a:p>
-        </p:txBody>
-      </p:sp>
-      <p:sp>
-        <p:nvSpPr>
-          <p:cNvPr id="7" name="TextBox 6"/>
+            <a:endParaRPr lang="en-US" dirty="0"/>
+          </a:p>
+        </p:txBody>
+      </p:sp>
+      <p:sp>
+        <p:nvSpPr>
+          <p:cNvPr id="5" name="Footer Placeholder 4">
+            <a:extLst>
+              <a:ext uri="{FF2B5EF4-FFF2-40B4-BE49-F238E27FC236}">
+                <a16:creationId xmlns:a16="http://schemas.microsoft.com/office/drawing/2014/main" id="{BFA65B72-2E86-4BA3-94F2-3ADFA40B7AEE}"/>
+              </a:ext>
+            </a:extLst>
+          </p:cNvPr>
+          <p:cNvSpPr>
+            <a:spLocks noGrp="1"/>
+          </p:cNvSpPr>
+          <p:nvPr>
+            <p:ph type="ftr" sz="quarter" idx="3"/>
+          </p:nvPr>
+        </p:nvSpPr>
+        <p:spPr>
+          <a:xfrm>
+            <a:off x="3816162" y="6006163"/>
+            <a:ext cx="3888165" cy="345009"/>
+          </a:xfrm>
+          <a:prstGeom prst="rect">
+            <a:avLst/>
+          </a:prstGeom>
+        </p:spPr>
+        <p:txBody>
+          <a:bodyPr vert="horz" lIns="91440" tIns="45720" rIns="91440" bIns="45720" rtlCol="0" anchor="ctr"/>
+          <a:lstStyle>
+            <a:lvl1pPr algn="ctr">
+              <a:defRPr sz="1134">
+                <a:solidFill>
+                  <a:schemeClr val="tx1">
+                    <a:tint val="75000"/>
+                  </a:schemeClr>
+                </a:solidFill>
+              </a:defRPr>
+            </a:lvl1pPr>
+          </a:lstStyle>
+          <a:p>
+            <a:r>
+              <a:rPr lang="en-US" dirty="0"/>
+              <a:t>Add a footer</a:t>
+            </a:r>
+          </a:p>
+        </p:txBody>
+      </p:sp>
+      <p:sp>
+        <p:nvSpPr>
+          <p:cNvPr id="6" name="Slide Number Placeholder 5">
+            <a:extLst>
+              <a:ext uri="{FF2B5EF4-FFF2-40B4-BE49-F238E27FC236}">
+                <a16:creationId xmlns:a16="http://schemas.microsoft.com/office/drawing/2014/main" id="{73C1F3FD-3DB9-46B7-85E1-E8B8878A4012}"/>
+              </a:ext>
+            </a:extLst>
+          </p:cNvPr>
+          <p:cNvSpPr>
+            <a:spLocks noGrp="1"/>
+          </p:cNvSpPr>
+          <p:nvPr>
+            <p:ph type="sldNum" sz="quarter" idx="4"/>
+          </p:nvPr>
+        </p:nvSpPr>
+        <p:spPr>
+          <a:xfrm>
+            <a:off x="10913157" y="6111948"/>
+            <a:ext cx="419496" cy="345009"/>
+          </a:xfrm>
+          <a:prstGeom prst="rect">
+            <a:avLst/>
+          </a:prstGeom>
+        </p:spPr>
+        <p:txBody>
+          <a:bodyPr vert="horz" lIns="91440" tIns="45720" rIns="91440" bIns="45720" rtlCol="0" anchor="ctr"/>
+          <a:lstStyle>
+            <a:lvl1pPr algn="r">
+              <a:defRPr sz="1134">
+                <a:solidFill>
+                  <a:schemeClr val="tx1">
+                    <a:tint val="75000"/>
+                  </a:schemeClr>
+                </a:solidFill>
+              </a:defRPr>
+            </a:lvl1pPr>
+          </a:lstStyle>
+          <a:p>
+            <a:fld id="{8C2E478F-E849-4A8C-AF1F-CBCC78A7CBFA}" type="slidenum">
+              <a:rPr lang="en-US" smtClean="0"/>
+              <a:t>‹#›</a:t>
+            </a:fld>
+            <a:endParaRPr lang="en-US" dirty="0"/>
+          </a:p>
+        </p:txBody>
+      </p:sp>
+      <p:sp>
+        <p:nvSpPr>
+          <p:cNvPr id="7" name="TextBox 6">
+            <a:extLst>
+              <a:ext uri="{FF2B5EF4-FFF2-40B4-BE49-F238E27FC236}">
+                <a16:creationId xmlns:a16="http://schemas.microsoft.com/office/drawing/2014/main" id="{6D713875-A6B6-E048-A618-91FFFB91CB92}"/>
+              </a:ext>
+            </a:extLst>
+          </p:cNvPr>
           <p:cNvSpPr txBox="1"/>
           <p:nvPr userDrawn="1"/>
         </p:nvSpPr>
@@ -1123,7 +4813,13 @@
       </p:sp>
       <p:graphicFrame>
         <p:nvGraphicFramePr>
-          <p:cNvPr id="9" name="Object 8"/>
+          <p:cNvPr id="8" name="Object 7">
+            <a:extLst>
+              <a:ext uri="{FF2B5EF4-FFF2-40B4-BE49-F238E27FC236}">
+                <a16:creationId xmlns:a16="http://schemas.microsoft.com/office/drawing/2014/main" id="{39073822-4D0B-BF43-ABEA-7DE31B6AAB0B}"/>
+              </a:ext>
+            </a:extLst>
+          </p:cNvPr>
           <p:cNvGraphicFramePr>
             <a:graphicFrameLocks noChangeAspect="1"/>
           </p:cNvGraphicFramePr>
@@ -1143,12 +4839,12 @@
           <a:graphicData uri="http://schemas.openxmlformats.org/presentationml/2006/ole">
             <mc:AlternateContent xmlns:mc="http://schemas.openxmlformats.org/markup-compatibility/2006">
               <mc:Choice xmlns:v="urn:schemas-microsoft-com:vml" Requires="v">
-                <p:oleObj spid="_x0000_s1036" name="Image" r:id="rId10" imgW="2279520" imgH="1310400" progId="Photoshop.Image.18">
+                <p:oleObj spid="_x0000_s2049" name="Image" r:id="rId18" imgW="2279520" imgH="1310400" progId="Photoshop.Image.18">
                   <p:embed/>
                 </p:oleObj>
               </mc:Choice>
               <mc:Fallback>
-                <p:oleObj name="Image" r:id="rId10" imgW="2279520" imgH="1310400" progId="Photoshop.Image.18">
+                <p:oleObj name="Image" r:id="rId18" imgW="2279520" imgH="1310400" progId="Photoshop.Image.18">
                   <p:embed/>
                   <p:pic>
                     <p:nvPicPr>
@@ -1157,7 +4853,7 @@
                       <p:nvPr/>
                     </p:nvPicPr>
                     <p:blipFill>
-                      <a:blip r:embed="rId11"/>
+                      <a:blip r:embed="rId19"/>
                       <a:stretch>
                         <a:fillRect/>
                       </a:stretch>
@@ -1181,30 +4877,41 @@
     </p:spTree>
     <p:extLst>
       <p:ext uri="{BB962C8B-B14F-4D97-AF65-F5344CB8AC3E}">
-        <p14:creationId xmlns:p14="http://schemas.microsoft.com/office/powerpoint/2010/main" val="517766698"/>
+        <p14:creationId xmlns:p14="http://schemas.microsoft.com/office/powerpoint/2010/main" val="660059171"/>
       </p:ext>
     </p:extLst>
   </p:cSld>
   <p:clrMap bg1="lt1" tx1="dk1" bg2="lt2" tx2="dk2" accent1="accent1" accent2="accent2" accent3="accent3" accent4="accent4" accent5="accent5" accent6="accent6" hlink="hlink" folHlink="folHlink"/>
   <p:sldLayoutIdLst>
-    <p:sldLayoutId id="2147483649" r:id="rId1"/>
-    <p:sldLayoutId id="2147483651" r:id="rId2"/>
-    <p:sldLayoutId id="2147483650" r:id="rId3"/>
-    <p:sldLayoutId id="2147483654" r:id="rId4"/>
-    <p:sldLayoutId id="2147483656" r:id="rId5"/>
-    <p:sldLayoutId id="2147483652" r:id="rId6"/>
-    <p:sldLayoutId id="2147483655" r:id="rId7"/>
+    <p:sldLayoutId id="2147483658" r:id="rId1"/>
+    <p:sldLayoutId id="2147483659" r:id="rId2"/>
+    <p:sldLayoutId id="2147483660" r:id="rId3"/>
+    <p:sldLayoutId id="2147483661" r:id="rId4"/>
+    <p:sldLayoutId id="2147483662" r:id="rId5"/>
+    <p:sldLayoutId id="2147483663" r:id="rId6"/>
+    <p:sldLayoutId id="2147483664" r:id="rId7"/>
+    <p:sldLayoutId id="2147483665" r:id="rId8"/>
+    <p:sldLayoutId id="2147483666" r:id="rId9"/>
+    <p:sldLayoutId id="2147483667" r:id="rId10"/>
+    <p:sldLayoutId id="2147483668" r:id="rId11"/>
+    <p:sldLayoutId id="2147483669" r:id="rId12"/>
+    <p:sldLayoutId id="2147483670" r:id="rId13"/>
+    <p:sldLayoutId id="2147483671" r:id="rId14"/>
+    <p:sldLayoutId id="2147483656" r:id="rId15"/>
   </p:sldLayoutIdLst>
   <p:txStyles>
     <p:titleStyle>
-      <a:lvl1pPr algn="l" defTabSz="576026" rtl="0" eaLnBrk="1" latinLnBrk="0" hangingPunct="1">
+      <a:lvl1pPr algn="ctr" defTabSz="864017" rtl="0" eaLnBrk="1" latinLnBrk="0" hangingPunct="1">
+        <a:lnSpc>
+          <a:spcPct val="100000"/>
+        </a:lnSpc>
         <a:spcBef>
           <a:spcPct val="0"/>
         </a:spcBef>
         <a:buNone/>
-        <a:defRPr sz="4400" kern="1200">
+        <a:defRPr sz="3402" kern="1200" cap="all" baseline="0">
           <a:solidFill>
-            <a:schemeClr val="accent1"/>
+            <a:schemeClr val="tx1"/>
           </a:solidFill>
           <a:latin typeface="+mj-lt"/>
           <a:ea typeface="+mj-ea"/>
@@ -1213,88 +4920,106 @@
       </a:lvl1pPr>
     </p:titleStyle>
     <p:bodyStyle>
-      <a:lvl1pPr marL="0" indent="0" algn="l" defTabSz="576026" rtl="0" eaLnBrk="1" latinLnBrk="0" hangingPunct="1">
+      <a:lvl1pPr marL="216004" indent="-216004" algn="l" defTabSz="864017" rtl="0" eaLnBrk="1" latinLnBrk="0" hangingPunct="1">
+        <a:lnSpc>
+          <a:spcPct val="150000"/>
+        </a:lnSpc>
         <a:spcBef>
-          <a:spcPct val="20000"/>
+          <a:spcPts val="945"/>
         </a:spcBef>
-        <a:buFont typeface="Wingdings" charset="2"/>
-        <a:buNone/>
-        <a:defRPr sz="3600" kern="1200">
+        <a:buFont typeface="Arial" panose="020B0604020202020204" pitchFamily="34" charset="0"/>
+        <a:buChar char="•"/>
+        <a:defRPr sz="1512" kern="1200">
           <a:solidFill>
-            <a:schemeClr val="tx2"/>
+            <a:schemeClr val="tx1"/>
           </a:solidFill>
           <a:latin typeface="+mn-lt"/>
           <a:ea typeface="+mn-ea"/>
           <a:cs typeface="+mn-cs"/>
         </a:defRPr>
       </a:lvl1pPr>
-      <a:lvl2pPr marL="576027" indent="0" algn="l" defTabSz="576026" rtl="0" eaLnBrk="1" latinLnBrk="0" hangingPunct="1">
+      <a:lvl2pPr marL="648012" indent="-216004" algn="l" defTabSz="864017" rtl="0" eaLnBrk="1" latinLnBrk="0" hangingPunct="1">
+        <a:lnSpc>
+          <a:spcPct val="150000"/>
+        </a:lnSpc>
         <a:spcBef>
-          <a:spcPct val="20000"/>
+          <a:spcPts val="472"/>
         </a:spcBef>
-        <a:buFont typeface="Wingdings" charset="2"/>
-        <a:buNone/>
-        <a:defRPr sz="3200" kern="1200">
+        <a:buFont typeface="Arial" panose="020B0604020202020204" pitchFamily="34" charset="0"/>
+        <a:buChar char="•"/>
+        <a:defRPr sz="1323" kern="1200">
           <a:solidFill>
-            <a:schemeClr val="tx2"/>
+            <a:schemeClr val="tx1"/>
           </a:solidFill>
           <a:latin typeface="+mn-lt"/>
           <a:ea typeface="+mn-ea"/>
           <a:cs typeface="+mn-cs"/>
         </a:defRPr>
       </a:lvl2pPr>
-      <a:lvl3pPr marL="1152053" indent="0" algn="l" defTabSz="576026" rtl="0" eaLnBrk="1" latinLnBrk="0" hangingPunct="1">
+      <a:lvl3pPr marL="1080021" indent="-216004" algn="l" defTabSz="864017" rtl="0" eaLnBrk="1" latinLnBrk="0" hangingPunct="1">
+        <a:lnSpc>
+          <a:spcPct val="150000"/>
+        </a:lnSpc>
         <a:spcBef>
-          <a:spcPct val="20000"/>
+          <a:spcPts val="472"/>
         </a:spcBef>
-        <a:buFont typeface="Wingdings" charset="2"/>
-        <a:buNone/>
-        <a:defRPr sz="2400" kern="1200">
+        <a:buFont typeface="Arial" panose="020B0604020202020204" pitchFamily="34" charset="0"/>
+        <a:buChar char="•"/>
+        <a:defRPr sz="1323" kern="1200">
           <a:solidFill>
-            <a:schemeClr val="tx2"/>
+            <a:schemeClr val="tx1"/>
           </a:solidFill>
           <a:latin typeface="+mn-lt"/>
           <a:ea typeface="+mn-ea"/>
           <a:cs typeface="+mn-cs"/>
         </a:defRPr>
       </a:lvl3pPr>
-      <a:lvl4pPr marL="1728079" indent="0" algn="l" defTabSz="576026" rtl="0" eaLnBrk="1" latinLnBrk="0" hangingPunct="1">
+      <a:lvl4pPr marL="1512029" indent="-216004" algn="l" defTabSz="864017" rtl="0" eaLnBrk="1" latinLnBrk="0" hangingPunct="1">
+        <a:lnSpc>
+          <a:spcPct val="150000"/>
+        </a:lnSpc>
         <a:spcBef>
-          <a:spcPct val="20000"/>
+          <a:spcPts val="472"/>
         </a:spcBef>
-        <a:buFont typeface="Wingdings" charset="2"/>
-        <a:buNone/>
-        <a:defRPr sz="2400" kern="1200">
+        <a:buFont typeface="Arial" panose="020B0604020202020204" pitchFamily="34" charset="0"/>
+        <a:buChar char="•"/>
+        <a:defRPr sz="1134" kern="1200">
           <a:solidFill>
-            <a:schemeClr val="tx2"/>
+            <a:schemeClr val="tx1"/>
           </a:solidFill>
           <a:latin typeface="+mn-lt"/>
           <a:ea typeface="+mn-ea"/>
           <a:cs typeface="+mn-cs"/>
         </a:defRPr>
       </a:lvl4pPr>
-      <a:lvl5pPr marL="2304105" indent="0" algn="l" defTabSz="576026" rtl="0" eaLnBrk="1" latinLnBrk="0" hangingPunct="1">
+      <a:lvl5pPr marL="1944037" indent="-216004" algn="l" defTabSz="864017" rtl="0" eaLnBrk="1" latinLnBrk="0" hangingPunct="1">
+        <a:lnSpc>
+          <a:spcPct val="150000"/>
+        </a:lnSpc>
         <a:spcBef>
-          <a:spcPct val="20000"/>
+          <a:spcPts val="472"/>
         </a:spcBef>
-        <a:buFont typeface="Wingdings" charset="2"/>
-        <a:buNone/>
-        <a:defRPr sz="2000" kern="1200">
+        <a:buFont typeface="Arial" panose="020B0604020202020204" pitchFamily="34" charset="0"/>
+        <a:buChar char="•"/>
+        <a:defRPr sz="1134" kern="1200">
           <a:solidFill>
-            <a:schemeClr val="tx2"/>
+            <a:schemeClr val="tx1"/>
           </a:solidFill>
           <a:latin typeface="+mn-lt"/>
           <a:ea typeface="+mn-ea"/>
           <a:cs typeface="+mn-cs"/>
         </a:defRPr>
       </a:lvl5pPr>
-      <a:lvl6pPr marL="3168145" indent="-288013" algn="l" defTabSz="576026" rtl="0" eaLnBrk="1" latinLnBrk="0" hangingPunct="1">
+      <a:lvl6pPr marL="2376046" indent="-216004" algn="l" defTabSz="864017" rtl="0" eaLnBrk="1" latinLnBrk="0" hangingPunct="1">
+        <a:lnSpc>
+          <a:spcPct val="90000"/>
+        </a:lnSpc>
         <a:spcBef>
-          <a:spcPct val="20000"/>
+          <a:spcPts val="472"/>
         </a:spcBef>
-        <a:buFont typeface="Arial"/>
+        <a:buFont typeface="Arial" panose="020B0604020202020204" pitchFamily="34" charset="0"/>
         <a:buChar char="•"/>
-        <a:defRPr sz="2520" kern="1200">
+        <a:defRPr sz="1701" kern="1200">
           <a:solidFill>
             <a:schemeClr val="tx1"/>
           </a:solidFill>
@@ -1303,13 +5028,16 @@
           <a:cs typeface="+mn-cs"/>
         </a:defRPr>
       </a:lvl6pPr>
-      <a:lvl7pPr marL="3744171" indent="-288013" algn="l" defTabSz="576026" rtl="0" eaLnBrk="1" latinLnBrk="0" hangingPunct="1">
+      <a:lvl7pPr marL="2808054" indent="-216004" algn="l" defTabSz="864017" rtl="0" eaLnBrk="1" latinLnBrk="0" hangingPunct="1">
+        <a:lnSpc>
+          <a:spcPct val="90000"/>
+        </a:lnSpc>
         <a:spcBef>
-          <a:spcPct val="20000"/>
+          <a:spcPts val="472"/>
         </a:spcBef>
-        <a:buFont typeface="Arial"/>
+        <a:buFont typeface="Arial" panose="020B0604020202020204" pitchFamily="34" charset="0"/>
         <a:buChar char="•"/>
-        <a:defRPr sz="2520" kern="1200">
+        <a:defRPr sz="1701" kern="1200">
           <a:solidFill>
             <a:schemeClr val="tx1"/>
           </a:solidFill>
@@ -1318,13 +5046,16 @@
           <a:cs typeface="+mn-cs"/>
         </a:defRPr>
       </a:lvl7pPr>
-      <a:lvl8pPr marL="4320197" indent="-288013" algn="l" defTabSz="576026" rtl="0" eaLnBrk="1" latinLnBrk="0" hangingPunct="1">
+      <a:lvl8pPr marL="3240062" indent="-216004" algn="l" defTabSz="864017" rtl="0" eaLnBrk="1" latinLnBrk="0" hangingPunct="1">
+        <a:lnSpc>
+          <a:spcPct val="90000"/>
+        </a:lnSpc>
         <a:spcBef>
-          <a:spcPct val="20000"/>
+          <a:spcPts val="472"/>
         </a:spcBef>
-        <a:buFont typeface="Arial"/>
+        <a:buFont typeface="Arial" panose="020B0604020202020204" pitchFamily="34" charset="0"/>
         <a:buChar char="•"/>
-        <a:defRPr sz="2520" kern="1200">
+        <a:defRPr sz="1701" kern="1200">
           <a:solidFill>
             <a:schemeClr val="tx1"/>
           </a:solidFill>
@@ -1333,13 +5064,16 @@
           <a:cs typeface="+mn-cs"/>
         </a:defRPr>
       </a:lvl8pPr>
-      <a:lvl9pPr marL="4896223" indent="-288013" algn="l" defTabSz="576026" rtl="0" eaLnBrk="1" latinLnBrk="0" hangingPunct="1">
+      <a:lvl9pPr marL="3672070" indent="-216004" algn="l" defTabSz="864017" rtl="0" eaLnBrk="1" latinLnBrk="0" hangingPunct="1">
+        <a:lnSpc>
+          <a:spcPct val="90000"/>
+        </a:lnSpc>
         <a:spcBef>
-          <a:spcPct val="20000"/>
+          <a:spcPts val="472"/>
         </a:spcBef>
-        <a:buFont typeface="Arial"/>
+        <a:buFont typeface="Arial" panose="020B0604020202020204" pitchFamily="34" charset="0"/>
         <a:buChar char="•"/>
-        <a:defRPr sz="2520" kern="1200">
+        <a:defRPr sz="1701" kern="1200">
           <a:solidFill>
             <a:schemeClr val="tx1"/>
           </a:solidFill>
@@ -1353,8 +5087,8 @@
       <a:defPPr>
         <a:defRPr lang="en-US"/>
       </a:defPPr>
-      <a:lvl1pPr marL="0" algn="l" defTabSz="576026" rtl="0" eaLnBrk="1" latinLnBrk="0" hangingPunct="1">
-        <a:defRPr sz="2268" kern="1200">
+      <a:lvl1pPr marL="0" algn="l" defTabSz="864017" rtl="0" eaLnBrk="1" latinLnBrk="0" hangingPunct="1">
+        <a:defRPr sz="1701" kern="1200">
           <a:solidFill>
             <a:schemeClr val="tx1"/>
           </a:solidFill>
@@ -1363,8 +5097,8 @@
           <a:cs typeface="+mn-cs"/>
         </a:defRPr>
       </a:lvl1pPr>
-      <a:lvl2pPr marL="576026" algn="l" defTabSz="576026" rtl="0" eaLnBrk="1" latinLnBrk="0" hangingPunct="1">
-        <a:defRPr sz="2268" kern="1200">
+      <a:lvl2pPr marL="432008" algn="l" defTabSz="864017" rtl="0" eaLnBrk="1" latinLnBrk="0" hangingPunct="1">
+        <a:defRPr sz="1701" kern="1200">
           <a:solidFill>
             <a:schemeClr val="tx1"/>
           </a:solidFill>
@@ -1373,8 +5107,8 @@
           <a:cs typeface="+mn-cs"/>
         </a:defRPr>
       </a:lvl2pPr>
-      <a:lvl3pPr marL="1152053" algn="l" defTabSz="576026" rtl="0" eaLnBrk="1" latinLnBrk="0" hangingPunct="1">
-        <a:defRPr sz="2268" kern="1200">
+      <a:lvl3pPr marL="864017" algn="l" defTabSz="864017" rtl="0" eaLnBrk="1" latinLnBrk="0" hangingPunct="1">
+        <a:defRPr sz="1701" kern="1200">
           <a:solidFill>
             <a:schemeClr val="tx1"/>
           </a:solidFill>
@@ -1383,8 +5117,8 @@
           <a:cs typeface="+mn-cs"/>
         </a:defRPr>
       </a:lvl3pPr>
-      <a:lvl4pPr marL="1728079" algn="l" defTabSz="576026" rtl="0" eaLnBrk="1" latinLnBrk="0" hangingPunct="1">
-        <a:defRPr sz="2268" kern="1200">
+      <a:lvl4pPr marL="1296025" algn="l" defTabSz="864017" rtl="0" eaLnBrk="1" latinLnBrk="0" hangingPunct="1">
+        <a:defRPr sz="1701" kern="1200">
           <a:solidFill>
             <a:schemeClr val="tx1"/>
           </a:solidFill>
@@ -1393,8 +5127,8 @@
           <a:cs typeface="+mn-cs"/>
         </a:defRPr>
       </a:lvl4pPr>
-      <a:lvl5pPr marL="2304105" algn="l" defTabSz="576026" rtl="0" eaLnBrk="1" latinLnBrk="0" hangingPunct="1">
-        <a:defRPr sz="2268" kern="1200">
+      <a:lvl5pPr marL="1728033" algn="l" defTabSz="864017" rtl="0" eaLnBrk="1" latinLnBrk="0" hangingPunct="1">
+        <a:defRPr sz="1701" kern="1200">
           <a:solidFill>
             <a:schemeClr val="tx1"/>
           </a:solidFill>
@@ -1403,8 +5137,8 @@
           <a:cs typeface="+mn-cs"/>
         </a:defRPr>
       </a:lvl5pPr>
-      <a:lvl6pPr marL="2880131" algn="l" defTabSz="576026" rtl="0" eaLnBrk="1" latinLnBrk="0" hangingPunct="1">
-        <a:defRPr sz="2268" kern="1200">
+      <a:lvl6pPr marL="2160041" algn="l" defTabSz="864017" rtl="0" eaLnBrk="1" latinLnBrk="0" hangingPunct="1">
+        <a:defRPr sz="1701" kern="1200">
           <a:solidFill>
             <a:schemeClr val="tx1"/>
           </a:solidFill>
@@ -1413,8 +5147,8 @@
           <a:cs typeface="+mn-cs"/>
         </a:defRPr>
       </a:lvl6pPr>
-      <a:lvl7pPr marL="3456158" algn="l" defTabSz="576026" rtl="0" eaLnBrk="1" latinLnBrk="0" hangingPunct="1">
-        <a:defRPr sz="2268" kern="1200">
+      <a:lvl7pPr marL="2592050" algn="l" defTabSz="864017" rtl="0" eaLnBrk="1" latinLnBrk="0" hangingPunct="1">
+        <a:defRPr sz="1701" kern="1200">
           <a:solidFill>
             <a:schemeClr val="tx1"/>
           </a:solidFill>
@@ -1423,8 +5157,8 @@
           <a:cs typeface="+mn-cs"/>
         </a:defRPr>
       </a:lvl7pPr>
-      <a:lvl8pPr marL="4032184" algn="l" defTabSz="576026" rtl="0" eaLnBrk="1" latinLnBrk="0" hangingPunct="1">
-        <a:defRPr sz="2268" kern="1200">
+      <a:lvl8pPr marL="3024058" algn="l" defTabSz="864017" rtl="0" eaLnBrk="1" latinLnBrk="0" hangingPunct="1">
+        <a:defRPr sz="1701" kern="1200">
           <a:solidFill>
             <a:schemeClr val="tx1"/>
           </a:solidFill>
@@ -1433,8 +5167,8 @@
           <a:cs typeface="+mn-cs"/>
         </a:defRPr>
       </a:lvl8pPr>
-      <a:lvl9pPr marL="4608210" algn="l" defTabSz="576026" rtl="0" eaLnBrk="1" latinLnBrk="0" hangingPunct="1">
-        <a:defRPr sz="2268" kern="1200">
+      <a:lvl9pPr marL="3456066" algn="l" defTabSz="864017" rtl="0" eaLnBrk="1" latinLnBrk="0" hangingPunct="1">
+        <a:defRPr sz="1701" kern="1200">
           <a:solidFill>
             <a:schemeClr val="tx1"/>
           </a:solidFill>
@@ -1473,22 +5207,22 @@
             <a:srgbClr val="F26B43"/>
           </p15:clr>
         </p15:guide>
-        <p15:guide id="7" orient="horz" pos="680" userDrawn="1">
+        <p15:guide id="6" orient="horz" pos="680" userDrawn="1">
           <p15:clr>
             <a:srgbClr val="F26B43"/>
           </p15:clr>
         </p15:guide>
-        <p15:guide id="8" orient="horz" pos="907" userDrawn="1">
+        <p15:guide id="7" orient="horz" pos="907" userDrawn="1">
           <p15:clr>
             <a:srgbClr val="F26B43"/>
           </p15:clr>
         </p15:guide>
-        <p15:guide id="9" orient="horz" pos="3855" userDrawn="1">
+        <p15:guide id="8" orient="horz" pos="3855" userDrawn="1">
           <p15:clr>
             <a:srgbClr val="F26B43"/>
           </p15:clr>
         </p15:guide>
-        <p15:guide id="10" orient="horz" pos="2041" userDrawn="1">
+        <p15:guide id="9" orient="horz" pos="2041" userDrawn="1">
           <p15:clr>
             <a:srgbClr val="F26B43"/>
           </p15:clr>
@@ -1516,52 +5250,131 @@
           <a:chExt cx="0" cy="0"/>
         </a:xfrm>
       </p:grpSpPr>
-      <p:sp>
-        <p:nvSpPr>
-          <p:cNvPr id="2" name="Title 1"/>
-          <p:cNvSpPr>
-            <a:spLocks noGrp="1"/>
-          </p:cNvSpPr>
-          <p:nvPr>
-            <p:ph type="ctrTitle"/>
-          </p:nvPr>
-        </p:nvSpPr>
-        <p:spPr/>
+      <p:pic>
+        <p:nvPicPr>
+          <p:cNvPr id="12" name="Picture 11">
+            <a:extLst>
+              <a:ext uri="{FF2B5EF4-FFF2-40B4-BE49-F238E27FC236}">
+                <a16:creationId xmlns:a16="http://schemas.microsoft.com/office/drawing/2014/main" id="{CE2219DC-A1E6-4E83-82F7-656159B6B039}"/>
+              </a:ext>
+            </a:extLst>
+          </p:cNvPr>
+          <p:cNvPicPr>
+            <a:picLocks noChangeAspect="1"/>
+          </p:cNvPicPr>
+          <p:nvPr/>
+        </p:nvPicPr>
+        <p:blipFill rotWithShape="1">
+          <a:blip r:embed="rId2"/>
+          <a:srcRect r="-1" b="15731"/>
+          <a:stretch/>
+        </p:blipFill>
+        <p:spPr>
+          <a:xfrm>
+            <a:off x="20" y="10"/>
+            <a:ext cx="11520468" cy="6480165"/>
+          </a:xfrm>
+          <a:prstGeom prst="rect">
+            <a:avLst/>
+          </a:prstGeom>
+          <a:noFill/>
+        </p:spPr>
+      </p:pic>
+      <p:sp>
+        <p:nvSpPr>
+          <p:cNvPr id="3" name="Text Placeholder 2"/>
+          <p:cNvSpPr>
+            <a:spLocks noGrp="1"/>
+          </p:cNvSpPr>
+          <p:nvPr>
+            <p:ph type="body" sz="quarter" idx="12"/>
+          </p:nvPr>
+        </p:nvSpPr>
+        <p:spPr>
+          <a:xfrm>
+            <a:off x="3318891" y="5595875"/>
+            <a:ext cx="4882707" cy="490213"/>
+          </a:xfrm>
+        </p:spPr>
+        <p:txBody>
+          <a:bodyPr>
+            <a:normAutofit/>
+          </a:bodyPr>
+          <a:lstStyle/>
+          <a:p>
+            <a:r>
+              <a:rPr lang="en-US" dirty="0"/>
+              <a:t>Andy Levy</a:t>
+            </a:r>
+          </a:p>
+        </p:txBody>
+      </p:sp>
+      <p:sp>
+        <p:nvSpPr>
+          <p:cNvPr id="16" name="Text Placeholder 3">
+            <a:extLst>
+              <a:ext uri="{FF2B5EF4-FFF2-40B4-BE49-F238E27FC236}">
+                <a16:creationId xmlns:a16="http://schemas.microsoft.com/office/drawing/2014/main" id="{0D5A41B6-C88D-4441-834E-87F5A2952CF2}"/>
+              </a:ext>
+            </a:extLst>
+          </p:cNvPr>
+          <p:cNvSpPr>
+            <a:spLocks noGrp="1"/>
+          </p:cNvSpPr>
+          <p:nvPr>
+            <p:ph type="body" idx="1"/>
+          </p:nvPr>
+        </p:nvSpPr>
+        <p:spPr>
+          <a:xfrm>
+            <a:off x="3816162" y="3409709"/>
+            <a:ext cx="3888165" cy="490213"/>
+          </a:xfrm>
+        </p:spPr>
         <p:txBody>
           <a:bodyPr/>
           <a:lstStyle/>
           <a:p>
-            <a:r>
-              <a:rPr lang="en-US" dirty="0"/>
+            <a:endParaRPr lang="en-US"/>
+          </a:p>
+        </p:txBody>
+      </p:sp>
+      <p:sp>
+        <p:nvSpPr>
+          <p:cNvPr id="2" name="Title 1"/>
+          <p:cNvSpPr>
+            <a:spLocks noGrp="1"/>
+          </p:cNvSpPr>
+          <p:nvPr>
+            <p:ph type="title"/>
+          </p:nvPr>
+        </p:nvSpPr>
+        <p:spPr>
+          <a:xfrm>
+            <a:off x="331513" y="2310897"/>
+            <a:ext cx="10857460" cy="778521"/>
+          </a:xfrm>
+        </p:spPr>
+        <p:txBody>
+          <a:bodyPr anchor="ctr">
+            <a:normAutofit/>
+          </a:bodyPr>
+          <a:lstStyle/>
+          <a:p>
+            <a:pPr>
+              <a:lnSpc>
+                <a:spcPct val="140000"/>
+              </a:lnSpc>
+            </a:pPr>
+            <a:r>
+              <a:rPr lang="en-US" sz="3500"/>
               <a:t>Backup Management with </a:t>
             </a:r>
             <a:r>
-              <a:rPr lang="en-US" dirty="0" err="1"/>
+              <a:rPr lang="en-US" sz="3500" err="1"/>
               <a:t>dbatools</a:t>
             </a:r>
-            <a:endParaRPr lang="en-US" dirty="0"/>
-          </a:p>
-        </p:txBody>
-      </p:sp>
-      <p:sp>
-        <p:nvSpPr>
-          <p:cNvPr id="3" name="Text Placeholder 2"/>
-          <p:cNvSpPr>
-            <a:spLocks noGrp="1"/>
-          </p:cNvSpPr>
-          <p:nvPr>
-            <p:ph type="body" sz="quarter" idx="10"/>
-          </p:nvPr>
-        </p:nvSpPr>
-        <p:spPr/>
-        <p:txBody>
-          <a:bodyPr/>
-          <a:lstStyle/>
-          <a:p>
-            <a:r>
-              <a:rPr lang="en-US" dirty="0"/>
-              <a:t>Andy Levy</a:t>
-            </a:r>
+            <a:endParaRPr lang="en-US" sz="3500"/>
           </a:p>
         </p:txBody>
       </p:sp>
@@ -1597,6 +5410,29 @@
       </p:grpSpPr>
       <p:sp>
         <p:nvSpPr>
+          <p:cNvPr id="24" name="Picture Placeholder 1">
+            <a:extLst>
+              <a:ext uri="{FF2B5EF4-FFF2-40B4-BE49-F238E27FC236}">
+                <a16:creationId xmlns:a16="http://schemas.microsoft.com/office/drawing/2014/main" id="{0B3A5F5E-3558-4196-961B-03BF0CD75AE0}"/>
+              </a:ext>
+            </a:extLst>
+          </p:cNvPr>
+          <p:cNvSpPr>
+            <a:spLocks noGrp="1"/>
+          </p:cNvSpPr>
+          <p:nvPr>
+            <p:ph type="pic" sz="quarter" idx="10"/>
+          </p:nvPr>
+        </p:nvSpPr>
+        <p:spPr>
+          <a:xfrm>
+            <a:off x="0" y="0"/>
+            <a:ext cx="11520488" cy="6480175"/>
+          </a:xfrm>
+        </p:spPr>
+      </p:sp>
+      <p:sp>
+        <p:nvSpPr>
           <p:cNvPr id="18" name="Title 17"/>
           <p:cNvSpPr>
             <a:spLocks noGrp="1"/>
@@ -1605,9 +5441,16 @@
             <p:ph type="title"/>
           </p:nvPr>
         </p:nvSpPr>
-        <p:spPr/>
-        <p:txBody>
-          <a:bodyPr/>
+        <p:spPr>
+          <a:xfrm>
+            <a:off x="3816162" y="4353318"/>
+            <a:ext cx="3888165" cy="398260"/>
+          </a:xfrm>
+        </p:spPr>
+        <p:txBody>
+          <a:bodyPr anchor="ctr">
+            <a:normAutofit/>
+          </a:bodyPr>
           <a:lstStyle/>
           <a:p>
             <a:r>
@@ -1624,12 +5467,19 @@
             <a:spLocks noGrp="1"/>
           </p:cNvSpPr>
           <p:nvPr>
-            <p:ph idx="1"/>
-          </p:nvPr>
-        </p:nvSpPr>
-        <p:spPr/>
-        <p:txBody>
-          <a:bodyPr/>
+            <p:ph type="body" sz="quarter" idx="11"/>
+          </p:nvPr>
+        </p:nvSpPr>
+        <p:spPr>
+          <a:xfrm>
+            <a:off x="1397309" y="1483240"/>
+            <a:ext cx="8725870" cy="2505368"/>
+          </a:xfrm>
+        </p:spPr>
+        <p:txBody>
+          <a:bodyPr>
+            <a:normAutofit/>
+          </a:bodyPr>
           <a:lstStyle/>
           <a:p>
             <a:r>
@@ -2167,6 +6017,39 @@
           <a:chExt cx="0" cy="0"/>
         </a:xfrm>
       </p:grpSpPr>
+      <p:pic>
+        <p:nvPicPr>
+          <p:cNvPr id="4" name="Picture Placeholder 3">
+            <a:extLst>
+              <a:ext uri="{FF2B5EF4-FFF2-40B4-BE49-F238E27FC236}">
+                <a16:creationId xmlns:a16="http://schemas.microsoft.com/office/drawing/2014/main" id="{DDE097B5-3741-604B-9EF1-A3DABF650CFD}"/>
+              </a:ext>
+              <a:ext uri="{C183D7F6-B498-43B3-948B-1728B52AA6E4}">
+                <adec:decorative xmlns:adec="http://schemas.microsoft.com/office/drawing/2017/decorative" val="1"/>
+              </a:ext>
+            </a:extLst>
+          </p:cNvPr>
+          <p:cNvPicPr>
+            <a:picLocks noGrp="1" noChangeAspect="1"/>
+          </p:cNvPicPr>
+          <p:nvPr>
+            <p:ph type="pic" sz="quarter" idx="13"/>
+          </p:nvPr>
+        </p:nvPicPr>
+        <p:blipFill>
+          <a:blip r:embed="rId2"/>
+          <a:srcRect l="20409" r="20409"/>
+          <a:stretch>
+            <a:fillRect/>
+          </a:stretch>
+        </p:blipFill>
+        <p:spPr>
+          <a:xfrm>
+            <a:off x="0" y="0"/>
+            <a:ext cx="5761038" cy="6489700"/>
+          </a:xfrm>
+        </p:spPr>
+      </p:pic>
       <p:sp>
         <p:nvSpPr>
           <p:cNvPr id="2" name="Title 1"/>
@@ -2177,9 +6060,16 @@
             <p:ph type="title"/>
           </p:nvPr>
         </p:nvSpPr>
-        <p:spPr/>
-        <p:txBody>
-          <a:bodyPr/>
+        <p:spPr>
+          <a:xfrm>
+            <a:off x="5760244" y="2138204"/>
+            <a:ext cx="4962210" cy="1569772"/>
+          </a:xfrm>
+        </p:spPr>
+        <p:txBody>
+          <a:bodyPr anchor="b">
+            <a:normAutofit/>
+          </a:bodyPr>
           <a:lstStyle/>
           <a:p>
             <a:r>
@@ -2203,56 +6093,150 @@
 </file>
 
 <file path=ppt/theme/theme1.xml><?xml version="1.0" encoding="utf-8"?>
-<a:theme xmlns:a="http://schemas.openxmlformats.org/drawingml/2006/main" name="SQLSatOslo 2016">
+<a:theme xmlns:a="http://schemas.openxmlformats.org/drawingml/2006/main" name="tf55661986_win32">
   <a:themeElements>
-    <a:clrScheme name="PASS SQLSaturday">
+    <a:clrScheme name="Custom 5">
       <a:dk1>
-        <a:srgbClr val="101820"/>
+        <a:sysClr val="windowText" lastClr="000000"/>
       </a:dk1>
       <a:lt1>
-        <a:srgbClr val="FFFFFF"/>
+        <a:sysClr val="window" lastClr="FFFFFF"/>
       </a:lt1>
       <a:dk2>
-        <a:srgbClr val="414A54"/>
+        <a:srgbClr val="44546A"/>
       </a:dk2>
       <a:lt2>
-        <a:srgbClr val="F2F2F2"/>
+        <a:srgbClr val="E7E6E6"/>
       </a:lt2>
       <a:accent1>
-        <a:srgbClr val="007A3E"/>
+        <a:srgbClr val="A53F52"/>
       </a:accent1>
       <a:accent2>
-        <a:srgbClr val="00BF6F"/>
+        <a:srgbClr val="E99757"/>
       </a:accent2>
       <a:accent3>
-        <a:srgbClr val="2DCCD3"/>
+        <a:srgbClr val="2F3342"/>
       </a:accent3>
       <a:accent4>
-        <a:srgbClr val="007377"/>
+        <a:srgbClr val="2C2153"/>
       </a:accent4>
       <a:accent5>
-        <a:srgbClr val="6558B1"/>
+        <a:srgbClr val="01023B"/>
       </a:accent5>
       <a:accent6>
-        <a:srgbClr val="AF272F"/>
+        <a:srgbClr val="7F7F7F"/>
       </a:accent6>
       <a:hlink>
-        <a:srgbClr val="00BF6F"/>
+        <a:srgbClr val="3A3838"/>
       </a:hlink>
       <a:folHlink>
-        <a:srgbClr val="2DCCD3"/>
+        <a:srgbClr val="D0CECE"/>
       </a:folHlink>
     </a:clrScheme>
-    <a:fontScheme name="PASS SQLSaturday">
+    <a:fontScheme name="Office">
       <a:majorFont>
-        <a:latin typeface="Segoe UI"/>
+        <a:latin typeface="Calibri Light" panose="020F0302020204030204"/>
         <a:ea typeface=""/>
         <a:cs typeface=""/>
+        <a:font script="Jpan" typeface="游ゴシック Light"/>
+        <a:font script="Hang" typeface="맑은 고딕"/>
+        <a:font script="Hans" typeface="等线 Light"/>
+        <a:font script="Hant" typeface="新細明體"/>
+        <a:font script="Arab" typeface="Times New Roman"/>
+        <a:font script="Hebr" typeface="Times New Roman"/>
+        <a:font script="Thai" typeface="Angsana New"/>
+        <a:font script="Ethi" typeface="Nyala"/>
+        <a:font script="Beng" typeface="Vrinda"/>
+        <a:font script="Gujr" typeface="Shruti"/>
+        <a:font script="Khmr" typeface="MoolBoran"/>
+        <a:font script="Knda" typeface="Tunga"/>
+        <a:font script="Guru" typeface="Raavi"/>
+        <a:font script="Cans" typeface="Euphemia"/>
+        <a:font script="Cher" typeface="Plantagenet Cherokee"/>
+        <a:font script="Yiii" typeface="Microsoft Yi Baiti"/>
+        <a:font script="Tibt" typeface="Microsoft Himalaya"/>
+        <a:font script="Thaa" typeface="MV Boli"/>
+        <a:font script="Deva" typeface="Mangal"/>
+        <a:font script="Telu" typeface="Gautami"/>
+        <a:font script="Taml" typeface="Latha"/>
+        <a:font script="Syrc" typeface="Estrangelo Edessa"/>
+        <a:font script="Orya" typeface="Kalinga"/>
+        <a:font script="Mlym" typeface="Kartika"/>
+        <a:font script="Laoo" typeface="DokChampa"/>
+        <a:font script="Sinh" typeface="Iskoola Pota"/>
+        <a:font script="Mong" typeface="Mongolian Baiti"/>
+        <a:font script="Viet" typeface="Times New Roman"/>
+        <a:font script="Uigh" typeface="Microsoft Uighur"/>
+        <a:font script="Geor" typeface="Sylfaen"/>
+        <a:font script="Armn" typeface="Arial"/>
+        <a:font script="Bugi" typeface="Leelawadee UI"/>
+        <a:font script="Bopo" typeface="Microsoft JhengHei"/>
+        <a:font script="Java" typeface="Javanese Text"/>
+        <a:font script="Lisu" typeface="Segoe UI"/>
+        <a:font script="Mymr" typeface="Myanmar Text"/>
+        <a:font script="Nkoo" typeface="Ebrima"/>
+        <a:font script="Olck" typeface="Nirmala UI"/>
+        <a:font script="Osma" typeface="Ebrima"/>
+        <a:font script="Phag" typeface="Phagspa"/>
+        <a:font script="Syrn" typeface="Estrangelo Edessa"/>
+        <a:font script="Syrj" typeface="Estrangelo Edessa"/>
+        <a:font script="Syre" typeface="Estrangelo Edessa"/>
+        <a:font script="Sora" typeface="Nirmala UI"/>
+        <a:font script="Tale" typeface="Microsoft Tai Le"/>
+        <a:font script="Talu" typeface="Microsoft New Tai Lue"/>
+        <a:font script="Tfng" typeface="Ebrima"/>
       </a:majorFont>
       <a:minorFont>
-        <a:latin typeface="Segoe UI"/>
+        <a:latin typeface="Calibri" panose="020F0502020204030204"/>
         <a:ea typeface=""/>
         <a:cs typeface=""/>
+        <a:font script="Jpan" typeface="游ゴシック"/>
+        <a:font script="Hang" typeface="맑은 고딕"/>
+        <a:font script="Hans" typeface="等线"/>
+        <a:font script="Hant" typeface="新細明體"/>
+        <a:font script="Arab" typeface="Arial"/>
+        <a:font script="Hebr" typeface="Arial"/>
+        <a:font script="Thai" typeface="Cordia New"/>
+        <a:font script="Ethi" typeface="Nyala"/>
+        <a:font script="Beng" typeface="Vrinda"/>
+        <a:font script="Gujr" typeface="Shruti"/>
+        <a:font script="Khmr" typeface="DaunPenh"/>
+        <a:font script="Knda" typeface="Tunga"/>
+        <a:font script="Guru" typeface="Raavi"/>
+        <a:font script="Cans" typeface="Euphemia"/>
+        <a:font script="Cher" typeface="Plantagenet Cherokee"/>
+        <a:font script="Yiii" typeface="Microsoft Yi Baiti"/>
+        <a:font script="Tibt" typeface="Microsoft Himalaya"/>
+        <a:font script="Thaa" typeface="MV Boli"/>
+        <a:font script="Deva" typeface="Mangal"/>
+        <a:font script="Telu" typeface="Gautami"/>
+        <a:font script="Taml" typeface="Latha"/>
+        <a:font script="Syrc" typeface="Estrangelo Edessa"/>
+        <a:font script="Orya" typeface="Kalinga"/>
+        <a:font script="Mlym" typeface="Kartika"/>
+        <a:font script="Laoo" typeface="DokChampa"/>
+        <a:font script="Sinh" typeface="Iskoola Pota"/>
+        <a:font script="Mong" typeface="Mongolian Baiti"/>
+        <a:font script="Viet" typeface="Arial"/>
+        <a:font script="Uigh" typeface="Microsoft Uighur"/>
+        <a:font script="Geor" typeface="Sylfaen"/>
+        <a:font script="Armn" typeface="Arial"/>
+        <a:font script="Bugi" typeface="Leelawadee UI"/>
+        <a:font script="Bopo" typeface="Microsoft JhengHei"/>
+        <a:font script="Java" typeface="Javanese Text"/>
+        <a:font script="Lisu" typeface="Segoe UI"/>
+        <a:font script="Mymr" typeface="Myanmar Text"/>
+        <a:font script="Nkoo" typeface="Ebrima"/>
+        <a:font script="Olck" typeface="Nirmala UI"/>
+        <a:font script="Osma" typeface="Ebrima"/>
+        <a:font script="Phag" typeface="Phagspa"/>
+        <a:font script="Syrn" typeface="Estrangelo Edessa"/>
+        <a:font script="Syrj" typeface="Estrangelo Edessa"/>
+        <a:font script="Syre" typeface="Estrangelo Edessa"/>
+        <a:font script="Sora" typeface="Nirmala UI"/>
+        <a:font script="Tale" typeface="Microsoft Tai Le"/>
+        <a:font script="Talu" typeface="Microsoft New Tai Lue"/>
+        <a:font script="Tfng" typeface="Ebrima"/>
       </a:minorFont>
     </a:fontScheme>
     <a:fmtScheme name="Office">
@@ -2264,196 +6248,141 @@
           <a:gsLst>
             <a:gs pos="0">
               <a:schemeClr val="phClr">
-                <a:tint val="50000"/>
-                <a:satMod val="300000"/>
+                <a:lumMod val="110000"/>
+                <a:satMod val="105000"/>
+                <a:tint val="67000"/>
               </a:schemeClr>
             </a:gs>
-            <a:gs pos="35000">
+            <a:gs pos="50000">
               <a:schemeClr val="phClr">
-                <a:tint val="37000"/>
-                <a:satMod val="300000"/>
+                <a:lumMod val="105000"/>
+                <a:satMod val="103000"/>
+                <a:tint val="73000"/>
               </a:schemeClr>
             </a:gs>
             <a:gs pos="100000">
               <a:schemeClr val="phClr">
-                <a:tint val="15000"/>
-                <a:satMod val="350000"/>
+                <a:lumMod val="105000"/>
+                <a:satMod val="109000"/>
+                <a:tint val="81000"/>
               </a:schemeClr>
             </a:gs>
           </a:gsLst>
-          <a:lin ang="16200000" scaled="1"/>
+          <a:lin ang="5400000" scaled="0"/>
         </a:gradFill>
         <a:gradFill rotWithShape="1">
           <a:gsLst>
             <a:gs pos="0">
               <a:schemeClr val="phClr">
-                <a:tint val="100000"/>
+                <a:satMod val="103000"/>
+                <a:lumMod val="102000"/>
+                <a:tint val="94000"/>
+              </a:schemeClr>
+            </a:gs>
+            <a:gs pos="50000">
+              <a:schemeClr val="phClr">
+                <a:satMod val="110000"/>
+                <a:lumMod val="100000"/>
                 <a:shade val="100000"/>
-                <a:satMod val="130000"/>
               </a:schemeClr>
             </a:gs>
             <a:gs pos="100000">
               <a:schemeClr val="phClr">
-                <a:tint val="50000"/>
-                <a:shade val="100000"/>
-                <a:satMod val="350000"/>
+                <a:lumMod val="99000"/>
+                <a:satMod val="120000"/>
+                <a:shade val="78000"/>
               </a:schemeClr>
             </a:gs>
           </a:gsLst>
-          <a:lin ang="16200000" scaled="0"/>
+          <a:lin ang="5400000" scaled="0"/>
         </a:gradFill>
       </a:fillStyleLst>
       <a:lnStyleLst>
-        <a:ln w="9525" cap="flat" cmpd="sng" algn="ctr">
-          <a:solidFill>
-            <a:schemeClr val="phClr">
-              <a:shade val="95000"/>
-              <a:satMod val="105000"/>
-            </a:schemeClr>
-          </a:solidFill>
-          <a:prstDash val="solid"/>
-        </a:ln>
-        <a:ln w="25400" cap="flat" cmpd="sng" algn="ctr">
+        <a:ln w="6350" cap="flat" cmpd="sng" algn="ctr">
           <a:solidFill>
             <a:schemeClr val="phClr"/>
           </a:solidFill>
           <a:prstDash val="solid"/>
+          <a:miter lim="800000"/>
         </a:ln>
-        <a:ln w="38100" cap="flat" cmpd="sng" algn="ctr">
+        <a:ln w="12700" cap="flat" cmpd="sng" algn="ctr">
           <a:solidFill>
             <a:schemeClr val="phClr"/>
           </a:solidFill>
           <a:prstDash val="solid"/>
+          <a:miter lim="800000"/>
+        </a:ln>
+        <a:ln w="19050" cap="flat" cmpd="sng" algn="ctr">
+          <a:solidFill>
+            <a:schemeClr val="phClr"/>
+          </a:solidFill>
+          <a:prstDash val="solid"/>
+          <a:miter lim="800000"/>
         </a:ln>
       </a:lnStyleLst>
       <a:effectStyleLst>
         <a:effectStyle>
+          <a:effectLst/>
+        </a:effectStyle>
+        <a:effectStyle>
+          <a:effectLst/>
+        </a:effectStyle>
+        <a:effectStyle>
           <a:effectLst>
-            <a:outerShdw blurRad="40000" dist="20000" dir="5400000" rotWithShape="0">
+            <a:outerShdw blurRad="57150" dist="19050" dir="5400000" algn="ctr" rotWithShape="0">
               <a:srgbClr val="000000">
-                <a:alpha val="38000"/>
+                <a:alpha val="63000"/>
               </a:srgbClr>
             </a:outerShdw>
           </a:effectLst>
-        </a:effectStyle>
-        <a:effectStyle>
-          <a:effectLst>
-            <a:outerShdw blurRad="40000" dist="23000" dir="5400000" rotWithShape="0">
-              <a:srgbClr val="000000">
-                <a:alpha val="35000"/>
-              </a:srgbClr>
-            </a:outerShdw>
-          </a:effectLst>
-        </a:effectStyle>
-        <a:effectStyle>
-          <a:effectLst>
-            <a:outerShdw blurRad="40000" dist="23000" dir="5400000" rotWithShape="0">
-              <a:srgbClr val="000000">
-                <a:alpha val="35000"/>
-              </a:srgbClr>
-            </a:outerShdw>
-          </a:effectLst>
-          <a:scene3d>
-            <a:camera prst="orthographicFront">
-              <a:rot lat="0" lon="0" rev="0"/>
-            </a:camera>
-            <a:lightRig rig="threePt" dir="t">
-              <a:rot lat="0" lon="0" rev="1200000"/>
-            </a:lightRig>
-          </a:scene3d>
-          <a:sp3d>
-            <a:bevelT w="63500" h="25400"/>
-          </a:sp3d>
         </a:effectStyle>
       </a:effectStyleLst>
       <a:bgFillStyleLst>
         <a:solidFill>
           <a:schemeClr val="phClr"/>
         </a:solidFill>
+        <a:solidFill>
+          <a:schemeClr val="phClr">
+            <a:tint val="95000"/>
+            <a:satMod val="170000"/>
+          </a:schemeClr>
+        </a:solidFill>
         <a:gradFill rotWithShape="1">
           <a:gsLst>
             <a:gs pos="0">
               <a:schemeClr val="phClr">
-                <a:tint val="40000"/>
-                <a:satMod val="350000"/>
+                <a:tint val="93000"/>
+                <a:satMod val="150000"/>
+                <a:shade val="98000"/>
+                <a:lumMod val="102000"/>
               </a:schemeClr>
             </a:gs>
-            <a:gs pos="40000">
+            <a:gs pos="50000">
               <a:schemeClr val="phClr">
-                <a:tint val="45000"/>
-                <a:shade val="99000"/>
-                <a:satMod val="350000"/>
+                <a:tint val="98000"/>
+                <a:satMod val="130000"/>
+                <a:shade val="90000"/>
+                <a:lumMod val="103000"/>
               </a:schemeClr>
             </a:gs>
             <a:gs pos="100000">
               <a:schemeClr val="phClr">
-                <a:shade val="20000"/>
-                <a:satMod val="255000"/>
+                <a:shade val="63000"/>
+                <a:satMod val="120000"/>
               </a:schemeClr>
             </a:gs>
           </a:gsLst>
-          <a:path path="circle">
-            <a:fillToRect l="50000" t="-80000" r="50000" b="180000"/>
-          </a:path>
-        </a:gradFill>
-        <a:gradFill rotWithShape="1">
-          <a:gsLst>
-            <a:gs pos="0">
-              <a:schemeClr val="phClr">
-                <a:tint val="80000"/>
-                <a:satMod val="300000"/>
-              </a:schemeClr>
-            </a:gs>
-            <a:gs pos="100000">
-              <a:schemeClr val="phClr">
-                <a:shade val="30000"/>
-                <a:satMod val="200000"/>
-              </a:schemeClr>
-            </a:gs>
-          </a:gsLst>
-          <a:path path="circle">
-            <a:fillToRect l="50000" t="50000" r="50000" b="50000"/>
-          </a:path>
+          <a:lin ang="5400000" scaled="0"/>
         </a:gradFill>
       </a:bgFillStyleLst>
     </a:fmtScheme>
   </a:themeElements>
-  <a:objectDefaults>
-    <a:spDef>
-      <a:spPr/>
-      <a:bodyPr lIns="0" tIns="0" rIns="0" bIns="0" anchor="ctr">
-        <a:spAutoFit/>
-      </a:bodyPr>
-      <a:lstStyle>
-        <a:defPPr algn="l">
-          <a:defRPr sz="2400" dirty="0" smtClean="0">
-            <a:solidFill>
-              <a:schemeClr val="accent1"/>
-            </a:solidFill>
-          </a:defRPr>
-        </a:defPPr>
-      </a:lstStyle>
-    </a:spDef>
-    <a:lnDef>
-      <a:spPr/>
-      <a:bodyPr/>
-      <a:lstStyle/>
-      <a:style>
-        <a:lnRef idx="2">
-          <a:schemeClr val="accent1"/>
-        </a:lnRef>
-        <a:fillRef idx="0">
-          <a:schemeClr val="accent1"/>
-        </a:fillRef>
-        <a:effectRef idx="1">
-          <a:schemeClr val="accent1"/>
-        </a:effectRef>
-        <a:fontRef idx="minor">
-          <a:schemeClr val="tx1"/>
-        </a:fontRef>
-      </a:style>
-    </a:lnDef>
-  </a:objectDefaults>
+  <a:objectDefaults/>
   <a:extraClrSchemeLst/>
+  <a:extLst>
+    <a:ext uri="{05A4C25C-085E-4340-85A3-A5531E510DB2}">
+      <thm15:themeFamily xmlns:thm15="http://schemas.microsoft.com/office/thememl/2012/main" name="Tech presentation_Win32_LW_v2.potx" id="{3AEEB70B-72AA-432B-B699-7833EBF4B1FE}" vid="{14A49A59-25D4-4203-BE02-DE6939C7C5F6}"/>
+    </a:ext>
+  </a:extLst>
 </a:theme>
 </file>